--- a/docs/cna/CVE Counting Rules Training.pptx
+++ b/docs/cna/CVE Counting Rules Training.pptx
@@ -5,10 +5,10 @@
     <p:sldMasterId id="2147483648" r:id="rId5"/>
   </p:sldMasterIdLst>
   <p:notesMasterIdLst>
-    <p:notesMasterId r:id="rId55"/>
+    <p:notesMasterId r:id="rId54"/>
   </p:notesMasterIdLst>
   <p:handoutMasterIdLst>
-    <p:handoutMasterId r:id="rId56"/>
+    <p:handoutMasterId r:id="rId55"/>
   </p:handoutMasterIdLst>
   <p:sldIdLst>
     <p:sldId id="256" r:id="rId6"/>
@@ -28,38 +28,37 @@
     <p:sldId id="270" r:id="rId20"/>
     <p:sldId id="271" r:id="rId21"/>
     <p:sldId id="272" r:id="rId22"/>
-    <p:sldId id="273" r:id="rId23"/>
-    <p:sldId id="274" r:id="rId24"/>
-    <p:sldId id="275" r:id="rId25"/>
-    <p:sldId id="276" r:id="rId26"/>
-    <p:sldId id="277" r:id="rId27"/>
-    <p:sldId id="278" r:id="rId28"/>
-    <p:sldId id="279" r:id="rId29"/>
-    <p:sldId id="280" r:id="rId30"/>
-    <p:sldId id="281" r:id="rId31"/>
-    <p:sldId id="282" r:id="rId32"/>
-    <p:sldId id="283" r:id="rId33"/>
-    <p:sldId id="284" r:id="rId34"/>
-    <p:sldId id="285" r:id="rId35"/>
-    <p:sldId id="286" r:id="rId36"/>
-    <p:sldId id="287" r:id="rId37"/>
-    <p:sldId id="307" r:id="rId38"/>
-    <p:sldId id="289" r:id="rId39"/>
-    <p:sldId id="290" r:id="rId40"/>
-    <p:sldId id="291" r:id="rId41"/>
-    <p:sldId id="292" r:id="rId42"/>
-    <p:sldId id="293" r:id="rId43"/>
-    <p:sldId id="294" r:id="rId44"/>
-    <p:sldId id="295" r:id="rId45"/>
-    <p:sldId id="296" r:id="rId46"/>
-    <p:sldId id="297" r:id="rId47"/>
-    <p:sldId id="298" r:id="rId48"/>
-    <p:sldId id="299" r:id="rId49"/>
-    <p:sldId id="300" r:id="rId50"/>
-    <p:sldId id="308" r:id="rId51"/>
-    <p:sldId id="309" r:id="rId52"/>
-    <p:sldId id="303" r:id="rId53"/>
-    <p:sldId id="304" r:id="rId54"/>
+    <p:sldId id="310" r:id="rId23"/>
+    <p:sldId id="311" r:id="rId24"/>
+    <p:sldId id="276" r:id="rId25"/>
+    <p:sldId id="277" r:id="rId26"/>
+    <p:sldId id="278" r:id="rId27"/>
+    <p:sldId id="279" r:id="rId28"/>
+    <p:sldId id="280" r:id="rId29"/>
+    <p:sldId id="281" r:id="rId30"/>
+    <p:sldId id="282" r:id="rId31"/>
+    <p:sldId id="283" r:id="rId32"/>
+    <p:sldId id="284" r:id="rId33"/>
+    <p:sldId id="285" r:id="rId34"/>
+    <p:sldId id="286" r:id="rId35"/>
+    <p:sldId id="287" r:id="rId36"/>
+    <p:sldId id="307" r:id="rId37"/>
+    <p:sldId id="289" r:id="rId38"/>
+    <p:sldId id="290" r:id="rId39"/>
+    <p:sldId id="291" r:id="rId40"/>
+    <p:sldId id="292" r:id="rId41"/>
+    <p:sldId id="293" r:id="rId42"/>
+    <p:sldId id="294" r:id="rId43"/>
+    <p:sldId id="295" r:id="rId44"/>
+    <p:sldId id="296" r:id="rId45"/>
+    <p:sldId id="297" r:id="rId46"/>
+    <p:sldId id="298" r:id="rId47"/>
+    <p:sldId id="299" r:id="rId48"/>
+    <p:sldId id="300" r:id="rId49"/>
+    <p:sldId id="308" r:id="rId50"/>
+    <p:sldId id="309" r:id="rId51"/>
+    <p:sldId id="303" r:id="rId52"/>
+    <p:sldId id="304" r:id="rId53"/>
   </p:sldIdLst>
   <p:sldSz cx="9144000" cy="6858000" type="screen4x3"/>
   <p:notesSz cx="6858000" cy="9144000"/>
@@ -197,10 +196,6 @@
     <p:extLst/>
   </p:cmAuthor>
 </p:cmAuthorLst>
-</file>
-
-<file path=ppt/revisionInfo.xml><?xml version="1.0" encoding="utf-8"?>
-<p1510:revInfo xmlns:a="http://schemas.openxmlformats.org/drawingml/2006/main" xmlns:r="http://schemas.openxmlformats.org/officeDocument/2006/relationships" xmlns:p1510="http://schemas.microsoft.com/office/powerpoint/2015/10/main"/>
 </file>
 
 <file path=ppt/diagrams/colors1.xml><?xml version="1.0" encoding="utf-8"?>
@@ -6961,7 +6956,7 @@
           <a:p>
             <a:fld id="{45DC58A4-1F39-4E10-B40C-ECB2E4998083}" type="datetimeFigureOut">
               <a:rPr lang="en-US" smtClean="0"/>
-              <a:t>2/19/2018</a:t>
+              <a:t>7/25/2018</a:t>
             </a:fld>
             <a:endParaRPr lang="en-US"/>
           </a:p>
@@ -7126,7 +7121,7 @@
           <a:p>
             <a:fld id="{24BF3212-CA4A-4372-B18F-FDBCACCE5573}" type="datetimeFigureOut">
               <a:rPr lang="en-US" smtClean="0"/>
-              <a:t>2/19/2018</a:t>
+              <a:t>7/25/2018</a:t>
             </a:fld>
             <a:endParaRPr lang="en-US"/>
           </a:p>
@@ -7515,7 +7510,12 @@
             <p:ph type="sldImg"/>
           </p:nvPr>
         </p:nvSpPr>
-        <p:spPr/>
+        <p:spPr>
+          <a:xfrm>
+            <a:off x="1371600" y="1143000"/>
+            <a:ext cx="4114800" cy="3086100"/>
+          </a:xfrm>
+        </p:spPr>
       </p:sp>
       <p:sp>
         <p:nvSpPr>
@@ -7532,10 +7532,7 @@
           <a:bodyPr/>
           <a:lstStyle/>
           <a:p>
-            <a:r>
-              <a:rPr lang="en-US" dirty="0"/>
-              <a:t>Note that there is an independently fixable vulnerability in the code when you set height and/or width to 0.  </a:t>
-            </a:r>
+            <a:endParaRPr lang="en-US" dirty="0"/>
           </a:p>
         </p:txBody>
       </p:sp>
@@ -7556,7 +7553,7 @@
           <a:p>
             <a:fld id="{FF0F432A-6797-4A63-9A6F-D8BC415B5D83}" type="slidenum">
               <a:rPr lang="en-US" smtClean="0"/>
-              <a:t>21</a:t>
+              <a:t>23</a:t>
             </a:fld>
             <a:endParaRPr lang="en-US"/>
           </a:p>
@@ -7565,7 +7562,7 @@
     </p:spTree>
     <p:extLst>
       <p:ext uri="{BB962C8B-B14F-4D97-AF65-F5344CB8AC3E}">
-        <p14:creationId xmlns:p14="http://schemas.microsoft.com/office/powerpoint/2010/main" val="779197145"/>
+        <p14:creationId xmlns:p14="http://schemas.microsoft.com/office/powerpoint/2010/main" val="1152926929"/>
       </p:ext>
     </p:extLst>
   </p:cSld>
@@ -7602,7 +7599,12 @@
             <p:ph type="sldImg"/>
           </p:nvPr>
         </p:nvSpPr>
-        <p:spPr/>
+        <p:spPr>
+          <a:xfrm>
+            <a:off x="1371600" y="1143000"/>
+            <a:ext cx="4114800" cy="3086100"/>
+          </a:xfrm>
+        </p:spPr>
       </p:sp>
       <p:sp>
         <p:nvSpPr>
@@ -7640,7 +7642,7 @@
           <a:p>
             <a:fld id="{FF0F432A-6797-4A63-9A6F-D8BC415B5D83}" type="slidenum">
               <a:rPr lang="en-US" smtClean="0"/>
-              <a:t>22</a:t>
+              <a:t>27</a:t>
             </a:fld>
             <a:endParaRPr lang="en-US"/>
           </a:p>
@@ -7649,7 +7651,7 @@
     </p:spTree>
     <p:extLst>
       <p:ext uri="{BB962C8B-B14F-4D97-AF65-F5344CB8AC3E}">
-        <p14:creationId xmlns:p14="http://schemas.microsoft.com/office/powerpoint/2010/main" val="1085711405"/>
+        <p14:creationId xmlns:p14="http://schemas.microsoft.com/office/powerpoint/2010/main" val="2619875987"/>
       </p:ext>
     </p:extLst>
   </p:cSld>
@@ -7710,11 +7712,7 @@
           <a:p>
             <a:r>
               <a:rPr lang="en-US" dirty="0"/>
-              <a:t>I used “bad</a:t>
-            </a:r>
-            <a:r>
-              <a:rPr lang="en-US" baseline="0" dirty="0"/>
-              <a:t> things” intentionally to point out that the impact is a very loose requirement.</a:t>
+              <a:t>Due diligence</a:t>
             </a:r>
           </a:p>
         </p:txBody>
@@ -7736,7 +7734,7 @@
           <a:p>
             <a:fld id="{FF0F432A-6797-4A63-9A6F-D8BC415B5D83}" type="slidenum">
               <a:rPr lang="en-US" smtClean="0"/>
-              <a:t>23</a:t>
+              <a:t>28</a:t>
             </a:fld>
             <a:endParaRPr lang="en-US"/>
           </a:p>
@@ -7745,7 +7743,7 @@
     </p:spTree>
     <p:extLst>
       <p:ext uri="{BB962C8B-B14F-4D97-AF65-F5344CB8AC3E}">
-        <p14:creationId xmlns:p14="http://schemas.microsoft.com/office/powerpoint/2010/main" val="864134223"/>
+        <p14:creationId xmlns:p14="http://schemas.microsoft.com/office/powerpoint/2010/main" val="2878518483"/>
       </p:ext>
     </p:extLst>
   </p:cSld>
@@ -7784,8 +7782,8 @@
         </p:nvSpPr>
         <p:spPr>
           <a:xfrm>
-            <a:off x="685800" y="1143000"/>
-            <a:ext cx="5486400" cy="3086100"/>
+            <a:off x="1371600" y="1143000"/>
+            <a:ext cx="4114800" cy="3086100"/>
           </a:xfrm>
         </p:spPr>
       </p:sp>
@@ -7804,6 +7802,29 @@
           <a:bodyPr/>
           <a:lstStyle/>
           <a:p>
+            <a:pPr marL="0" marR="0" lvl="0" indent="0" algn="l" defTabSz="914400" rtl="0" eaLnBrk="1" fontAlgn="auto" latinLnBrk="0" hangingPunct="1">
+              <a:lnSpc>
+                <a:spcPct val="100000"/>
+              </a:lnSpc>
+              <a:spcBef>
+                <a:spcPts val="0"/>
+              </a:spcBef>
+              <a:spcAft>
+                <a:spcPts val="0"/>
+              </a:spcAft>
+              <a:buClrTx/>
+              <a:buSzTx/>
+              <a:buFontTx/>
+              <a:buNone/>
+              <a:tabLst/>
+              <a:defRPr/>
+            </a:pPr>
+            <a:r>
+              <a:rPr lang="en-US" dirty="0"/>
+              <a:t>TLS 1.2 does not require the use of MD5.  Therefore, it is an implementation issue.   However, the implementation are inheriting the vulnerability from the MD5 standard, and therefore should use the CVE ID for MD5 (CVE-2004-2761).  </a:t>
+            </a:r>
+          </a:p>
+          <a:p>
             <a:endParaRPr lang="en-US" dirty="0"/>
           </a:p>
         </p:txBody>
@@ -7825,7 +7846,7 @@
           <a:p>
             <a:fld id="{FF0F432A-6797-4A63-9A6F-D8BC415B5D83}" type="slidenum">
               <a:rPr lang="en-US" smtClean="0"/>
-              <a:t>24</a:t>
+              <a:t>30</a:t>
             </a:fld>
             <a:endParaRPr lang="en-US"/>
           </a:p>
@@ -7834,7 +7855,7 @@
     </p:spTree>
     <p:extLst>
       <p:ext uri="{BB962C8B-B14F-4D97-AF65-F5344CB8AC3E}">
-        <p14:creationId xmlns:p14="http://schemas.microsoft.com/office/powerpoint/2010/main" val="1152926929"/>
+        <p14:creationId xmlns:p14="http://schemas.microsoft.com/office/powerpoint/2010/main" val="1798239352"/>
       </p:ext>
     </p:extLst>
   </p:cSld>
@@ -7893,7 +7914,10 @@
           <a:bodyPr/>
           <a:lstStyle/>
           <a:p>
-            <a:endParaRPr lang="en-US" dirty="0"/>
+            <a:r>
+              <a:rPr lang="en-US" dirty="0"/>
+              <a:t>Increased emphasis</a:t>
+            </a:r>
           </a:p>
         </p:txBody>
       </p:sp>
@@ -7914,7 +7938,7 @@
           <a:p>
             <a:fld id="{FF0F432A-6797-4A63-9A6F-D8BC415B5D83}" type="slidenum">
               <a:rPr lang="en-US" smtClean="0"/>
-              <a:t>28</a:t>
+              <a:t>33</a:t>
             </a:fld>
             <a:endParaRPr lang="en-US"/>
           </a:p>
@@ -7923,7 +7947,7 @@
     </p:spTree>
     <p:extLst>
       <p:ext uri="{BB962C8B-B14F-4D97-AF65-F5344CB8AC3E}">
-        <p14:creationId xmlns:p14="http://schemas.microsoft.com/office/powerpoint/2010/main" val="2619875987"/>
+        <p14:creationId xmlns:p14="http://schemas.microsoft.com/office/powerpoint/2010/main" val="1362209565"/>
       </p:ext>
     </p:extLst>
   </p:cSld>
@@ -7934,6 +7958,113 @@
 </file>
 
 <file path=ppt/notesSlides/notesSlide15.xml><?xml version="1.0" encoding="utf-8"?>
+<p:notes xmlns:a="http://schemas.openxmlformats.org/drawingml/2006/main" xmlns:r="http://schemas.openxmlformats.org/officeDocument/2006/relationships" xmlns:p="http://schemas.openxmlformats.org/presentationml/2006/main">
+  <p:cSld>
+    <p:spTree>
+      <p:nvGrpSpPr>
+        <p:cNvPr id="1" name=""/>
+        <p:cNvGrpSpPr/>
+        <p:nvPr/>
+      </p:nvGrpSpPr>
+      <p:grpSpPr>
+        <a:xfrm>
+          <a:off x="0" y="0"/>
+          <a:ext cx="0" cy="0"/>
+          <a:chOff x="0" y="0"/>
+          <a:chExt cx="0" cy="0"/>
+        </a:xfrm>
+      </p:grpSpPr>
+      <p:sp>
+        <p:nvSpPr>
+          <p:cNvPr id="2" name="Slide Image Placeholder 1"/>
+          <p:cNvSpPr>
+            <a:spLocks noGrp="1" noRot="1" noChangeAspect="1"/>
+          </p:cNvSpPr>
+          <p:nvPr>
+            <p:ph type="sldImg"/>
+          </p:nvPr>
+        </p:nvSpPr>
+        <p:spPr/>
+      </p:sp>
+      <p:sp>
+        <p:nvSpPr>
+          <p:cNvPr id="3" name="Notes Placeholder 2"/>
+          <p:cNvSpPr>
+            <a:spLocks noGrp="1"/>
+          </p:cNvSpPr>
+          <p:nvPr>
+            <p:ph type="body" idx="1"/>
+          </p:nvPr>
+        </p:nvSpPr>
+        <p:spPr/>
+        <p:txBody>
+          <a:bodyPr/>
+          <a:lstStyle/>
+          <a:p>
+            <a:r>
+              <a:rPr lang="en-US" dirty="0"/>
+              <a:t>Apple and Google both maintained </a:t>
+            </a:r>
+            <a:r>
+              <a:rPr lang="en-US" dirty="0" err="1"/>
+              <a:t>Webkit</a:t>
+            </a:r>
+            <a:r>
+              <a:rPr lang="en-US" dirty="0"/>
+              <a:t> and negotiated who would assign a CVE ID to each vulnerability</a:t>
+            </a:r>
+          </a:p>
+          <a:p>
+            <a:r>
+              <a:rPr lang="en-US" dirty="0"/>
+              <a:t>The Linux distros have a mailing list where common vulnerabilities are posted and the CNAs determine who should assign.</a:t>
+            </a:r>
+          </a:p>
+          <a:p>
+            <a:r>
+              <a:rPr lang="en-US" dirty="0"/>
+              <a:t>Oracle and IBM maintain their own versions of Java.  IBM uses the CVE IDs Oracle assigns. </a:t>
+            </a:r>
+          </a:p>
+        </p:txBody>
+      </p:sp>
+      <p:sp>
+        <p:nvSpPr>
+          <p:cNvPr id="4" name="Slide Number Placeholder 3"/>
+          <p:cNvSpPr>
+            <a:spLocks noGrp="1"/>
+          </p:cNvSpPr>
+          <p:nvPr>
+            <p:ph type="sldNum" sz="quarter" idx="10"/>
+          </p:nvPr>
+        </p:nvSpPr>
+        <p:spPr/>
+        <p:txBody>
+          <a:bodyPr/>
+          <a:lstStyle/>
+          <a:p>
+            <a:fld id="{6FCCDFB8-CE1E-4CEA-A9A7-0392F69410F3}" type="slidenum">
+              <a:rPr lang="en-US" smtClean="0"/>
+              <a:t>35</a:t>
+            </a:fld>
+            <a:endParaRPr lang="en-US"/>
+          </a:p>
+        </p:txBody>
+      </p:sp>
+    </p:spTree>
+    <p:extLst>
+      <p:ext uri="{BB962C8B-B14F-4D97-AF65-F5344CB8AC3E}">
+        <p14:creationId xmlns:p14="http://schemas.microsoft.com/office/powerpoint/2010/main" val="2847607613"/>
+      </p:ext>
+    </p:extLst>
+  </p:cSld>
+  <p:clrMapOvr>
+    <a:masterClrMapping/>
+  </p:clrMapOvr>
+</p:notes>
+</file>
+
+<file path=ppt/notesSlides/notesSlide16.xml><?xml version="1.0" encoding="utf-8"?>
 <p:notes xmlns:a="http://schemas.openxmlformats.org/drawingml/2006/main" xmlns:r="http://schemas.openxmlformats.org/officeDocument/2006/relationships" xmlns:p="http://schemas.openxmlformats.org/presentationml/2006/main">
   <p:cSld>
     <p:spTree>
@@ -7982,10 +8113,118 @@
           <a:bodyPr/>
           <a:lstStyle/>
           <a:p>
-            <a:r>
-              <a:rPr lang="en-US" dirty="0"/>
-              <a:t>Due diligence</a:t>
-            </a:r>
+            <a:pPr marL="231775" lvl="0" indent="-231775">
+              <a:spcAft>
+                <a:spcPts val="600"/>
+              </a:spcAft>
+              <a:buClr>
+                <a:srgbClr val="005B94"/>
+              </a:buClr>
+              <a:buSzPct val="120000"/>
+              <a:buFont typeface="Wingdings" pitchFamily="2" charset="2"/>
+              <a:buChar char="§"/>
+            </a:pPr>
+            <a:r>
+              <a:rPr lang="en-US" sz="2000" b="1" dirty="0">
+                <a:solidFill>
+                  <a:prstClr val="black"/>
+                </a:solidFill>
+                <a:latin typeface="Arial" pitchFamily="34" charset="0"/>
+                <a:cs typeface="Arial" pitchFamily="34" charset="0"/>
+              </a:rPr>
+              <a:t>Meant to rule out vulnerabilities in</a:t>
+            </a:r>
+          </a:p>
+          <a:p>
+            <a:pPr marL="515938" lvl="1" indent="-228600">
+              <a:spcAft>
+                <a:spcPts val="600"/>
+              </a:spcAft>
+              <a:buClr>
+                <a:srgbClr val="005B94"/>
+              </a:buClr>
+              <a:buFont typeface="Arial" pitchFamily="34" charset="0"/>
+              <a:buChar char="–"/>
+            </a:pPr>
+            <a:r>
+              <a:rPr lang="en-US" sz="2000" dirty="0">
+                <a:solidFill>
+                  <a:prstClr val="black"/>
+                </a:solidFill>
+                <a:latin typeface="Arial" pitchFamily="34" charset="0"/>
+                <a:cs typeface="Arial" pitchFamily="34" charset="0"/>
+              </a:rPr>
+              <a:t>Closed Betas</a:t>
+            </a:r>
+          </a:p>
+          <a:p>
+            <a:pPr marL="515938" lvl="1" indent="-228600">
+              <a:spcAft>
+                <a:spcPts val="600"/>
+              </a:spcAft>
+              <a:buClr>
+                <a:srgbClr val="005B94"/>
+              </a:buClr>
+              <a:buFont typeface="Arial" pitchFamily="34" charset="0"/>
+              <a:buChar char="–"/>
+            </a:pPr>
+            <a:r>
+              <a:rPr lang="en-US" sz="2000" dirty="0">
+                <a:solidFill>
+                  <a:prstClr val="black"/>
+                </a:solidFill>
+                <a:latin typeface="Arial" pitchFamily="34" charset="0"/>
+                <a:cs typeface="Arial" pitchFamily="34" charset="0"/>
+              </a:rPr>
+              <a:t>Commits that are fixed before a new release is issued</a:t>
+            </a:r>
+          </a:p>
+          <a:p>
+            <a:pPr marL="515938" lvl="1" indent="-228600">
+              <a:spcAft>
+                <a:spcPts val="600"/>
+              </a:spcAft>
+              <a:buClr>
+                <a:srgbClr val="005B94"/>
+              </a:buClr>
+              <a:buFont typeface="Arial" pitchFamily="34" charset="0"/>
+              <a:buChar char="–"/>
+            </a:pPr>
+            <a:r>
+              <a:rPr lang="en-US" sz="2000" dirty="0">
+                <a:solidFill>
+                  <a:prstClr val="black"/>
+                </a:solidFill>
+                <a:latin typeface="Arial" pitchFamily="34" charset="0"/>
+                <a:cs typeface="Arial" pitchFamily="34" charset="0"/>
+              </a:rPr>
+              <a:t>Malware</a:t>
+            </a:r>
+          </a:p>
+          <a:p>
+            <a:pPr marL="515938" lvl="1" indent="-228600">
+              <a:spcAft>
+                <a:spcPts val="600"/>
+              </a:spcAft>
+              <a:buClr>
+                <a:srgbClr val="005B94"/>
+              </a:buClr>
+              <a:buFont typeface="Arial" pitchFamily="34" charset="0"/>
+              <a:buChar char="–"/>
+            </a:pPr>
+            <a:r>
+              <a:rPr lang="en-US" sz="2000" dirty="0">
+                <a:solidFill>
+                  <a:prstClr val="black"/>
+                </a:solidFill>
+                <a:latin typeface="Arial" pitchFamily="34" charset="0"/>
+                <a:cs typeface="Arial" pitchFamily="34" charset="0"/>
+              </a:rPr>
+              <a:t>Business internal applications</a:t>
+            </a:r>
+          </a:p>
+          <a:p>
+            <a:endParaRPr lang="en-US" dirty="0"/>
           </a:p>
         </p:txBody>
       </p:sp>
@@ -8006,518 +8245,7 @@
           <a:p>
             <a:fld id="{FF0F432A-6797-4A63-9A6F-D8BC415B5D83}" type="slidenum">
               <a:rPr lang="en-US" smtClean="0"/>
-              <a:t>29</a:t>
-            </a:fld>
-            <a:endParaRPr lang="en-US"/>
-          </a:p>
-        </p:txBody>
-      </p:sp>
-    </p:spTree>
-    <p:extLst>
-      <p:ext uri="{BB962C8B-B14F-4D97-AF65-F5344CB8AC3E}">
-        <p14:creationId xmlns:p14="http://schemas.microsoft.com/office/powerpoint/2010/main" val="2878518483"/>
-      </p:ext>
-    </p:extLst>
-  </p:cSld>
-  <p:clrMapOvr>
-    <a:masterClrMapping/>
-  </p:clrMapOvr>
-</p:notes>
-</file>
-
-<file path=ppt/notesSlides/notesSlide16.xml><?xml version="1.0" encoding="utf-8"?>
-<p:notes xmlns:a="http://schemas.openxmlformats.org/drawingml/2006/main" xmlns:r="http://schemas.openxmlformats.org/officeDocument/2006/relationships" xmlns:p="http://schemas.openxmlformats.org/presentationml/2006/main">
-  <p:cSld>
-    <p:spTree>
-      <p:nvGrpSpPr>
-        <p:cNvPr id="1" name=""/>
-        <p:cNvGrpSpPr/>
-        <p:nvPr/>
-      </p:nvGrpSpPr>
-      <p:grpSpPr>
-        <a:xfrm>
-          <a:off x="0" y="0"/>
-          <a:ext cx="0" cy="0"/>
-          <a:chOff x="0" y="0"/>
-          <a:chExt cx="0" cy="0"/>
-        </a:xfrm>
-      </p:grpSpPr>
-      <p:sp>
-        <p:nvSpPr>
-          <p:cNvPr id="2" name="Slide Image Placeholder 1"/>
-          <p:cNvSpPr>
-            <a:spLocks noGrp="1" noRot="1" noChangeAspect="1"/>
-          </p:cNvSpPr>
-          <p:nvPr>
-            <p:ph type="sldImg"/>
-          </p:nvPr>
-        </p:nvSpPr>
-        <p:spPr>
-          <a:xfrm>
-            <a:off x="685800" y="1143000"/>
-            <a:ext cx="5486400" cy="3086100"/>
-          </a:xfrm>
-        </p:spPr>
-      </p:sp>
-      <p:sp>
-        <p:nvSpPr>
-          <p:cNvPr id="3" name="Notes Placeholder 2"/>
-          <p:cNvSpPr>
-            <a:spLocks noGrp="1"/>
-          </p:cNvSpPr>
-          <p:nvPr>
-            <p:ph type="body" idx="1"/>
-          </p:nvPr>
-        </p:nvSpPr>
-        <p:spPr/>
-        <p:txBody>
-          <a:bodyPr/>
-          <a:lstStyle/>
-          <a:p>
-            <a:pPr marL="0" marR="0" lvl="0" indent="0" algn="l" defTabSz="914400" rtl="0" eaLnBrk="1" fontAlgn="auto" latinLnBrk="0" hangingPunct="1">
-              <a:lnSpc>
-                <a:spcPct val="100000"/>
-              </a:lnSpc>
-              <a:spcBef>
-                <a:spcPts val="0"/>
-              </a:spcBef>
-              <a:spcAft>
-                <a:spcPts val="0"/>
-              </a:spcAft>
-              <a:buClrTx/>
-              <a:buSzTx/>
-              <a:buFontTx/>
-              <a:buNone/>
-              <a:tabLst/>
-              <a:defRPr/>
-            </a:pPr>
-            <a:r>
-              <a:rPr lang="en-US" dirty="0"/>
-              <a:t>TLS 1.2 does not require the use of MD5.  Therefore, it is an implementation issue.   However, the implementation are inheriting the vulnerability from the MD5 standard, and therefore should use the CVE ID for MD5 (CVE-2004-2761).  </a:t>
-            </a:r>
-          </a:p>
-          <a:p>
-            <a:endParaRPr lang="en-US" dirty="0"/>
-          </a:p>
-        </p:txBody>
-      </p:sp>
-      <p:sp>
-        <p:nvSpPr>
-          <p:cNvPr id="4" name="Slide Number Placeholder 3"/>
-          <p:cNvSpPr>
-            <a:spLocks noGrp="1"/>
-          </p:cNvSpPr>
-          <p:nvPr>
-            <p:ph type="sldNum" sz="quarter" idx="10"/>
-          </p:nvPr>
-        </p:nvSpPr>
-        <p:spPr/>
-        <p:txBody>
-          <a:bodyPr/>
-          <a:lstStyle/>
-          <a:p>
-            <a:fld id="{FF0F432A-6797-4A63-9A6F-D8BC415B5D83}" type="slidenum">
-              <a:rPr lang="en-US" smtClean="0"/>
-              <a:t>31</a:t>
-            </a:fld>
-            <a:endParaRPr lang="en-US"/>
-          </a:p>
-        </p:txBody>
-      </p:sp>
-    </p:spTree>
-    <p:extLst>
-      <p:ext uri="{BB962C8B-B14F-4D97-AF65-F5344CB8AC3E}">
-        <p14:creationId xmlns:p14="http://schemas.microsoft.com/office/powerpoint/2010/main" val="1798239352"/>
-      </p:ext>
-    </p:extLst>
-  </p:cSld>
-  <p:clrMapOvr>
-    <a:masterClrMapping/>
-  </p:clrMapOvr>
-</p:notes>
-</file>
-
-<file path=ppt/notesSlides/notesSlide17.xml><?xml version="1.0" encoding="utf-8"?>
-<p:notes xmlns:a="http://schemas.openxmlformats.org/drawingml/2006/main" xmlns:r="http://schemas.openxmlformats.org/officeDocument/2006/relationships" xmlns:p="http://schemas.openxmlformats.org/presentationml/2006/main">
-  <p:cSld>
-    <p:spTree>
-      <p:nvGrpSpPr>
-        <p:cNvPr id="1" name=""/>
-        <p:cNvGrpSpPr/>
-        <p:nvPr/>
-      </p:nvGrpSpPr>
-      <p:grpSpPr>
-        <a:xfrm>
-          <a:off x="0" y="0"/>
-          <a:ext cx="0" cy="0"/>
-          <a:chOff x="0" y="0"/>
-          <a:chExt cx="0" cy="0"/>
-        </a:xfrm>
-      </p:grpSpPr>
-      <p:sp>
-        <p:nvSpPr>
-          <p:cNvPr id="2" name="Slide Image Placeholder 1"/>
-          <p:cNvSpPr>
-            <a:spLocks noGrp="1" noRot="1" noChangeAspect="1"/>
-          </p:cNvSpPr>
-          <p:nvPr>
-            <p:ph type="sldImg"/>
-          </p:nvPr>
-        </p:nvSpPr>
-        <p:spPr>
-          <a:xfrm>
-            <a:off x="685800" y="1143000"/>
-            <a:ext cx="5486400" cy="3086100"/>
-          </a:xfrm>
-        </p:spPr>
-      </p:sp>
-      <p:sp>
-        <p:nvSpPr>
-          <p:cNvPr id="3" name="Notes Placeholder 2"/>
-          <p:cNvSpPr>
-            <a:spLocks noGrp="1"/>
-          </p:cNvSpPr>
-          <p:nvPr>
-            <p:ph type="body" idx="1"/>
-          </p:nvPr>
-        </p:nvSpPr>
-        <p:spPr/>
-        <p:txBody>
-          <a:bodyPr/>
-          <a:lstStyle/>
-          <a:p>
-            <a:r>
-              <a:rPr lang="en-US" dirty="0"/>
-              <a:t>Increased emphasis</a:t>
-            </a:r>
-          </a:p>
-        </p:txBody>
-      </p:sp>
-      <p:sp>
-        <p:nvSpPr>
-          <p:cNvPr id="4" name="Slide Number Placeholder 3"/>
-          <p:cNvSpPr>
-            <a:spLocks noGrp="1"/>
-          </p:cNvSpPr>
-          <p:nvPr>
-            <p:ph type="sldNum" sz="quarter" idx="10"/>
-          </p:nvPr>
-        </p:nvSpPr>
-        <p:spPr/>
-        <p:txBody>
-          <a:bodyPr/>
-          <a:lstStyle/>
-          <a:p>
-            <a:fld id="{FF0F432A-6797-4A63-9A6F-D8BC415B5D83}" type="slidenum">
-              <a:rPr lang="en-US" smtClean="0"/>
-              <a:t>34</a:t>
-            </a:fld>
-            <a:endParaRPr lang="en-US"/>
-          </a:p>
-        </p:txBody>
-      </p:sp>
-    </p:spTree>
-    <p:extLst>
-      <p:ext uri="{BB962C8B-B14F-4D97-AF65-F5344CB8AC3E}">
-        <p14:creationId xmlns:p14="http://schemas.microsoft.com/office/powerpoint/2010/main" val="1362209565"/>
-      </p:ext>
-    </p:extLst>
-  </p:cSld>
-  <p:clrMapOvr>
-    <a:masterClrMapping/>
-  </p:clrMapOvr>
-</p:notes>
-</file>
-
-<file path=ppt/notesSlides/notesSlide18.xml><?xml version="1.0" encoding="utf-8"?>
-<p:notes xmlns:a="http://schemas.openxmlformats.org/drawingml/2006/main" xmlns:r="http://schemas.openxmlformats.org/officeDocument/2006/relationships" xmlns:p="http://schemas.openxmlformats.org/presentationml/2006/main">
-  <p:cSld>
-    <p:spTree>
-      <p:nvGrpSpPr>
-        <p:cNvPr id="1" name=""/>
-        <p:cNvGrpSpPr/>
-        <p:nvPr/>
-      </p:nvGrpSpPr>
-      <p:grpSpPr>
-        <a:xfrm>
-          <a:off x="0" y="0"/>
-          <a:ext cx="0" cy="0"/>
-          <a:chOff x="0" y="0"/>
-          <a:chExt cx="0" cy="0"/>
-        </a:xfrm>
-      </p:grpSpPr>
-      <p:sp>
-        <p:nvSpPr>
-          <p:cNvPr id="2" name="Slide Image Placeholder 1"/>
-          <p:cNvSpPr>
-            <a:spLocks noGrp="1" noRot="1" noChangeAspect="1"/>
-          </p:cNvSpPr>
-          <p:nvPr>
-            <p:ph type="sldImg"/>
-          </p:nvPr>
-        </p:nvSpPr>
-        <p:spPr/>
-      </p:sp>
-      <p:sp>
-        <p:nvSpPr>
-          <p:cNvPr id="3" name="Notes Placeholder 2"/>
-          <p:cNvSpPr>
-            <a:spLocks noGrp="1"/>
-          </p:cNvSpPr>
-          <p:nvPr>
-            <p:ph type="body" idx="1"/>
-          </p:nvPr>
-        </p:nvSpPr>
-        <p:spPr/>
-        <p:txBody>
-          <a:bodyPr/>
-          <a:lstStyle/>
-          <a:p>
-            <a:r>
-              <a:rPr lang="en-US" dirty="0"/>
-              <a:t>Apple and Google both maintained </a:t>
-            </a:r>
-            <a:r>
-              <a:rPr lang="en-US" dirty="0" err="1"/>
-              <a:t>Webkit</a:t>
-            </a:r>
-            <a:r>
-              <a:rPr lang="en-US" dirty="0"/>
-              <a:t> and negotiated who would assign a CVE ID to each vulnerability</a:t>
-            </a:r>
-          </a:p>
-          <a:p>
-            <a:r>
-              <a:rPr lang="en-US" dirty="0"/>
-              <a:t>The Linux distros have a mailing list where common vulnerabilities are posted and the CNAs determine who should assign.</a:t>
-            </a:r>
-          </a:p>
-          <a:p>
-            <a:r>
-              <a:rPr lang="en-US" dirty="0"/>
-              <a:t>Oracle and IBM maintain their own versions of Java.  IBM uses the CVE IDs Oracle assigns. </a:t>
-            </a:r>
-          </a:p>
-        </p:txBody>
-      </p:sp>
-      <p:sp>
-        <p:nvSpPr>
-          <p:cNvPr id="4" name="Slide Number Placeholder 3"/>
-          <p:cNvSpPr>
-            <a:spLocks noGrp="1"/>
-          </p:cNvSpPr>
-          <p:nvPr>
-            <p:ph type="sldNum" sz="quarter" idx="10"/>
-          </p:nvPr>
-        </p:nvSpPr>
-        <p:spPr/>
-        <p:txBody>
-          <a:bodyPr/>
-          <a:lstStyle/>
-          <a:p>
-            <a:fld id="{6FCCDFB8-CE1E-4CEA-A9A7-0392F69410F3}" type="slidenum">
-              <a:rPr lang="en-US" smtClean="0"/>
-              <a:t>36</a:t>
-            </a:fld>
-            <a:endParaRPr lang="en-US"/>
-          </a:p>
-        </p:txBody>
-      </p:sp>
-    </p:spTree>
-    <p:extLst>
-      <p:ext uri="{BB962C8B-B14F-4D97-AF65-F5344CB8AC3E}">
-        <p14:creationId xmlns:p14="http://schemas.microsoft.com/office/powerpoint/2010/main" val="2847607613"/>
-      </p:ext>
-    </p:extLst>
-  </p:cSld>
-  <p:clrMapOvr>
-    <a:masterClrMapping/>
-  </p:clrMapOvr>
-</p:notes>
-</file>
-
-<file path=ppt/notesSlides/notesSlide19.xml><?xml version="1.0" encoding="utf-8"?>
-<p:notes xmlns:a="http://schemas.openxmlformats.org/drawingml/2006/main" xmlns:r="http://schemas.openxmlformats.org/officeDocument/2006/relationships" xmlns:p="http://schemas.openxmlformats.org/presentationml/2006/main">
-  <p:cSld>
-    <p:spTree>
-      <p:nvGrpSpPr>
-        <p:cNvPr id="1" name=""/>
-        <p:cNvGrpSpPr/>
-        <p:nvPr/>
-      </p:nvGrpSpPr>
-      <p:grpSpPr>
-        <a:xfrm>
-          <a:off x="0" y="0"/>
-          <a:ext cx="0" cy="0"/>
-          <a:chOff x="0" y="0"/>
-          <a:chExt cx="0" cy="0"/>
-        </a:xfrm>
-      </p:grpSpPr>
-      <p:sp>
-        <p:nvSpPr>
-          <p:cNvPr id="2" name="Slide Image Placeholder 1"/>
-          <p:cNvSpPr>
-            <a:spLocks noGrp="1" noRot="1" noChangeAspect="1"/>
-          </p:cNvSpPr>
-          <p:nvPr>
-            <p:ph type="sldImg"/>
-          </p:nvPr>
-        </p:nvSpPr>
-        <p:spPr>
-          <a:xfrm>
-            <a:off x="1371600" y="1143000"/>
-            <a:ext cx="4114800" cy="3086100"/>
-          </a:xfrm>
-        </p:spPr>
-      </p:sp>
-      <p:sp>
-        <p:nvSpPr>
-          <p:cNvPr id="3" name="Notes Placeholder 2"/>
-          <p:cNvSpPr>
-            <a:spLocks noGrp="1"/>
-          </p:cNvSpPr>
-          <p:nvPr>
-            <p:ph type="body" idx="1"/>
-          </p:nvPr>
-        </p:nvSpPr>
-        <p:spPr/>
-        <p:txBody>
-          <a:bodyPr/>
-          <a:lstStyle/>
-          <a:p>
-            <a:pPr marL="231775" lvl="0" indent="-231775">
-              <a:spcAft>
-                <a:spcPts val="600"/>
-              </a:spcAft>
-              <a:buClr>
-                <a:srgbClr val="005B94"/>
-              </a:buClr>
-              <a:buSzPct val="120000"/>
-              <a:buFont typeface="Wingdings" pitchFamily="2" charset="2"/>
-              <a:buChar char="§"/>
-            </a:pPr>
-            <a:r>
-              <a:rPr lang="en-US" sz="2000" b="1" dirty="0">
-                <a:solidFill>
-                  <a:prstClr val="black"/>
-                </a:solidFill>
-                <a:latin typeface="Arial" pitchFamily="34" charset="0"/>
-                <a:cs typeface="Arial" pitchFamily="34" charset="0"/>
-              </a:rPr>
-              <a:t>Meant to rule out vulnerabilities in</a:t>
-            </a:r>
-          </a:p>
-          <a:p>
-            <a:pPr marL="515938" lvl="1" indent="-228600">
-              <a:spcAft>
-                <a:spcPts val="600"/>
-              </a:spcAft>
-              <a:buClr>
-                <a:srgbClr val="005B94"/>
-              </a:buClr>
-              <a:buFont typeface="Arial" pitchFamily="34" charset="0"/>
-              <a:buChar char="–"/>
-            </a:pPr>
-            <a:r>
-              <a:rPr lang="en-US" sz="2000" dirty="0">
-                <a:solidFill>
-                  <a:prstClr val="black"/>
-                </a:solidFill>
-                <a:latin typeface="Arial" pitchFamily="34" charset="0"/>
-                <a:cs typeface="Arial" pitchFamily="34" charset="0"/>
-              </a:rPr>
-              <a:t>Closed Betas</a:t>
-            </a:r>
-          </a:p>
-          <a:p>
-            <a:pPr marL="515938" lvl="1" indent="-228600">
-              <a:spcAft>
-                <a:spcPts val="600"/>
-              </a:spcAft>
-              <a:buClr>
-                <a:srgbClr val="005B94"/>
-              </a:buClr>
-              <a:buFont typeface="Arial" pitchFamily="34" charset="0"/>
-              <a:buChar char="–"/>
-            </a:pPr>
-            <a:r>
-              <a:rPr lang="en-US" sz="2000" dirty="0">
-                <a:solidFill>
-                  <a:prstClr val="black"/>
-                </a:solidFill>
-                <a:latin typeface="Arial" pitchFamily="34" charset="0"/>
-                <a:cs typeface="Arial" pitchFamily="34" charset="0"/>
-              </a:rPr>
-              <a:t>Commits that are fixed before a new release is issued</a:t>
-            </a:r>
-          </a:p>
-          <a:p>
-            <a:pPr marL="515938" lvl="1" indent="-228600">
-              <a:spcAft>
-                <a:spcPts val="600"/>
-              </a:spcAft>
-              <a:buClr>
-                <a:srgbClr val="005B94"/>
-              </a:buClr>
-              <a:buFont typeface="Arial" pitchFamily="34" charset="0"/>
-              <a:buChar char="–"/>
-            </a:pPr>
-            <a:r>
-              <a:rPr lang="en-US" sz="2000" dirty="0">
-                <a:solidFill>
-                  <a:prstClr val="black"/>
-                </a:solidFill>
-                <a:latin typeface="Arial" pitchFamily="34" charset="0"/>
-                <a:cs typeface="Arial" pitchFamily="34" charset="0"/>
-              </a:rPr>
-              <a:t>Malware</a:t>
-            </a:r>
-          </a:p>
-          <a:p>
-            <a:pPr marL="515938" lvl="1" indent="-228600">
-              <a:spcAft>
-                <a:spcPts val="600"/>
-              </a:spcAft>
-              <a:buClr>
-                <a:srgbClr val="005B94"/>
-              </a:buClr>
-              <a:buFont typeface="Arial" pitchFamily="34" charset="0"/>
-              <a:buChar char="–"/>
-            </a:pPr>
-            <a:r>
-              <a:rPr lang="en-US" sz="2000" dirty="0">
-                <a:solidFill>
-                  <a:prstClr val="black"/>
-                </a:solidFill>
-                <a:latin typeface="Arial" pitchFamily="34" charset="0"/>
-                <a:cs typeface="Arial" pitchFamily="34" charset="0"/>
-              </a:rPr>
-              <a:t>Business internal applications</a:t>
-            </a:r>
-          </a:p>
-          <a:p>
-            <a:endParaRPr lang="en-US" dirty="0"/>
-          </a:p>
-        </p:txBody>
-      </p:sp>
-      <p:sp>
-        <p:nvSpPr>
-          <p:cNvPr id="4" name="Slide Number Placeholder 3"/>
-          <p:cNvSpPr>
-            <a:spLocks noGrp="1"/>
-          </p:cNvSpPr>
-          <p:nvPr>
-            <p:ph type="sldNum" sz="quarter" idx="10"/>
-          </p:nvPr>
-        </p:nvSpPr>
-        <p:spPr/>
-        <p:txBody>
-          <a:bodyPr/>
-          <a:lstStyle/>
-          <a:p>
-            <a:fld id="{FF0F432A-6797-4A63-9A6F-D8BC415B5D83}" type="slidenum">
-              <a:rPr lang="en-US" smtClean="0"/>
-              <a:t>42</a:t>
+              <a:t>41</a:t>
             </a:fld>
             <a:endParaRPr lang="en-US"/>
           </a:p>
@@ -8710,7 +8438,15 @@
           <a:p>
             <a:r>
               <a:rPr lang="en-US" dirty="0"/>
-              <a:t>Even when a definition is shred, the imprecision of language causes many edge cases.</a:t>
+              <a:t>Even when a definition </a:t>
+            </a:r>
+            <a:r>
+              <a:rPr lang="en-US"/>
+              <a:t>is shared</a:t>
+            </a:r>
+            <a:r>
+              <a:rPr lang="en-US" dirty="0"/>
+              <a:t>, the imprecision of language causes many edge cases.</a:t>
             </a:r>
           </a:p>
         </p:txBody>
@@ -9046,12 +8782,7 @@
             <p:ph type="sldImg"/>
           </p:nvPr>
         </p:nvSpPr>
-        <p:spPr>
-          <a:xfrm>
-            <a:off x="1371600" y="1143000"/>
-            <a:ext cx="4114800" cy="3086100"/>
-          </a:xfrm>
-        </p:spPr>
+        <p:spPr/>
       </p:sp>
       <p:sp>
         <p:nvSpPr>
@@ -9068,7 +8799,10 @@
           <a:bodyPr/>
           <a:lstStyle/>
           <a:p>
-            <a:endParaRPr lang="en-US" dirty="0"/>
+            <a:r>
+              <a:rPr lang="en-US" dirty="0"/>
+              <a:t>Note that there is an independently fixable vulnerability in the code when you set height and/or width to 0.  </a:t>
+            </a:r>
           </a:p>
         </p:txBody>
       </p:sp>
@@ -9089,7 +8823,7 @@
           <a:p>
             <a:fld id="{FF0F432A-6797-4A63-9A6F-D8BC415B5D83}" type="slidenum">
               <a:rPr lang="en-US" smtClean="0"/>
-              <a:t>17</a:t>
+              <a:t>20</a:t>
             </a:fld>
             <a:endParaRPr lang="en-US"/>
           </a:p>
@@ -9098,7 +8832,7 @@
     </p:spTree>
     <p:extLst>
       <p:ext uri="{BB962C8B-B14F-4D97-AF65-F5344CB8AC3E}">
-        <p14:creationId xmlns:p14="http://schemas.microsoft.com/office/powerpoint/2010/main" val="682578600"/>
+        <p14:creationId xmlns:p14="http://schemas.microsoft.com/office/powerpoint/2010/main" val="779197145"/>
       </p:ext>
     </p:extLst>
   </p:cSld>
@@ -9135,12 +8869,7 @@
             <p:ph type="sldImg"/>
           </p:nvPr>
         </p:nvSpPr>
-        <p:spPr>
-          <a:xfrm>
-            <a:off x="685800" y="1143000"/>
-            <a:ext cx="5486400" cy="3086100"/>
-          </a:xfrm>
-        </p:spPr>
+        <p:spPr/>
       </p:sp>
       <p:sp>
         <p:nvSpPr>
@@ -9178,7 +8907,7 @@
           <a:p>
             <a:fld id="{FF0F432A-6797-4A63-9A6F-D8BC415B5D83}" type="slidenum">
               <a:rPr lang="en-US" smtClean="0"/>
-              <a:t>18</a:t>
+              <a:t>21</a:t>
             </a:fld>
             <a:endParaRPr lang="en-US"/>
           </a:p>
@@ -9187,7 +8916,7 @@
     </p:spTree>
     <p:extLst>
       <p:ext uri="{BB962C8B-B14F-4D97-AF65-F5344CB8AC3E}">
-        <p14:creationId xmlns:p14="http://schemas.microsoft.com/office/powerpoint/2010/main" val="2052571648"/>
+        <p14:creationId xmlns:p14="http://schemas.microsoft.com/office/powerpoint/2010/main" val="1085711405"/>
       </p:ext>
     </p:extLst>
   </p:cSld>
@@ -9226,8 +8955,8 @@
         </p:nvSpPr>
         <p:spPr>
           <a:xfrm>
-            <a:off x="685800" y="1143000"/>
-            <a:ext cx="5486400" cy="3086100"/>
+            <a:off x="1371600" y="1143000"/>
+            <a:ext cx="4114800" cy="3086100"/>
           </a:xfrm>
         </p:spPr>
       </p:sp>
@@ -9246,7 +8975,14 @@
           <a:bodyPr/>
           <a:lstStyle/>
           <a:p>
-            <a:endParaRPr lang="en-US" dirty="0"/>
+            <a:r>
+              <a:rPr lang="en-US" dirty="0"/>
+              <a:t>I used “bad</a:t>
+            </a:r>
+            <a:r>
+              <a:rPr lang="en-US" baseline="0" dirty="0"/>
+              <a:t> things” intentionally to point out that the impact is a very loose requirement.</a:t>
+            </a:r>
           </a:p>
         </p:txBody>
       </p:sp>
@@ -9267,7 +9003,7 @@
           <a:p>
             <a:fld id="{FF0F432A-6797-4A63-9A6F-D8BC415B5D83}" type="slidenum">
               <a:rPr lang="en-US" smtClean="0"/>
-              <a:t>19</a:t>
+              <a:t>22</a:t>
             </a:fld>
             <a:endParaRPr lang="en-US"/>
           </a:p>
@@ -9276,7 +9012,7 @@
     </p:spTree>
     <p:extLst>
       <p:ext uri="{BB962C8B-B14F-4D97-AF65-F5344CB8AC3E}">
-        <p14:creationId xmlns:p14="http://schemas.microsoft.com/office/powerpoint/2010/main" val="205937176"/>
+        <p14:creationId xmlns:p14="http://schemas.microsoft.com/office/powerpoint/2010/main" val="864134223"/>
       </p:ext>
     </p:extLst>
   </p:cSld>
@@ -14894,12 +14630,16 @@
           </p:cNvGraphicFramePr>
           <p:nvPr>
             <p:ph sz="half" idx="1"/>
-            <p:extLst/>
+            <p:extLst>
+              <p:ext uri="{D42A27DB-BD31-4B8C-83A1-F6EECF244321}">
+                <p14:modId xmlns:p14="http://schemas.microsoft.com/office/powerpoint/2010/main" val="3812616085"/>
+              </p:ext>
+            </p:extLst>
           </p:nvPr>
         </p:nvGraphicFramePr>
         <p:xfrm>
-          <a:off x="609600" y="1904653"/>
-          <a:ext cx="8229600" cy="714377"/>
+          <a:off x="609600" y="1337307"/>
+          <a:ext cx="8229600" cy="1034418"/>
         </p:xfrm>
         <a:graphic>
           <a:graphicData uri="http://schemas.openxmlformats.org/drawingml/2006/table">
@@ -14923,7 +14663,7 @@
                   </a:extLst>
                 </a:gridCol>
               </a:tblGrid>
-              <a:tr h="714377">
+              <a:tr h="1034418">
                 <a:tc>
                   <a:txBody>
                     <a:bodyPr/>
@@ -15044,13 +14784,13 @@
         </p:nvSpPr>
         <p:spPr>
           <a:xfrm>
-            <a:off x="4041648" y="2809183"/>
-            <a:ext cx="4797552" cy="2711510"/>
+            <a:off x="4041648" y="2566032"/>
+            <a:ext cx="4797552" cy="2954661"/>
           </a:xfrm>
         </p:spPr>
         <p:txBody>
           <a:bodyPr>
-            <a:normAutofit fontScale="55000" lnSpcReduction="20000"/>
+            <a:normAutofit fontScale="70000" lnSpcReduction="20000"/>
           </a:bodyPr>
           <a:lstStyle/>
           <a:p>
@@ -15607,7 +15347,7 @@
             <a:pPr lvl="2"/>
             <a:r>
               <a:rPr lang="en-US" dirty="0"/>
-              <a:t>It does not matter if a single change was used to fix multiple independently fixable vulnerabilities</a:t>
+              <a:t>It does not matter if a single change was used to fix multiple independently fixable vulnerabilities, e.g. we are not counting patches</a:t>
             </a:r>
           </a:p>
           <a:p>
@@ -15822,7 +15562,13 @@
       </p:grpSpPr>
       <p:sp>
         <p:nvSpPr>
-          <p:cNvPr id="2" name="Title 1"/>
+          <p:cNvPr id="2" name="Title 1">
+            <a:extLst>
+              <a:ext uri="{FF2B5EF4-FFF2-40B4-BE49-F238E27FC236}">
+                <a16:creationId xmlns:a16="http://schemas.microsoft.com/office/drawing/2014/main" id="{0B8690E9-331F-4761-A165-A19FC84938F4}"/>
+              </a:ext>
+            </a:extLst>
+          </p:cNvPr>
           <p:cNvSpPr>
             <a:spLocks noGrp="1"/>
           </p:cNvSpPr>
@@ -15837,38 +15583,41 @@
           <a:p>
             <a:r>
               <a:rPr lang="en-US" dirty="0"/>
-              <a:t>CNT1 Example 1: Scenario 1</a:t>
+              <a:t>CNT1 Example 1 Continued</a:t>
             </a:r>
           </a:p>
         </p:txBody>
       </p:sp>
       <p:sp>
         <p:nvSpPr>
-          <p:cNvPr id="17" name="Content Placeholder 5"/>
+          <p:cNvPr id="3" name="Content Placeholder 2">
+            <a:extLst>
+              <a:ext uri="{FF2B5EF4-FFF2-40B4-BE49-F238E27FC236}">
+                <a16:creationId xmlns:a16="http://schemas.microsoft.com/office/drawing/2014/main" id="{5A0B0B1F-093A-460F-B940-6C579654C744}"/>
+              </a:ext>
+            </a:extLst>
+          </p:cNvPr>
           <p:cNvSpPr>
             <a:spLocks noGrp="1"/>
           </p:cNvSpPr>
           <p:nvPr>
-            <p:ph sz="half" idx="1"/>
+            <p:ph idx="1"/>
           </p:nvPr>
         </p:nvSpPr>
         <p:spPr/>
         <p:txBody>
-          <a:bodyPr>
-            <a:normAutofit fontScale="85000" lnSpcReduction="10000"/>
-          </a:bodyPr>
+          <a:bodyPr/>
           <a:lstStyle/>
           <a:p>
             <a:r>
               <a:rPr lang="en-US" dirty="0"/>
-              <a:t>In the code excerpt for Scenario 1:</a:t>
-            </a:r>
-          </a:p>
-          <a:p>
-            <a:pPr lvl="1"/>
+              <a:t>There are three different code blocks below show different ways the example could be implemented.</a:t>
+            </a:r>
+          </a:p>
+          <a:p>
             <a:r>
               <a:rPr lang="en-US" dirty="0"/>
-              <a:t>There are six </a:t>
+              <a:t>Each red </a:t>
             </a:r>
             <a:r>
               <a:rPr lang="en-US" dirty="0" err="1"/>
@@ -15876,78 +15625,97 @@
             </a:r>
             <a:r>
               <a:rPr lang="en-US" dirty="0"/>
-              <a:t> calls</a:t>
-            </a:r>
-          </a:p>
-          <a:p>
-            <a:pPr lvl="1"/>
+              <a:t> call represents a place in the code where a buffer overflow can happen.</a:t>
+            </a:r>
+          </a:p>
+          <a:p>
             <a:r>
               <a:rPr lang="en-US" dirty="0"/>
-              <a:t>Each results in the </a:t>
-            </a:r>
-            <a:r>
-              <a:rPr lang="en-US" dirty="0" err="1"/>
-              <a:t>str</a:t>
-            </a:r>
-            <a:r>
-              <a:rPr lang="en-US" dirty="0"/>
-              <a:t> buffer being overflown</a:t>
-            </a:r>
-          </a:p>
-          <a:p>
-            <a:pPr lvl="1"/>
-            <a:r>
-              <a:rPr lang="en-US" dirty="0"/>
-              <a:t>A range check can be placed before each to fix them</a:t>
-            </a:r>
-          </a:p>
-          <a:p>
-            <a:pPr lvl="1"/>
-            <a:r>
-              <a:rPr lang="en-US" dirty="0"/>
-              <a:t>The range check would fix the </a:t>
-            </a:r>
-            <a:r>
-              <a:rPr lang="en-US" dirty="0" err="1"/>
-              <a:t>strcpy</a:t>
-            </a:r>
-            <a:r>
-              <a:rPr lang="en-US" dirty="0"/>
-              <a:t> just below it, without fixing the issues with the other </a:t>
-            </a:r>
-            <a:r>
-              <a:rPr lang="en-US" dirty="0" err="1"/>
-              <a:t>strcpy</a:t>
-            </a:r>
-            <a:r>
-              <a:rPr lang="en-US" dirty="0"/>
-              <a:t> calls</a:t>
-            </a:r>
-          </a:p>
-          <a:p>
-            <a:pPr lvl="1"/>
-            <a:r>
-              <a:rPr lang="en-US" dirty="0"/>
-              <a:t>Six CVE IDs should be assigned</a:t>
-            </a:r>
-          </a:p>
-          <a:p>
-            <a:r>
-              <a:rPr lang="en-US" dirty="0"/>
-              <a:t>Note that the range check could be placed before the first if statement, but this is irrelevant for determining if the bugs are independently fixable</a:t>
-            </a:r>
+              <a:t>How many IDs should be assigned for each?</a:t>
+            </a:r>
+          </a:p>
+        </p:txBody>
+      </p:sp>
+      <p:sp>
+        <p:nvSpPr>
+          <p:cNvPr id="4" name="Slide Number Placeholder 3">
+            <a:extLst>
+              <a:ext uri="{FF2B5EF4-FFF2-40B4-BE49-F238E27FC236}">
+                <a16:creationId xmlns:a16="http://schemas.microsoft.com/office/drawing/2014/main" id="{D9AABF49-A183-4287-8524-6337118040FB}"/>
+              </a:ext>
+            </a:extLst>
+          </p:cNvPr>
+          <p:cNvSpPr>
+            <a:spLocks noGrp="1"/>
+          </p:cNvSpPr>
+          <p:nvPr>
+            <p:ph type="sldNum" sz="quarter" idx="4"/>
+          </p:nvPr>
+        </p:nvSpPr>
+        <p:spPr/>
+        <p:txBody>
+          <a:bodyPr/>
+          <a:lstStyle/>
+          <a:p>
+            <a:r>
+              <a:rPr lang="en-US">
+                <a:solidFill>
+                  <a:srgbClr val="C1CD23"/>
+                </a:solidFill>
+              </a:rPr>
+              <a:t>|</a:t>
+            </a:r>
+            <a:r>
+              <a:rPr lang="en-US"/>
+              <a:t> </a:t>
+            </a:r>
+            <a:fld id="{295008BC-DA31-4D19-837B-EFA4386B05F5}" type="slidenum">
+              <a:rPr lang="en-US" smtClean="0">
+                <a:solidFill>
+                  <a:schemeClr val="tx1">
+                    <a:lumMod val="50000"/>
+                    <a:lumOff val="50000"/>
+                  </a:schemeClr>
+                </a:solidFill>
+              </a:rPr>
+              <a:pPr/>
+              <a:t>17</a:t>
+            </a:fld>
+            <a:r>
+              <a:rPr lang="en-US"/>
+              <a:t> </a:t>
+            </a:r>
+            <a:r>
+              <a:rPr lang="en-US">
+                <a:solidFill>
+                  <a:srgbClr val="C1CD23"/>
+                </a:solidFill>
+              </a:rPr>
+              <a:t>|</a:t>
+            </a:r>
+            <a:endParaRPr lang="en-US" dirty="0">
+              <a:solidFill>
+                <a:srgbClr val="C1CD23"/>
+              </a:solidFill>
+            </a:endParaRPr>
           </a:p>
         </p:txBody>
       </p:sp>
       <p:grpSp>
         <p:nvGrpSpPr>
-          <p:cNvPr id="14" name="Group 13"/>
+          <p:cNvPr id="5" name="Group 4">
+            <a:extLst>
+              <a:ext uri="{FF2B5EF4-FFF2-40B4-BE49-F238E27FC236}">
+                <a16:creationId xmlns:a16="http://schemas.microsoft.com/office/drawing/2014/main" id="{47472A8E-C15F-4519-A911-ABB97BB04D3E}"/>
+              </a:ext>
+            </a:extLst>
+          </p:cNvPr>
           <p:cNvGrpSpPr/>
           <p:nvPr/>
         </p:nvGrpSpPr>
         <p:grpSpPr>
           <a:xfrm>
-            <a:off x="5627542" y="1981198"/>
+            <a:off x="6379466" y="2450088"/>
             <a:ext cx="2254143" cy="3577903"/>
             <a:chOff x="7574451" y="1574017"/>
             <a:chExt cx="3005524" cy="4770537"/>
@@ -15955,7 +15723,13 @@
         </p:grpSpPr>
         <p:sp>
           <p:nvSpPr>
-            <p:cNvPr id="18" name="Rectangle 3"/>
+            <p:cNvPr id="6" name="Rectangle 3">
+              <a:extLst>
+                <a:ext uri="{FF2B5EF4-FFF2-40B4-BE49-F238E27FC236}">
+                  <a16:creationId xmlns:a16="http://schemas.microsoft.com/office/drawing/2014/main" id="{DC49CFAE-7734-456C-BDCF-20D452276787}"/>
+                </a:ext>
+              </a:extLst>
+            </p:cNvPr>
             <p:cNvSpPr>
               <a:spLocks noChangeArrowheads="1"/>
             </p:cNvSpPr>
@@ -16800,14 +16574,20 @@
         </p:sp>
         <p:sp>
           <p:nvSpPr>
-            <p:cNvPr id="19" name="TextBox 18"/>
+            <p:cNvPr id="7" name="TextBox 6">
+              <a:extLst>
+                <a:ext uri="{FF2B5EF4-FFF2-40B4-BE49-F238E27FC236}">
+                  <a16:creationId xmlns:a16="http://schemas.microsoft.com/office/drawing/2014/main" id="{293F3FFC-3484-4519-850D-99965CBD7C72}"/>
+                </a:ext>
+              </a:extLst>
+            </p:cNvPr>
             <p:cNvSpPr txBox="1"/>
             <p:nvPr/>
           </p:nvSpPr>
           <p:spPr>
             <a:xfrm>
               <a:off x="7574451" y="1574017"/>
-              <a:ext cx="1280692" cy="369332"/>
+              <a:ext cx="1351225" cy="369332"/>
             </a:xfrm>
             <a:prstGeom prst="rect">
               <a:avLst/>
@@ -16826,142 +16606,31 @@
                 </a:spcAft>
               </a:pPr>
               <a:r>
-                <a:rPr lang="en-US" sz="1200" dirty="0">
+                <a:rPr lang="en-US" sz="1200" b="1" dirty="0">
                   <a:ea typeface="Verdana" pitchFamily="34" charset="0"/>
                   <a:cs typeface="Verdana" pitchFamily="34" charset="0"/>
                 </a:rPr>
-                <a:t>Scenario 1:</a:t>
+                <a:t>Scenario 3:</a:t>
               </a:r>
             </a:p>
           </p:txBody>
         </p:sp>
       </p:grpSp>
-    </p:spTree>
-    <p:extLst>
-      <p:ext uri="{BB962C8B-B14F-4D97-AF65-F5344CB8AC3E}">
-        <p14:creationId xmlns:p14="http://schemas.microsoft.com/office/powerpoint/2010/main" val="2583265964"/>
-      </p:ext>
-    </p:extLst>
-  </p:cSld>
-  <p:clrMapOvr>
-    <a:masterClrMapping/>
-  </p:clrMapOvr>
-</p:sld>
-</file>
-
-<file path=ppt/slides/slide19.xml><?xml version="1.0" encoding="utf-8"?>
-<p:sld xmlns:a="http://schemas.openxmlformats.org/drawingml/2006/main" xmlns:r="http://schemas.openxmlformats.org/officeDocument/2006/relationships" xmlns:p="http://schemas.openxmlformats.org/presentationml/2006/main">
-  <p:cSld>
-    <p:spTree>
-      <p:nvGrpSpPr>
-        <p:cNvPr id="1" name=""/>
-        <p:cNvGrpSpPr/>
-        <p:nvPr/>
-      </p:nvGrpSpPr>
-      <p:grpSpPr>
-        <a:xfrm>
-          <a:off x="0" y="0"/>
-          <a:ext cx="0" cy="0"/>
-          <a:chOff x="0" y="0"/>
-          <a:chExt cx="0" cy="0"/>
-        </a:xfrm>
-      </p:grpSpPr>
-      <p:sp>
-        <p:nvSpPr>
-          <p:cNvPr id="2" name="Title 1"/>
-          <p:cNvSpPr>
-            <a:spLocks noGrp="1"/>
-          </p:cNvSpPr>
-          <p:nvPr>
-            <p:ph type="title"/>
-          </p:nvPr>
-        </p:nvSpPr>
-        <p:spPr/>
-        <p:txBody>
-          <a:bodyPr/>
-          <a:lstStyle/>
-          <a:p>
-            <a:r>
-              <a:rPr lang="en-US" dirty="0"/>
-              <a:t>CNT1 Example 1: Scenario 2</a:t>
-            </a:r>
-          </a:p>
-        </p:txBody>
-      </p:sp>
-      <p:sp>
-        <p:nvSpPr>
-          <p:cNvPr id="17" name="Content Placeholder 5"/>
-          <p:cNvSpPr>
-            <a:spLocks noGrp="1"/>
-          </p:cNvSpPr>
-          <p:nvPr>
-            <p:ph sz="half" idx="1"/>
-          </p:nvPr>
-        </p:nvSpPr>
-        <p:spPr/>
-        <p:txBody>
-          <a:bodyPr>
-            <a:normAutofit/>
-          </a:bodyPr>
-          <a:lstStyle/>
-          <a:p>
-            <a:r>
-              <a:rPr lang="en-US" dirty="0"/>
-              <a:t>In the code excerpt for Scenario 2:</a:t>
-            </a:r>
-          </a:p>
-          <a:p>
-            <a:pPr lvl="1"/>
-            <a:r>
-              <a:rPr lang="en-US" dirty="0"/>
-              <a:t>There is only one call </a:t>
-            </a:r>
-            <a:r>
-              <a:rPr lang="en-US" dirty="0" err="1"/>
-              <a:t>strcpy</a:t>
-            </a:r>
-            <a:endParaRPr lang="en-US" dirty="0"/>
-          </a:p>
-          <a:p>
-            <a:pPr lvl="1"/>
-            <a:r>
-              <a:rPr lang="en-US" dirty="0"/>
-              <a:t>The check must be placed before the </a:t>
-            </a:r>
-            <a:r>
-              <a:rPr lang="en-US" dirty="0" err="1"/>
-              <a:t>strcpy</a:t>
-            </a:r>
-            <a:r>
-              <a:rPr lang="en-US" dirty="0"/>
-              <a:t> call</a:t>
-            </a:r>
-          </a:p>
-          <a:p>
-            <a:pPr lvl="1"/>
-            <a:r>
-              <a:rPr lang="en-US" dirty="0"/>
-              <a:t>There is no way to fix one of the vectors without fixing the others</a:t>
-            </a:r>
-          </a:p>
-          <a:p>
-            <a:pPr lvl="1"/>
-            <a:r>
-              <a:rPr lang="en-US" dirty="0"/>
-              <a:t>A single CVE ID should be assigned</a:t>
-            </a:r>
-          </a:p>
-        </p:txBody>
-      </p:sp>
       <p:grpSp>
         <p:nvGrpSpPr>
-          <p:cNvPr id="11" name="Group 10"/>
+          <p:cNvPr id="8" name="Group 7">
+            <a:extLst>
+              <a:ext uri="{FF2B5EF4-FFF2-40B4-BE49-F238E27FC236}">
+                <a16:creationId xmlns:a16="http://schemas.microsoft.com/office/drawing/2014/main" id="{80CA5D43-58A0-438A-A992-DB7405E20F79}"/>
+              </a:ext>
+            </a:extLst>
+          </p:cNvPr>
           <p:cNvGrpSpPr/>
           <p:nvPr/>
         </p:nvGrpSpPr>
         <p:grpSpPr>
           <a:xfrm>
-            <a:off x="5589985" y="2098561"/>
+            <a:off x="3807322" y="3764624"/>
             <a:ext cx="2044149" cy="1209845"/>
             <a:chOff x="1247408" y="1574017"/>
             <a:chExt cx="2725529" cy="1613125"/>
@@ -16969,7 +16638,13 @@
         </p:grpSpPr>
         <p:sp>
           <p:nvSpPr>
-            <p:cNvPr id="4" name="Rectangle 4"/>
+            <p:cNvPr id="9" name="Rectangle 4">
+              <a:extLst>
+                <a:ext uri="{FF2B5EF4-FFF2-40B4-BE49-F238E27FC236}">
+                  <a16:creationId xmlns:a16="http://schemas.microsoft.com/office/drawing/2014/main" id="{EA378ADB-37A7-44CD-9F5D-BE9433E8070A}"/>
+                </a:ext>
+              </a:extLst>
+            </p:cNvPr>
             <p:cNvSpPr>
               <a:spLocks noChangeArrowheads="1"/>
             </p:cNvSpPr>
@@ -17271,14 +16946,20 @@
         </p:sp>
         <p:sp>
           <p:nvSpPr>
-            <p:cNvPr id="7" name="TextBox 6"/>
+            <p:cNvPr id="10" name="TextBox 9">
+              <a:extLst>
+                <a:ext uri="{FF2B5EF4-FFF2-40B4-BE49-F238E27FC236}">
+                  <a16:creationId xmlns:a16="http://schemas.microsoft.com/office/drawing/2014/main" id="{3593084B-19FC-42E3-A3E3-FB7E883E1894}"/>
+                </a:ext>
+              </a:extLst>
+            </p:cNvPr>
             <p:cNvSpPr txBox="1"/>
             <p:nvPr/>
           </p:nvSpPr>
           <p:spPr>
             <a:xfrm>
               <a:off x="1247408" y="1574017"/>
-              <a:ext cx="1280691" cy="369332"/>
+              <a:ext cx="1351224" cy="369332"/>
             </a:xfrm>
             <a:prstGeom prst="rect">
               <a:avLst/>
@@ -17297,7 +16978,7 @@
                 </a:spcAft>
               </a:pPr>
               <a:r>
-                <a:rPr lang="en-US" sz="1200" dirty="0">
+                <a:rPr lang="en-US" sz="1200" b="1" dirty="0">
                   <a:ea typeface="Verdana" pitchFamily="34" charset="0"/>
                   <a:cs typeface="Verdana" pitchFamily="34" charset="0"/>
                 </a:rPr>
@@ -17307,209 +16988,21 @@
           </p:txBody>
         </p:sp>
       </p:grpSp>
-    </p:spTree>
-    <p:extLst>
-      <p:ext uri="{BB962C8B-B14F-4D97-AF65-F5344CB8AC3E}">
-        <p14:creationId xmlns:p14="http://schemas.microsoft.com/office/powerpoint/2010/main" val="206988355"/>
-      </p:ext>
-    </p:extLst>
-  </p:cSld>
-  <p:clrMapOvr>
-    <a:masterClrMapping/>
-  </p:clrMapOvr>
-</p:sld>
-</file>
-
-<file path=ppt/slides/slide2.xml><?xml version="1.0" encoding="utf-8"?>
-<p:sld xmlns:a="http://schemas.openxmlformats.org/drawingml/2006/main" xmlns:r="http://schemas.openxmlformats.org/officeDocument/2006/relationships" xmlns:p="http://schemas.openxmlformats.org/presentationml/2006/main">
-  <p:cSld>
-    <p:spTree>
-      <p:nvGrpSpPr>
-        <p:cNvPr id="1" name=""/>
-        <p:cNvGrpSpPr/>
-        <p:nvPr/>
-      </p:nvGrpSpPr>
-      <p:grpSpPr>
-        <a:xfrm>
-          <a:off x="0" y="0"/>
-          <a:ext cx="0" cy="0"/>
-          <a:chOff x="0" y="0"/>
-          <a:chExt cx="0" cy="0"/>
-        </a:xfrm>
-      </p:grpSpPr>
-      <p:sp>
-        <p:nvSpPr>
-          <p:cNvPr id="2" name="Title 1"/>
-          <p:cNvSpPr>
-            <a:spLocks noGrp="1"/>
-          </p:cNvSpPr>
-          <p:nvPr>
-            <p:ph type="title"/>
-          </p:nvPr>
-        </p:nvSpPr>
-        <p:spPr/>
-        <p:txBody>
-          <a:bodyPr/>
-          <a:lstStyle/>
-          <a:p>
-            <a:r>
-              <a:rPr lang="en-US" dirty="0"/>
-              <a:t>Overview</a:t>
-            </a:r>
-          </a:p>
-        </p:txBody>
-      </p:sp>
-      <p:sp>
-        <p:nvSpPr>
-          <p:cNvPr id="3" name="Content Placeholder 2"/>
-          <p:cNvSpPr>
-            <a:spLocks noGrp="1"/>
-          </p:cNvSpPr>
-          <p:nvPr>
-            <p:ph idx="1"/>
-          </p:nvPr>
-        </p:nvSpPr>
-        <p:spPr/>
-        <p:txBody>
-          <a:bodyPr/>
-          <a:lstStyle/>
-          <a:p>
-            <a:r>
-              <a:rPr lang="en-US" dirty="0"/>
-              <a:t>Explain what Counting Rules are and why they exist</a:t>
-            </a:r>
-          </a:p>
-          <a:p>
-            <a:r>
-              <a:rPr lang="en-US" dirty="0"/>
-              <a:t>Review each rule</a:t>
-            </a:r>
-          </a:p>
-          <a:p>
-            <a:r>
-              <a:rPr lang="en-US" dirty="0"/>
-              <a:t>Explain the rules and provide guidance where the rules are undefined</a:t>
-            </a:r>
-          </a:p>
-          <a:p>
-            <a:endParaRPr lang="en-US" dirty="0"/>
-          </a:p>
-        </p:txBody>
-      </p:sp>
-    </p:spTree>
-    <p:extLst>
-      <p:ext uri="{BB962C8B-B14F-4D97-AF65-F5344CB8AC3E}">
-        <p14:creationId xmlns:p14="http://schemas.microsoft.com/office/powerpoint/2010/main" val="2611249317"/>
-      </p:ext>
-    </p:extLst>
-  </p:cSld>
-  <p:clrMapOvr>
-    <a:masterClrMapping/>
-  </p:clrMapOvr>
-</p:sld>
-</file>
-
-<file path=ppt/slides/slide20.xml><?xml version="1.0" encoding="utf-8"?>
-<p:sld xmlns:a="http://schemas.openxmlformats.org/drawingml/2006/main" xmlns:r="http://schemas.openxmlformats.org/officeDocument/2006/relationships" xmlns:p="http://schemas.openxmlformats.org/presentationml/2006/main">
-  <p:cSld>
-    <p:spTree>
-      <p:nvGrpSpPr>
-        <p:cNvPr id="1" name=""/>
-        <p:cNvGrpSpPr/>
-        <p:nvPr/>
-      </p:nvGrpSpPr>
-      <p:grpSpPr>
-        <a:xfrm>
-          <a:off x="0" y="0"/>
-          <a:ext cx="0" cy="0"/>
-          <a:chOff x="0" y="0"/>
-          <a:chExt cx="0" cy="0"/>
-        </a:xfrm>
-      </p:grpSpPr>
-      <p:sp>
-        <p:nvSpPr>
-          <p:cNvPr id="2" name="Title 1"/>
-          <p:cNvSpPr>
-            <a:spLocks noGrp="1"/>
-          </p:cNvSpPr>
-          <p:nvPr>
-            <p:ph type="title"/>
-          </p:nvPr>
-        </p:nvSpPr>
-        <p:spPr/>
-        <p:txBody>
-          <a:bodyPr/>
-          <a:lstStyle/>
-          <a:p>
-            <a:r>
-              <a:rPr lang="en-US" dirty="0"/>
-              <a:t>CNT1 Example 1: Scenario 3</a:t>
-            </a:r>
-          </a:p>
-        </p:txBody>
-      </p:sp>
-      <p:sp>
-        <p:nvSpPr>
-          <p:cNvPr id="17" name="Content Placeholder 5"/>
-          <p:cNvSpPr>
-            <a:spLocks noGrp="1"/>
-          </p:cNvSpPr>
-          <p:nvPr>
-            <p:ph sz="half" idx="1"/>
-          </p:nvPr>
-        </p:nvSpPr>
-        <p:spPr/>
-        <p:txBody>
-          <a:bodyPr>
-            <a:normAutofit/>
-          </a:bodyPr>
-          <a:lstStyle/>
-          <a:p>
-            <a:r>
-              <a:rPr lang="en-US" dirty="0"/>
-              <a:t>In the code excerpt for Scenario 3:</a:t>
-            </a:r>
-          </a:p>
-          <a:p>
-            <a:pPr lvl="1"/>
-            <a:r>
-              <a:rPr lang="en-US" dirty="0"/>
-              <a:t>There are two problematic </a:t>
-            </a:r>
-            <a:r>
-              <a:rPr lang="en-US" dirty="0" err="1"/>
-              <a:t>strcpy</a:t>
-            </a:r>
-            <a:r>
-              <a:rPr lang="en-US" dirty="0"/>
-              <a:t> calls</a:t>
-            </a:r>
-          </a:p>
-          <a:p>
-            <a:pPr lvl="1"/>
-            <a:r>
-              <a:rPr lang="en-US" dirty="0"/>
-              <a:t>Each can be fixed without fixing the other</a:t>
-            </a:r>
-          </a:p>
-          <a:p>
-            <a:pPr lvl="1"/>
-            <a:r>
-              <a:rPr lang="en-US" dirty="0"/>
-              <a:t>Two CVE IDs should be assigned</a:t>
-            </a:r>
-          </a:p>
-        </p:txBody>
-      </p:sp>
       <p:grpSp>
         <p:nvGrpSpPr>
-          <p:cNvPr id="16" name="Group 15"/>
+          <p:cNvPr id="11" name="Group 10">
+            <a:extLst>
+              <a:ext uri="{FF2B5EF4-FFF2-40B4-BE49-F238E27FC236}">
+                <a16:creationId xmlns:a16="http://schemas.microsoft.com/office/drawing/2014/main" id="{B5BAEE87-991C-4A1F-AD5C-F04A0C11CA38}"/>
+              </a:ext>
+            </a:extLst>
+          </p:cNvPr>
           <p:cNvGrpSpPr/>
           <p:nvPr/>
         </p:nvGrpSpPr>
         <p:grpSpPr>
           <a:xfrm>
-            <a:off x="5510849" y="2061374"/>
+            <a:off x="1003843" y="3682387"/>
             <a:ext cx="2044149" cy="1315744"/>
             <a:chOff x="4166452" y="1643598"/>
             <a:chExt cx="2725532" cy="1754327"/>
@@ -17517,14 +17010,20 @@
         </p:grpSpPr>
         <p:sp>
           <p:nvSpPr>
-            <p:cNvPr id="9" name="TextBox 8"/>
+            <p:cNvPr id="12" name="TextBox 11">
+              <a:extLst>
+                <a:ext uri="{FF2B5EF4-FFF2-40B4-BE49-F238E27FC236}">
+                  <a16:creationId xmlns:a16="http://schemas.microsoft.com/office/drawing/2014/main" id="{EACDEE81-4E1E-4FCB-8FB1-1BE5D94073C5}"/>
+                </a:ext>
+              </a:extLst>
+            </p:cNvPr>
             <p:cNvSpPr txBox="1"/>
             <p:nvPr/>
           </p:nvSpPr>
           <p:spPr>
             <a:xfrm>
               <a:off x="4166452" y="1643598"/>
-              <a:ext cx="1280692" cy="369332"/>
+              <a:ext cx="1351225" cy="369332"/>
             </a:xfrm>
             <a:prstGeom prst="rect">
               <a:avLst/>
@@ -17543,18 +17042,24 @@
                 </a:spcAft>
               </a:pPr>
               <a:r>
-                <a:rPr lang="en-US" sz="1200" dirty="0">
+                <a:rPr lang="en-US" sz="1200" b="1" dirty="0">
                   <a:ea typeface="Verdana" pitchFamily="34" charset="0"/>
                   <a:cs typeface="Verdana" pitchFamily="34" charset="0"/>
                 </a:rPr>
-                <a:t>Scenario 3:</a:t>
+                <a:t>Scenario 1:</a:t>
               </a:r>
             </a:p>
           </p:txBody>
         </p:sp>
         <p:sp>
           <p:nvSpPr>
-            <p:cNvPr id="15" name="Rectangle 5"/>
+            <p:cNvPr id="13" name="Rectangle 5">
+              <a:extLst>
+                <a:ext uri="{FF2B5EF4-FFF2-40B4-BE49-F238E27FC236}">
+                  <a16:creationId xmlns:a16="http://schemas.microsoft.com/office/drawing/2014/main" id="{D5B61757-773A-4CC3-A91C-C17B6E0D2557}"/>
+                </a:ext>
+              </a:extLst>
+            </p:cNvPr>
             <p:cNvSpPr>
               <a:spLocks noChangeArrowheads="1"/>
             </p:cNvSpPr>
@@ -17926,7 +17431,7 @@
     </p:spTree>
     <p:extLst>
       <p:ext uri="{BB962C8B-B14F-4D97-AF65-F5344CB8AC3E}">
-        <p14:creationId xmlns:p14="http://schemas.microsoft.com/office/powerpoint/2010/main" val="3254301346"/>
+        <p14:creationId xmlns:p14="http://schemas.microsoft.com/office/powerpoint/2010/main" val="688757861"/>
       </p:ext>
     </p:extLst>
   </p:cSld>
@@ -17936,7 +17441,405 @@
 </p:sld>
 </file>
 
-<file path=ppt/slides/slide21.xml><?xml version="1.0" encoding="utf-8"?>
+<file path=ppt/slides/slide19.xml><?xml version="1.0" encoding="utf-8"?>
+<p:sld xmlns:a="http://schemas.openxmlformats.org/drawingml/2006/main" xmlns:r="http://schemas.openxmlformats.org/officeDocument/2006/relationships" xmlns:p="http://schemas.openxmlformats.org/presentationml/2006/main">
+  <p:cSld>
+    <p:spTree>
+      <p:nvGrpSpPr>
+        <p:cNvPr id="1" name=""/>
+        <p:cNvGrpSpPr/>
+        <p:nvPr/>
+      </p:nvGrpSpPr>
+      <p:grpSpPr>
+        <a:xfrm>
+          <a:off x="0" y="0"/>
+          <a:ext cx="0" cy="0"/>
+          <a:chOff x="0" y="0"/>
+          <a:chExt cx="0" cy="0"/>
+        </a:xfrm>
+      </p:grpSpPr>
+      <p:sp>
+        <p:nvSpPr>
+          <p:cNvPr id="2" name="Title 1">
+            <a:extLst>
+              <a:ext uri="{FF2B5EF4-FFF2-40B4-BE49-F238E27FC236}">
+                <a16:creationId xmlns:a16="http://schemas.microsoft.com/office/drawing/2014/main" id="{52F75396-BAD7-403C-9292-0EB653C74EF0}"/>
+              </a:ext>
+            </a:extLst>
+          </p:cNvPr>
+          <p:cNvSpPr>
+            <a:spLocks noGrp="1"/>
+          </p:cNvSpPr>
+          <p:nvPr>
+            <p:ph type="title"/>
+          </p:nvPr>
+        </p:nvSpPr>
+        <p:spPr/>
+        <p:txBody>
+          <a:bodyPr/>
+          <a:lstStyle/>
+          <a:p>
+            <a:endParaRPr lang="en-US"/>
+          </a:p>
+        </p:txBody>
+      </p:sp>
+      <p:sp>
+        <p:nvSpPr>
+          <p:cNvPr id="3" name="Content Placeholder 2">
+            <a:extLst>
+              <a:ext uri="{FF2B5EF4-FFF2-40B4-BE49-F238E27FC236}">
+                <a16:creationId xmlns:a16="http://schemas.microsoft.com/office/drawing/2014/main" id="{6232DABA-5464-4C19-8D8F-85D496C42FB7}"/>
+              </a:ext>
+            </a:extLst>
+          </p:cNvPr>
+          <p:cNvSpPr>
+            <a:spLocks noGrp="1"/>
+          </p:cNvSpPr>
+          <p:nvPr>
+            <p:ph idx="1"/>
+          </p:nvPr>
+        </p:nvSpPr>
+        <p:spPr/>
+        <p:txBody>
+          <a:bodyPr>
+            <a:normAutofit fontScale="77500" lnSpcReduction="20000"/>
+          </a:bodyPr>
+          <a:lstStyle/>
+          <a:p>
+            <a:r>
+              <a:rPr lang="en-US" dirty="0"/>
+              <a:t>In the code excerpt for Scenario 1:</a:t>
+            </a:r>
+          </a:p>
+          <a:p>
+            <a:pPr lvl="1"/>
+            <a:r>
+              <a:rPr lang="en-US" dirty="0"/>
+              <a:t>There are two problematic </a:t>
+            </a:r>
+            <a:r>
+              <a:rPr lang="en-US" dirty="0" err="1"/>
+              <a:t>strcpy</a:t>
+            </a:r>
+            <a:r>
+              <a:rPr lang="en-US" dirty="0"/>
+              <a:t> calls</a:t>
+            </a:r>
+          </a:p>
+          <a:p>
+            <a:pPr lvl="1"/>
+            <a:r>
+              <a:rPr lang="en-US" dirty="0"/>
+              <a:t>A range check can be placed before each to fix them</a:t>
+            </a:r>
+          </a:p>
+          <a:p>
+            <a:pPr lvl="1"/>
+            <a:r>
+              <a:rPr lang="en-US" dirty="0"/>
+              <a:t>The range check would fix the </a:t>
+            </a:r>
+            <a:r>
+              <a:rPr lang="en-US" dirty="0" err="1"/>
+              <a:t>strcpy</a:t>
+            </a:r>
+            <a:r>
+              <a:rPr lang="en-US" dirty="0"/>
+              <a:t> just below it, without fixing the issues with the other </a:t>
+            </a:r>
+            <a:r>
+              <a:rPr lang="en-US" dirty="0" err="1"/>
+              <a:t>strcpy</a:t>
+            </a:r>
+            <a:r>
+              <a:rPr lang="en-US" dirty="0"/>
+              <a:t> calls</a:t>
+            </a:r>
+          </a:p>
+          <a:p>
+            <a:pPr lvl="1"/>
+            <a:r>
+              <a:rPr lang="en-US" dirty="0"/>
+              <a:t>Two CVE IDs should be assigned</a:t>
+            </a:r>
+          </a:p>
+          <a:p>
+            <a:r>
+              <a:rPr lang="en-US" dirty="0"/>
+              <a:t>In the code excerpt for Scenario 2:</a:t>
+            </a:r>
+          </a:p>
+          <a:p>
+            <a:pPr lvl="1"/>
+            <a:r>
+              <a:rPr lang="en-US" dirty="0"/>
+              <a:t>There is only one call </a:t>
+            </a:r>
+            <a:r>
+              <a:rPr lang="en-US" dirty="0" err="1"/>
+              <a:t>strcpy</a:t>
+            </a:r>
+            <a:endParaRPr lang="en-US" dirty="0"/>
+          </a:p>
+          <a:p>
+            <a:pPr lvl="1"/>
+            <a:r>
+              <a:rPr lang="en-US" dirty="0"/>
+              <a:t>The check must be placed before the </a:t>
+            </a:r>
+            <a:r>
+              <a:rPr lang="en-US" dirty="0" err="1"/>
+              <a:t>strcpy</a:t>
+            </a:r>
+            <a:r>
+              <a:rPr lang="en-US" dirty="0"/>
+              <a:t> call</a:t>
+            </a:r>
+          </a:p>
+          <a:p>
+            <a:pPr lvl="1"/>
+            <a:r>
+              <a:rPr lang="en-US" dirty="0"/>
+              <a:t>There is no way to fix one of the vectors without fixing the others</a:t>
+            </a:r>
+          </a:p>
+          <a:p>
+            <a:pPr lvl="1"/>
+            <a:r>
+              <a:rPr lang="en-US" dirty="0"/>
+              <a:t>A single CVE ID should be assigned</a:t>
+            </a:r>
+          </a:p>
+          <a:p>
+            <a:r>
+              <a:rPr lang="en-US" dirty="0"/>
+              <a:t>In the code excerpt for Scenario 3:</a:t>
+            </a:r>
+          </a:p>
+          <a:p>
+            <a:pPr lvl="1"/>
+            <a:r>
+              <a:rPr lang="en-US" dirty="0"/>
+              <a:t>There are six </a:t>
+            </a:r>
+            <a:r>
+              <a:rPr lang="en-US" dirty="0" err="1"/>
+              <a:t>strcpy</a:t>
+            </a:r>
+            <a:r>
+              <a:rPr lang="en-US" dirty="0"/>
+              <a:t> calls</a:t>
+            </a:r>
+          </a:p>
+          <a:p>
+            <a:pPr lvl="1"/>
+            <a:r>
+              <a:rPr lang="en-US" dirty="0"/>
+              <a:t>Each results in the </a:t>
+            </a:r>
+            <a:r>
+              <a:rPr lang="en-US" dirty="0" err="1"/>
+              <a:t>str</a:t>
+            </a:r>
+            <a:r>
+              <a:rPr lang="en-US" dirty="0"/>
+              <a:t> buffer being overflown</a:t>
+            </a:r>
+          </a:p>
+          <a:p>
+            <a:pPr lvl="1"/>
+            <a:r>
+              <a:rPr lang="en-US" dirty="0"/>
+              <a:t>Six CVE IDs should be assigned</a:t>
+            </a:r>
+          </a:p>
+          <a:p>
+            <a:r>
+              <a:rPr lang="en-US" dirty="0"/>
+              <a:t>Note that the range check could be placed before the first if statement in each case, but this is irrelevant for determining if the bugs are independently fixable</a:t>
+            </a:r>
+          </a:p>
+          <a:p>
+            <a:pPr lvl="1"/>
+            <a:endParaRPr lang="en-US" dirty="0"/>
+          </a:p>
+          <a:p>
+            <a:pPr lvl="1"/>
+            <a:endParaRPr lang="en-US" dirty="0"/>
+          </a:p>
+          <a:p>
+            <a:endParaRPr lang="en-US" dirty="0"/>
+          </a:p>
+        </p:txBody>
+      </p:sp>
+      <p:sp>
+        <p:nvSpPr>
+          <p:cNvPr id="4" name="Slide Number Placeholder 3">
+            <a:extLst>
+              <a:ext uri="{FF2B5EF4-FFF2-40B4-BE49-F238E27FC236}">
+                <a16:creationId xmlns:a16="http://schemas.microsoft.com/office/drawing/2014/main" id="{4F7510B6-ED02-4080-A3E3-4CD9857E8C8D}"/>
+              </a:ext>
+            </a:extLst>
+          </p:cNvPr>
+          <p:cNvSpPr>
+            <a:spLocks noGrp="1"/>
+          </p:cNvSpPr>
+          <p:nvPr>
+            <p:ph type="sldNum" sz="quarter" idx="4"/>
+          </p:nvPr>
+        </p:nvSpPr>
+        <p:spPr/>
+        <p:txBody>
+          <a:bodyPr/>
+          <a:lstStyle/>
+          <a:p>
+            <a:r>
+              <a:rPr lang="en-US">
+                <a:solidFill>
+                  <a:srgbClr val="C1CD23"/>
+                </a:solidFill>
+              </a:rPr>
+              <a:t>|</a:t>
+            </a:r>
+            <a:r>
+              <a:rPr lang="en-US"/>
+              <a:t> </a:t>
+            </a:r>
+            <a:fld id="{295008BC-DA31-4D19-837B-EFA4386B05F5}" type="slidenum">
+              <a:rPr lang="en-US" smtClean="0">
+                <a:solidFill>
+                  <a:schemeClr val="tx1">
+                    <a:lumMod val="50000"/>
+                    <a:lumOff val="50000"/>
+                  </a:schemeClr>
+                </a:solidFill>
+              </a:rPr>
+              <a:pPr/>
+              <a:t>18</a:t>
+            </a:fld>
+            <a:r>
+              <a:rPr lang="en-US"/>
+              <a:t> </a:t>
+            </a:r>
+            <a:r>
+              <a:rPr lang="en-US">
+                <a:solidFill>
+                  <a:srgbClr val="C1CD23"/>
+                </a:solidFill>
+              </a:rPr>
+              <a:t>|</a:t>
+            </a:r>
+            <a:endParaRPr lang="en-US" dirty="0">
+              <a:solidFill>
+                <a:srgbClr val="C1CD23"/>
+              </a:solidFill>
+            </a:endParaRPr>
+          </a:p>
+        </p:txBody>
+      </p:sp>
+    </p:spTree>
+    <p:extLst>
+      <p:ext uri="{BB962C8B-B14F-4D97-AF65-F5344CB8AC3E}">
+        <p14:creationId xmlns:p14="http://schemas.microsoft.com/office/powerpoint/2010/main" val="2977636142"/>
+      </p:ext>
+    </p:extLst>
+  </p:cSld>
+  <p:clrMapOvr>
+    <a:masterClrMapping/>
+  </p:clrMapOvr>
+</p:sld>
+</file>
+
+<file path=ppt/slides/slide2.xml><?xml version="1.0" encoding="utf-8"?>
+<p:sld xmlns:a="http://schemas.openxmlformats.org/drawingml/2006/main" xmlns:r="http://schemas.openxmlformats.org/officeDocument/2006/relationships" xmlns:p="http://schemas.openxmlformats.org/presentationml/2006/main">
+  <p:cSld>
+    <p:spTree>
+      <p:nvGrpSpPr>
+        <p:cNvPr id="1" name=""/>
+        <p:cNvGrpSpPr/>
+        <p:nvPr/>
+      </p:nvGrpSpPr>
+      <p:grpSpPr>
+        <a:xfrm>
+          <a:off x="0" y="0"/>
+          <a:ext cx="0" cy="0"/>
+          <a:chOff x="0" y="0"/>
+          <a:chExt cx="0" cy="0"/>
+        </a:xfrm>
+      </p:grpSpPr>
+      <p:sp>
+        <p:nvSpPr>
+          <p:cNvPr id="2" name="Title 1"/>
+          <p:cNvSpPr>
+            <a:spLocks noGrp="1"/>
+          </p:cNvSpPr>
+          <p:nvPr>
+            <p:ph type="title"/>
+          </p:nvPr>
+        </p:nvSpPr>
+        <p:spPr/>
+        <p:txBody>
+          <a:bodyPr/>
+          <a:lstStyle/>
+          <a:p>
+            <a:r>
+              <a:rPr lang="en-US" dirty="0"/>
+              <a:t>Overview</a:t>
+            </a:r>
+          </a:p>
+        </p:txBody>
+      </p:sp>
+      <p:sp>
+        <p:nvSpPr>
+          <p:cNvPr id="3" name="Content Placeholder 2"/>
+          <p:cNvSpPr>
+            <a:spLocks noGrp="1"/>
+          </p:cNvSpPr>
+          <p:nvPr>
+            <p:ph idx="1"/>
+          </p:nvPr>
+        </p:nvSpPr>
+        <p:spPr/>
+        <p:txBody>
+          <a:bodyPr/>
+          <a:lstStyle/>
+          <a:p>
+            <a:r>
+              <a:rPr lang="en-US" dirty="0"/>
+              <a:t>Explain what Counting Rules are and why they exist</a:t>
+            </a:r>
+          </a:p>
+          <a:p>
+            <a:r>
+              <a:rPr lang="en-US" dirty="0"/>
+              <a:t>Review each rule</a:t>
+            </a:r>
+          </a:p>
+          <a:p>
+            <a:r>
+              <a:rPr lang="en-US" dirty="0"/>
+              <a:t>Explain the rules and provide guidance where the rules are undefined</a:t>
+            </a:r>
+          </a:p>
+          <a:p>
+            <a:endParaRPr lang="en-US" dirty="0"/>
+          </a:p>
+        </p:txBody>
+      </p:sp>
+    </p:spTree>
+    <p:extLst>
+      <p:ext uri="{BB962C8B-B14F-4D97-AF65-F5344CB8AC3E}">
+        <p14:creationId xmlns:p14="http://schemas.microsoft.com/office/powerpoint/2010/main" val="2611249317"/>
+      </p:ext>
+    </p:extLst>
+  </p:cSld>
+  <p:clrMapOvr>
+    <a:masterClrMapping/>
+  </p:clrMapOvr>
+</p:sld>
+</file>
+
+<file path=ppt/slides/slide20.xml><?xml version="1.0" encoding="utf-8"?>
 <p:sld xmlns:a="http://schemas.openxmlformats.org/drawingml/2006/main" xmlns:r="http://schemas.openxmlformats.org/officeDocument/2006/relationships" xmlns:p="http://schemas.openxmlformats.org/presentationml/2006/main">
   <p:cSld>
     <p:spTree>
@@ -18052,7 +17955,7 @@
 </p:sld>
 </file>
 
-<file path=ppt/slides/slide22.xml><?xml version="1.0" encoding="utf-8"?>
+<file path=ppt/slides/slide21.xml><?xml version="1.0" encoding="utf-8"?>
 <p:sld xmlns:a="http://schemas.openxmlformats.org/drawingml/2006/main" xmlns:r="http://schemas.openxmlformats.org/officeDocument/2006/relationships" xmlns:p="http://schemas.openxmlformats.org/presentationml/2006/main">
   <p:cSld>
     <p:spTree>
@@ -20499,7 +20402,7 @@
 </p:sld>
 </file>
 
-<file path=ppt/slides/slide23.xml><?xml version="1.0" encoding="utf-8"?>
+<file path=ppt/slides/slide22.xml><?xml version="1.0" encoding="utf-8"?>
 <p:sld xmlns:a="http://schemas.openxmlformats.org/drawingml/2006/main" xmlns:r="http://schemas.openxmlformats.org/officeDocument/2006/relationships" xmlns:p="http://schemas.openxmlformats.org/presentationml/2006/main">
   <p:cSld>
     <p:spTree>
@@ -20528,7 +20431,7 @@
         </p:nvSpPr>
         <p:spPr>
           <a:xfrm>
-            <a:off x="609600" y="1055950"/>
+            <a:off x="662721" y="619077"/>
             <a:ext cx="8229600" cy="651272"/>
           </a:xfrm>
         </p:spPr>
@@ -22065,6 +21968,141 @@
 </p:sld>
 </file>
 
+<file path=ppt/slides/slide23.xml><?xml version="1.0" encoding="utf-8"?>
+<p:sld xmlns:a="http://schemas.openxmlformats.org/drawingml/2006/main" xmlns:r="http://schemas.openxmlformats.org/officeDocument/2006/relationships" xmlns:p="http://schemas.openxmlformats.org/presentationml/2006/main">
+  <p:cSld>
+    <p:spTree>
+      <p:nvGrpSpPr>
+        <p:cNvPr id="1" name=""/>
+        <p:cNvGrpSpPr/>
+        <p:nvPr/>
+      </p:nvGrpSpPr>
+      <p:grpSpPr>
+        <a:xfrm>
+          <a:off x="0" y="0"/>
+          <a:ext cx="0" cy="0"/>
+          <a:chOff x="0" y="0"/>
+          <a:chExt cx="0" cy="0"/>
+        </a:xfrm>
+      </p:grpSpPr>
+      <p:sp>
+        <p:nvSpPr>
+          <p:cNvPr id="2" name="Title 1"/>
+          <p:cNvSpPr>
+            <a:spLocks noGrp="1"/>
+          </p:cNvSpPr>
+          <p:nvPr>
+            <p:ph type="title"/>
+          </p:nvPr>
+        </p:nvSpPr>
+        <p:spPr>
+          <a:xfrm>
+            <a:off x="609600" y="386274"/>
+            <a:ext cx="6996545" cy="868362"/>
+          </a:xfrm>
+        </p:spPr>
+        <p:txBody>
+          <a:bodyPr/>
+          <a:lstStyle/>
+          <a:p>
+            <a:r>
+              <a:rPr lang="en-US" dirty="0"/>
+              <a:t>CNT2: Is it a Vulnerability?</a:t>
+            </a:r>
+          </a:p>
+        </p:txBody>
+      </p:sp>
+      <p:sp>
+        <p:nvSpPr>
+          <p:cNvPr id="3" name="Content Placeholder 2"/>
+          <p:cNvSpPr>
+            <a:spLocks noGrp="1"/>
+          </p:cNvSpPr>
+          <p:nvPr>
+            <p:ph idx="1"/>
+          </p:nvPr>
+        </p:nvSpPr>
+        <p:spPr/>
+        <p:txBody>
+          <a:bodyPr>
+            <a:normAutofit lnSpcReduction="10000"/>
+          </a:bodyPr>
+          <a:lstStyle/>
+          <a:p>
+            <a:r>
+              <a:rPr lang="en-US" dirty="0"/>
+              <a:t>Purpose</a:t>
+            </a:r>
+          </a:p>
+          <a:p>
+            <a:pPr lvl="1"/>
+            <a:r>
+              <a:rPr lang="en-US" dirty="0"/>
+              <a:t>Limit CVE’s scope to vulnerabilities</a:t>
+            </a:r>
+          </a:p>
+          <a:p>
+            <a:r>
+              <a:rPr lang="en-US" dirty="0"/>
+              <a:t>No generally agreed upon definition of vulnerability</a:t>
+            </a:r>
+          </a:p>
+          <a:p>
+            <a:r>
+              <a:rPr lang="en-US" dirty="0"/>
+              <a:t>CNT2 provides some sub-decisions to help decide if something is a vulnerability</a:t>
+            </a:r>
+          </a:p>
+          <a:p>
+            <a:pPr lvl="1"/>
+            <a:r>
+              <a:rPr lang="en-US" dirty="0"/>
+              <a:t>CNT2.1: The vendor says the vulnerability does bad things (vendor decides)</a:t>
+            </a:r>
+          </a:p>
+          <a:p>
+            <a:pPr lvl="1"/>
+            <a:r>
+              <a:rPr lang="en-US" dirty="0"/>
+              <a:t>CNT2.2A: The reporter says the vulnerability does bad things (researcher decides)</a:t>
+            </a:r>
+            <a:endParaRPr lang="en-US" b="1" dirty="0"/>
+          </a:p>
+          <a:p>
+            <a:pPr lvl="1"/>
+            <a:r>
+              <a:rPr lang="en-US" dirty="0"/>
+              <a:t>CNT2.2B: The CNA decides a security policy violation occurs (CNA decides)</a:t>
+            </a:r>
+          </a:p>
+          <a:p>
+            <a:r>
+              <a:rPr lang="en-US" dirty="0"/>
+              <a:t>Vendor CNAs will most often use CNT2.1</a:t>
+            </a:r>
+          </a:p>
+          <a:p>
+            <a:pPr lvl="1"/>
+            <a:r>
+              <a:rPr lang="en-US" dirty="0"/>
+              <a:t>However, if someone disputes the CNA’s decision, they will need to use CNT2.2B to justify their decision</a:t>
+            </a:r>
+          </a:p>
+        </p:txBody>
+      </p:sp>
+    </p:spTree>
+    <p:extLst>
+      <p:ext uri="{BB962C8B-B14F-4D97-AF65-F5344CB8AC3E}">
+        <p14:creationId xmlns:p14="http://schemas.microsoft.com/office/powerpoint/2010/main" val="1150171719"/>
+      </p:ext>
+    </p:extLst>
+  </p:cSld>
+  <p:clrMapOvr>
+    <a:masterClrMapping/>
+  </p:clrMapOvr>
+</p:sld>
+</file>
+
 <file path=ppt/slides/slide24.xml><?xml version="1.0" encoding="utf-8"?>
 <p:sld xmlns:a="http://schemas.openxmlformats.org/drawingml/2006/main" xmlns:r="http://schemas.openxmlformats.org/officeDocument/2006/relationships" xmlns:p="http://schemas.openxmlformats.org/presentationml/2006/main">
   <p:cSld>
@@ -22092,137 +22130,12 @@
             <p:ph type="title"/>
           </p:nvPr>
         </p:nvSpPr>
-        <p:spPr/>
-        <p:txBody>
-          <a:bodyPr/>
-          <a:lstStyle/>
-          <a:p>
-            <a:r>
-              <a:rPr lang="en-US" dirty="0"/>
-              <a:t>CNT2: Is it a Vulnerability?</a:t>
-            </a:r>
-          </a:p>
-        </p:txBody>
-      </p:sp>
-      <p:sp>
-        <p:nvSpPr>
-          <p:cNvPr id="3" name="Content Placeholder 2"/>
-          <p:cNvSpPr>
-            <a:spLocks noGrp="1"/>
-          </p:cNvSpPr>
-          <p:nvPr>
-            <p:ph idx="1"/>
-          </p:nvPr>
-        </p:nvSpPr>
-        <p:spPr/>
-        <p:txBody>
-          <a:bodyPr>
-            <a:normAutofit lnSpcReduction="10000"/>
-          </a:bodyPr>
-          <a:lstStyle/>
-          <a:p>
-            <a:r>
-              <a:rPr lang="en-US" dirty="0"/>
-              <a:t>Purpose</a:t>
-            </a:r>
-          </a:p>
-          <a:p>
-            <a:pPr lvl="1"/>
-            <a:r>
-              <a:rPr lang="en-US" dirty="0"/>
-              <a:t>Limit CVE’s scope to vulnerabilities</a:t>
-            </a:r>
-          </a:p>
-          <a:p>
-            <a:r>
-              <a:rPr lang="en-US" dirty="0"/>
-              <a:t>No generally agreed upon definition of vulnerability</a:t>
-            </a:r>
-          </a:p>
-          <a:p>
-            <a:r>
-              <a:rPr lang="en-US" dirty="0"/>
-              <a:t>CNT2 provides some sub-decisions to help decide if something is a vulnerability</a:t>
-            </a:r>
-          </a:p>
-          <a:p>
-            <a:pPr lvl="1"/>
-            <a:r>
-              <a:rPr lang="en-US" dirty="0"/>
-              <a:t>CNT2.1: The vendor says the vulnerability does bad things (vendor decides)</a:t>
-            </a:r>
-          </a:p>
-          <a:p>
-            <a:pPr lvl="1"/>
-            <a:r>
-              <a:rPr lang="en-US" dirty="0"/>
-              <a:t>CNT2.2A: The reporter says the vulnerability does bad things (researcher decides)</a:t>
-            </a:r>
-            <a:endParaRPr lang="en-US" b="1" dirty="0"/>
-          </a:p>
-          <a:p>
-            <a:pPr lvl="1"/>
-            <a:r>
-              <a:rPr lang="en-US" dirty="0"/>
-              <a:t>CNT2.2B: The CNA decides a security policy violation occurs (CNA decides)</a:t>
-            </a:r>
-          </a:p>
-          <a:p>
-            <a:r>
-              <a:rPr lang="en-US" dirty="0"/>
-              <a:t>Vendor CNAs will most often use CNT2.1</a:t>
-            </a:r>
-          </a:p>
-          <a:p>
-            <a:pPr lvl="1"/>
-            <a:r>
-              <a:rPr lang="en-US" dirty="0"/>
-              <a:t>However, if someone disputes the CNA’s decision, they will need to use CNT2.2B to justify their decision</a:t>
-            </a:r>
-          </a:p>
-        </p:txBody>
-      </p:sp>
-    </p:spTree>
-    <p:extLst>
-      <p:ext uri="{BB962C8B-B14F-4D97-AF65-F5344CB8AC3E}">
-        <p14:creationId xmlns:p14="http://schemas.microsoft.com/office/powerpoint/2010/main" val="1150171719"/>
-      </p:ext>
-    </p:extLst>
-  </p:cSld>
-  <p:clrMapOvr>
-    <a:masterClrMapping/>
-  </p:clrMapOvr>
-</p:sld>
-</file>
-
-<file path=ppt/slides/slide25.xml><?xml version="1.0" encoding="utf-8"?>
-<p:sld xmlns:a="http://schemas.openxmlformats.org/drawingml/2006/main" xmlns:r="http://schemas.openxmlformats.org/officeDocument/2006/relationships" xmlns:p="http://schemas.openxmlformats.org/presentationml/2006/main">
-  <p:cSld>
-    <p:spTree>
-      <p:nvGrpSpPr>
-        <p:cNvPr id="1" name=""/>
-        <p:cNvGrpSpPr/>
-        <p:nvPr/>
-      </p:nvGrpSpPr>
-      <p:grpSpPr>
-        <a:xfrm>
-          <a:off x="0" y="0"/>
-          <a:ext cx="0" cy="0"/>
-          <a:chOff x="0" y="0"/>
-          <a:chExt cx="0" cy="0"/>
-        </a:xfrm>
-      </p:grpSpPr>
-      <p:sp>
-        <p:nvSpPr>
-          <p:cNvPr id="2" name="Title 1"/>
-          <p:cNvSpPr>
-            <a:spLocks noGrp="1"/>
-          </p:cNvSpPr>
-          <p:nvPr>
-            <p:ph type="title"/>
-          </p:nvPr>
-        </p:nvSpPr>
-        <p:spPr/>
+        <p:spPr>
+          <a:xfrm>
+            <a:off x="609600" y="404936"/>
+            <a:ext cx="7078805" cy="868362"/>
+          </a:xfrm>
+        </p:spPr>
         <p:txBody>
           <a:bodyPr/>
           <a:lstStyle/>
@@ -22242,12 +22155,16 @@
           </p:cNvGraphicFramePr>
           <p:nvPr>
             <p:ph sz="half" idx="1"/>
-            <p:extLst/>
+            <p:extLst>
+              <p:ext uri="{D42A27DB-BD31-4B8C-83A1-F6EECF244321}">
+                <p14:modId xmlns:p14="http://schemas.microsoft.com/office/powerpoint/2010/main" val="2280310979"/>
+              </p:ext>
+            </p:extLst>
           </p:nvPr>
         </p:nvGraphicFramePr>
         <p:xfrm>
-          <a:off x="609600" y="1920813"/>
-          <a:ext cx="8229601" cy="577217"/>
+          <a:off x="609600" y="1389837"/>
+          <a:ext cx="8229601" cy="743763"/>
         </p:xfrm>
         <a:graphic>
           <a:graphicData uri="http://schemas.openxmlformats.org/drawingml/2006/table">
@@ -22271,7 +22188,7 @@
                   </a:extLst>
                 </a:gridCol>
               </a:tblGrid>
-              <a:tr h="577217">
+              <a:tr h="743763">
                 <a:tc>
                   <a:txBody>
                     <a:bodyPr/>
@@ -22444,7 +22361,7 @@
 </p:sld>
 </file>
 
-<file path=ppt/slides/slide26.xml><?xml version="1.0" encoding="utf-8"?>
+<file path=ppt/slides/slide25.xml><?xml version="1.0" encoding="utf-8"?>
 <p:sld xmlns:a="http://schemas.openxmlformats.org/drawingml/2006/main" xmlns:r="http://schemas.openxmlformats.org/officeDocument/2006/relationships" xmlns:p="http://schemas.openxmlformats.org/presentationml/2006/main">
   <p:cSld>
     <p:spTree>
@@ -22471,7 +22388,12 @@
             <p:ph type="title"/>
           </p:nvPr>
         </p:nvSpPr>
-        <p:spPr/>
+        <p:spPr>
+          <a:xfrm>
+            <a:off x="609600" y="386274"/>
+            <a:ext cx="6996545" cy="868362"/>
+          </a:xfrm>
+        </p:spPr>
         <p:txBody>
           <a:bodyPr/>
           <a:lstStyle/>
@@ -22577,7 +22499,7 @@
 </p:sld>
 </file>
 
-<file path=ppt/slides/slide27.xml><?xml version="1.0" encoding="utf-8"?>
+<file path=ppt/slides/slide26.xml><?xml version="1.0" encoding="utf-8"?>
 <p:sld xmlns:a="http://schemas.openxmlformats.org/drawingml/2006/main" xmlns:r="http://schemas.openxmlformats.org/officeDocument/2006/relationships" xmlns:p="http://schemas.openxmlformats.org/presentationml/2006/main">
   <p:cSld>
     <p:spTree>
@@ -22604,7 +22526,12 @@
             <p:ph type="title"/>
           </p:nvPr>
         </p:nvSpPr>
-        <p:spPr/>
+        <p:spPr>
+          <a:xfrm>
+            <a:off x="609600" y="441787"/>
+            <a:ext cx="6996545" cy="868362"/>
+          </a:xfrm>
+        </p:spPr>
         <p:txBody>
           <a:bodyPr>
             <a:normAutofit/>
@@ -22630,13 +22557,13 @@
         </p:nvSpPr>
         <p:spPr>
           <a:xfrm>
-            <a:off x="609600" y="2597472"/>
-            <a:ext cx="8229600" cy="2854405"/>
+            <a:off x="609600" y="2228850"/>
+            <a:ext cx="8229600" cy="3223027"/>
           </a:xfrm>
         </p:spPr>
         <p:txBody>
           <a:bodyPr>
-            <a:normAutofit fontScale="85000" lnSpcReduction="20000"/>
+            <a:normAutofit fontScale="92500" lnSpcReduction="20000"/>
           </a:bodyPr>
           <a:lstStyle/>
           <a:p>
@@ -22701,11 +22628,15 @@
             <a:graphicFrameLocks noGrp="1"/>
           </p:cNvGraphicFramePr>
           <p:nvPr>
-            <p:extLst/>
+            <p:extLst>
+              <p:ext uri="{D42A27DB-BD31-4B8C-83A1-F6EECF244321}">
+                <p14:modId xmlns:p14="http://schemas.microsoft.com/office/powerpoint/2010/main" val="1900403810"/>
+              </p:ext>
+            </p:extLst>
           </p:nvPr>
         </p:nvGraphicFramePr>
         <p:xfrm>
-          <a:off x="631058" y="1890648"/>
+          <a:off x="609600" y="1379843"/>
           <a:ext cx="3867124" cy="637132"/>
         </p:xfrm>
         <a:graphic>
@@ -22806,11 +22737,15 @@
             <a:graphicFrameLocks/>
           </p:cNvGraphicFramePr>
           <p:nvPr>
-            <p:extLst/>
+            <p:extLst>
+              <p:ext uri="{D42A27DB-BD31-4B8C-83A1-F6EECF244321}">
+                <p14:modId xmlns:p14="http://schemas.microsoft.com/office/powerpoint/2010/main" val="1430096592"/>
+              </p:ext>
+            </p:extLst>
           </p:nvPr>
         </p:nvGraphicFramePr>
         <p:xfrm>
-          <a:off x="4629152" y="1883117"/>
+          <a:off x="4647795" y="1372314"/>
           <a:ext cx="4191405" cy="644661"/>
         </p:xfrm>
         <a:graphic>
@@ -22911,7 +22846,7 @@
 </p:sld>
 </file>
 
-<file path=ppt/slides/slide28.xml><?xml version="1.0" encoding="utf-8"?>
+<file path=ppt/slides/slide27.xml><?xml version="1.0" encoding="utf-8"?>
 <p:sld xmlns:a="http://schemas.openxmlformats.org/drawingml/2006/main" xmlns:r="http://schemas.openxmlformats.org/officeDocument/2006/relationships" xmlns:p="http://schemas.openxmlformats.org/presentationml/2006/main">
   <p:cSld>
     <p:spTree>
@@ -22940,13 +22875,13 @@
         </p:nvSpPr>
         <p:spPr>
           <a:xfrm>
-            <a:off x="629842" y="2575550"/>
-            <a:ext cx="3868340" cy="2763441"/>
+            <a:off x="629842" y="2192594"/>
+            <a:ext cx="3868340" cy="3146397"/>
           </a:xfrm>
         </p:spPr>
         <p:txBody>
           <a:bodyPr>
-            <a:normAutofit fontScale="77500" lnSpcReduction="20000"/>
+            <a:normAutofit fontScale="92500" lnSpcReduction="20000"/>
           </a:bodyPr>
           <a:lstStyle/>
           <a:p>
@@ -23026,13 +22961,13 @@
         </p:nvSpPr>
         <p:spPr>
           <a:xfrm>
-            <a:off x="4629152" y="2575550"/>
-            <a:ext cx="4191405" cy="2763441"/>
+            <a:off x="4629152" y="2192594"/>
+            <a:ext cx="4191405" cy="3146397"/>
           </a:xfrm>
         </p:spPr>
         <p:txBody>
           <a:bodyPr>
-            <a:normAutofit fontScale="85000" lnSpcReduction="20000"/>
+            <a:normAutofit fontScale="92500" lnSpcReduction="20000"/>
           </a:bodyPr>
           <a:lstStyle/>
           <a:p>
@@ -23107,11 +23042,15 @@
             <a:graphicFrameLocks noGrp="1"/>
           </p:cNvGraphicFramePr>
           <p:nvPr>
-            <p:extLst/>
+            <p:extLst>
+              <p:ext uri="{D42A27DB-BD31-4B8C-83A1-F6EECF244321}">
+                <p14:modId xmlns:p14="http://schemas.microsoft.com/office/powerpoint/2010/main" val="310742323"/>
+              </p:ext>
+            </p:extLst>
           </p:nvPr>
         </p:nvGraphicFramePr>
         <p:xfrm>
-          <a:off x="631058" y="1890648"/>
+          <a:off x="631058" y="1458028"/>
           <a:ext cx="3867124" cy="637132"/>
         </p:xfrm>
         <a:graphic>
@@ -23212,11 +23151,15 @@
             <a:graphicFrameLocks/>
           </p:cNvGraphicFramePr>
           <p:nvPr>
-            <p:extLst/>
+            <p:extLst>
+              <p:ext uri="{D42A27DB-BD31-4B8C-83A1-F6EECF244321}">
+                <p14:modId xmlns:p14="http://schemas.microsoft.com/office/powerpoint/2010/main" val="3184443578"/>
+              </p:ext>
+            </p:extLst>
           </p:nvPr>
         </p:nvGraphicFramePr>
         <p:xfrm>
-          <a:off x="4629152" y="1883117"/>
+          <a:off x="4629151" y="1450499"/>
           <a:ext cx="4191405" cy="644661"/>
         </p:xfrm>
         <a:graphic>
@@ -23322,13 +23265,13 @@
         </p:nvSpPr>
         <p:spPr>
           <a:xfrm>
-            <a:off x="609600" y="1063228"/>
-            <a:ext cx="8229600" cy="651272"/>
+            <a:off x="485777" y="424874"/>
+            <a:ext cx="7262964" cy="651272"/>
           </a:xfrm>
         </p:spPr>
         <p:txBody>
           <a:bodyPr>
-            <a:normAutofit/>
+            <a:normAutofit fontScale="90000"/>
           </a:bodyPr>
           <a:lstStyle/>
           <a:p>
@@ -23352,7 +23295,7 @@
 </p:sld>
 </file>
 
-<file path=ppt/slides/slide29.xml><?xml version="1.0" encoding="utf-8"?>
+<file path=ppt/slides/slide28.xml><?xml version="1.0" encoding="utf-8"?>
 <p:sld xmlns:a="http://schemas.openxmlformats.org/drawingml/2006/main" xmlns:r="http://schemas.openxmlformats.org/officeDocument/2006/relationships" xmlns:p="http://schemas.openxmlformats.org/presentationml/2006/main">
   <p:cSld>
     <p:spTree>
@@ -23381,7 +23324,7 @@
         </p:nvSpPr>
         <p:spPr>
           <a:xfrm>
-            <a:off x="652465" y="2457450"/>
+            <a:off x="652465" y="2144351"/>
             <a:ext cx="3868340" cy="390526"/>
           </a:xfrm>
         </p:spPr>
@@ -23408,13 +23351,13 @@
         </p:nvSpPr>
         <p:spPr>
           <a:xfrm>
-            <a:off x="629842" y="2936081"/>
-            <a:ext cx="3868340" cy="2763441"/>
+            <a:off x="629842" y="2562433"/>
+            <a:ext cx="3868340" cy="3137090"/>
           </a:xfrm>
         </p:spPr>
         <p:txBody>
           <a:bodyPr>
-            <a:normAutofit fontScale="92500" lnSpcReduction="20000"/>
+            <a:normAutofit fontScale="92500"/>
           </a:bodyPr>
           <a:lstStyle/>
           <a:p>
@@ -23477,7 +23420,7 @@
         </p:nvSpPr>
         <p:spPr>
           <a:xfrm>
-            <a:off x="4629152" y="2457453"/>
+            <a:off x="4520805" y="2171906"/>
             <a:ext cx="3887391" cy="390526"/>
           </a:xfrm>
         </p:spPr>
@@ -23485,6 +23428,9 @@
           <a:bodyPr/>
           <a:lstStyle/>
           <a:p>
+            <a:pPr marL="0" indent="0">
+              <a:buNone/>
+            </a:pPr>
             <a:r>
               <a:rPr lang="en-US" u="sng" dirty="0"/>
               <a:t>Vulnerability Claim</a:t>
@@ -23504,8 +23450,8 @@
         </p:nvSpPr>
         <p:spPr>
           <a:xfrm>
-            <a:off x="4629152" y="2936081"/>
-            <a:ext cx="3887391" cy="2763441"/>
+            <a:off x="4629152" y="2723535"/>
+            <a:ext cx="3887391" cy="2975987"/>
           </a:xfrm>
         </p:spPr>
         <p:txBody>
@@ -23541,7 +23487,7 @@
         </p:nvSpPr>
         <p:spPr>
           <a:xfrm>
-            <a:off x="686993" y="1853805"/>
+            <a:off x="629842" y="1513149"/>
             <a:ext cx="7721203" cy="603647"/>
           </a:xfrm>
           <a:prstGeom prst="rect">
@@ -23742,7 +23688,7 @@
         </p:nvSpPr>
         <p:spPr>
           <a:xfrm>
-            <a:off x="609600" y="1063228"/>
+            <a:off x="652465" y="443796"/>
             <a:ext cx="8229600" cy="651272"/>
           </a:xfrm>
         </p:spPr>
@@ -24149,152 +24095,7 @@
 </p:sld>
 </file>
 
-<file path=ppt/slides/slide3.xml><?xml version="1.0" encoding="utf-8"?>
-<p:sld xmlns:a="http://schemas.openxmlformats.org/drawingml/2006/main" xmlns:r="http://schemas.openxmlformats.org/officeDocument/2006/relationships" xmlns:p="http://schemas.openxmlformats.org/presentationml/2006/main">
-  <p:cSld>
-    <p:spTree>
-      <p:nvGrpSpPr>
-        <p:cNvPr id="1" name=""/>
-        <p:cNvGrpSpPr/>
-        <p:nvPr/>
-      </p:nvGrpSpPr>
-      <p:grpSpPr>
-        <a:xfrm>
-          <a:off x="0" y="0"/>
-          <a:ext cx="0" cy="0"/>
-          <a:chOff x="0" y="0"/>
-          <a:chExt cx="0" cy="0"/>
-        </a:xfrm>
-      </p:grpSpPr>
-      <p:sp>
-        <p:nvSpPr>
-          <p:cNvPr id="2" name="Title 1"/>
-          <p:cNvSpPr>
-            <a:spLocks noGrp="1"/>
-          </p:cNvSpPr>
-          <p:nvPr>
-            <p:ph type="title"/>
-          </p:nvPr>
-        </p:nvSpPr>
-        <p:spPr/>
-        <p:txBody>
-          <a:bodyPr/>
-          <a:lstStyle/>
-          <a:p>
-            <a:r>
-              <a:rPr lang="en-US" altLang="en-US" dirty="0">
-                <a:latin typeface="Helvetica LT Std"/>
-              </a:rPr>
-              <a:t>Definition and Purpose</a:t>
-            </a:r>
-            <a:endParaRPr lang="en-US" dirty="0"/>
-          </a:p>
-        </p:txBody>
-      </p:sp>
-      <p:sp>
-        <p:nvSpPr>
-          <p:cNvPr id="3" name="Content Placeholder 2"/>
-          <p:cNvSpPr>
-            <a:spLocks noGrp="1"/>
-          </p:cNvSpPr>
-          <p:nvPr>
-            <p:ph idx="1"/>
-          </p:nvPr>
-        </p:nvSpPr>
-        <p:spPr/>
-        <p:txBody>
-          <a:bodyPr/>
-          <a:lstStyle/>
-          <a:p>
-            <a:r>
-              <a:rPr lang="en-US" altLang="en-US" dirty="0">
-                <a:latin typeface="Helvetica LT Std"/>
-              </a:rPr>
-              <a:t>The CVE Counting Rules define how to assign a CVE ID to a vulnerability</a:t>
-            </a:r>
-          </a:p>
-          <a:p>
-            <a:r>
-              <a:rPr lang="en-US" altLang="en-US" dirty="0">
-                <a:latin typeface="Helvetica LT Std"/>
-              </a:rPr>
-              <a:t>The Counting Rules must achieve CVE’s </a:t>
-            </a:r>
-            <a:r>
-              <a:rPr lang="en-US" altLang="en-US" i="1" dirty="0">
-                <a:latin typeface="Helvetica LT Std"/>
-              </a:rPr>
-              <a:t>purpose</a:t>
-            </a:r>
-            <a:r>
-              <a:rPr lang="en-US" altLang="en-US" dirty="0">
-                <a:latin typeface="Helvetica LT Std"/>
-              </a:rPr>
-              <a:t> and provide the intended </a:t>
-            </a:r>
-            <a:r>
-              <a:rPr lang="en-US" altLang="en-US" i="1" dirty="0">
-                <a:latin typeface="Helvetica LT Std"/>
-              </a:rPr>
-              <a:t>values</a:t>
-            </a:r>
-            <a:r>
-              <a:rPr lang="en-US" altLang="en-US" dirty="0">
-                <a:latin typeface="Helvetica LT Std"/>
-              </a:rPr>
-              <a:t>:</a:t>
-            </a:r>
-            <a:endParaRPr lang="en-US" altLang="en-US" i="1" dirty="0">
-              <a:latin typeface="Helvetica LT Std"/>
-            </a:endParaRPr>
-          </a:p>
-          <a:p>
-            <a:pPr lvl="1"/>
-            <a:r>
-              <a:rPr lang="en-US" altLang="en-US" dirty="0">
-                <a:latin typeface="Helvetica LT Std"/>
-              </a:rPr>
-              <a:t>Purpose: To uniquely identify and name </a:t>
-            </a:r>
-            <a:r>
-              <a:rPr lang="en-US" altLang="en-US" u="sng" dirty="0">
-                <a:latin typeface="Helvetica LT Std"/>
-              </a:rPr>
-              <a:t>publicly</a:t>
-            </a:r>
-            <a:r>
-              <a:rPr lang="en-US" altLang="en-US" dirty="0">
-                <a:latin typeface="Helvetica LT Std"/>
-              </a:rPr>
-              <a:t> disclosed vulnerabilities pertaining to specific versions of software or codebases</a:t>
-            </a:r>
-            <a:endParaRPr lang="en-US" altLang="en-US" sz="750" dirty="0"/>
-          </a:p>
-          <a:p>
-            <a:pPr lvl="1"/>
-            <a:r>
-              <a:rPr lang="en-US" altLang="en-US" dirty="0">
-                <a:latin typeface="Helvetica LT Std"/>
-              </a:rPr>
-              <a:t>Value: Stakeholders have confidence that they can refer to a CVE Identifier (ID) and know they are talking about a specific, unique vulnerability regardless of the tool or forum being used</a:t>
-            </a:r>
-          </a:p>
-        </p:txBody>
-      </p:sp>
-    </p:spTree>
-    <p:extLst>
-      <p:ext uri="{BB962C8B-B14F-4D97-AF65-F5344CB8AC3E}">
-        <p14:creationId xmlns:p14="http://schemas.microsoft.com/office/powerpoint/2010/main" val="2708850197"/>
-      </p:ext>
-    </p:extLst>
-  </p:cSld>
-  <p:clrMapOvr>
-    <a:masterClrMapping/>
-  </p:clrMapOvr>
-</p:sld>
-</file>
-
-<file path=ppt/slides/slide30.xml><?xml version="1.0" encoding="utf-8"?>
+<file path=ppt/slides/slide29.xml><?xml version="1.0" encoding="utf-8"?>
 <p:sld xmlns:a="http://schemas.openxmlformats.org/drawingml/2006/main" xmlns:r="http://schemas.openxmlformats.org/officeDocument/2006/relationships" xmlns:p="http://schemas.openxmlformats.org/presentationml/2006/main">
   <p:cSld>
     <p:spTree>
@@ -24415,12 +24216,16 @@
             <a:graphicFrameLocks noGrp="1"/>
           </p:cNvGraphicFramePr>
           <p:nvPr>
-            <p:extLst/>
+            <p:extLst>
+              <p:ext uri="{D42A27DB-BD31-4B8C-83A1-F6EECF244321}">
+                <p14:modId xmlns:p14="http://schemas.microsoft.com/office/powerpoint/2010/main" val="1392372407"/>
+              </p:ext>
+            </p:extLst>
           </p:nvPr>
         </p:nvGraphicFramePr>
         <p:xfrm>
-          <a:off x="609604" y="1884818"/>
-          <a:ext cx="8229599" cy="302897"/>
+          <a:off x="609601" y="1501082"/>
+          <a:ext cx="8229599" cy="622994"/>
         </p:xfrm>
         <a:graphic>
           <a:graphicData uri="http://schemas.openxmlformats.org/drawingml/2006/table">
@@ -24444,7 +24249,7 @@
                   </a:extLst>
                 </a:gridCol>
               </a:tblGrid>
-              <a:tr h="302897">
+              <a:tr h="622994">
                 <a:tc>
                   <a:txBody>
                     <a:bodyPr/>
@@ -24459,12 +24264,12 @@
                         </a:spcAft>
                       </a:pPr>
                       <a:r>
-                        <a:rPr lang="en-US" sz="900" dirty="0">
+                        <a:rPr lang="en-US" sz="1000" dirty="0">
                           <a:effectLst/>
                         </a:rPr>
                         <a:t>CNT3</a:t>
                       </a:r>
-                      <a:endParaRPr lang="en-US" sz="900" dirty="0">
+                      <a:endParaRPr lang="en-US" sz="1000" dirty="0">
                         <a:effectLst/>
                         <a:latin typeface="Calibri" panose="020F0502020204030204" pitchFamily="34" charset="0"/>
                         <a:ea typeface="Calibri" panose="020F0502020204030204" pitchFamily="34" charset="0"/>
@@ -24488,12 +24293,12 @@
                         </a:spcAft>
                       </a:pPr>
                       <a:r>
-                        <a:rPr lang="en-US" sz="900" dirty="0">
+                        <a:rPr lang="en-US" sz="1000" dirty="0">
                           <a:effectLst/>
                         </a:rPr>
                         <a:t>Shared Codebase, Library, Protocol: Does the vulnerability affect a shared codebase, library, or protocol implementation issue? In addition, consultation with the root CNA is recommended when the vulnerability affects software covered by other CNAs</a:t>
                       </a:r>
-                      <a:endParaRPr lang="en-US" sz="900" dirty="0">
+                      <a:endParaRPr lang="en-US" sz="1000" dirty="0">
                         <a:effectLst/>
                         <a:latin typeface="Calibri" panose="020F0502020204030204" pitchFamily="34" charset="0"/>
                         <a:ea typeface="Calibri" panose="020F0502020204030204" pitchFamily="34" charset="0"/>
@@ -24517,6 +24322,285 @@
     <p:extLst>
       <p:ext uri="{BB962C8B-B14F-4D97-AF65-F5344CB8AC3E}">
         <p14:creationId xmlns:p14="http://schemas.microsoft.com/office/powerpoint/2010/main" val="128104909"/>
+      </p:ext>
+    </p:extLst>
+  </p:cSld>
+  <p:clrMapOvr>
+    <a:masterClrMapping/>
+  </p:clrMapOvr>
+</p:sld>
+</file>
+
+<file path=ppt/slides/slide3.xml><?xml version="1.0" encoding="utf-8"?>
+<p:sld xmlns:a="http://schemas.openxmlformats.org/drawingml/2006/main" xmlns:r="http://schemas.openxmlformats.org/officeDocument/2006/relationships" xmlns:p="http://schemas.openxmlformats.org/presentationml/2006/main">
+  <p:cSld>
+    <p:spTree>
+      <p:nvGrpSpPr>
+        <p:cNvPr id="1" name=""/>
+        <p:cNvGrpSpPr/>
+        <p:nvPr/>
+      </p:nvGrpSpPr>
+      <p:grpSpPr>
+        <a:xfrm>
+          <a:off x="0" y="0"/>
+          <a:ext cx="0" cy="0"/>
+          <a:chOff x="0" y="0"/>
+          <a:chExt cx="0" cy="0"/>
+        </a:xfrm>
+      </p:grpSpPr>
+      <p:sp>
+        <p:nvSpPr>
+          <p:cNvPr id="2" name="Title 1"/>
+          <p:cNvSpPr>
+            <a:spLocks noGrp="1"/>
+          </p:cNvSpPr>
+          <p:nvPr>
+            <p:ph type="title"/>
+          </p:nvPr>
+        </p:nvSpPr>
+        <p:spPr/>
+        <p:txBody>
+          <a:bodyPr/>
+          <a:lstStyle/>
+          <a:p>
+            <a:r>
+              <a:rPr lang="en-US" altLang="en-US" dirty="0">
+                <a:latin typeface="Helvetica LT Std"/>
+              </a:rPr>
+              <a:t>Definition and Purpose</a:t>
+            </a:r>
+            <a:endParaRPr lang="en-US" dirty="0"/>
+          </a:p>
+        </p:txBody>
+      </p:sp>
+      <p:sp>
+        <p:nvSpPr>
+          <p:cNvPr id="3" name="Content Placeholder 2"/>
+          <p:cNvSpPr>
+            <a:spLocks noGrp="1"/>
+          </p:cNvSpPr>
+          <p:nvPr>
+            <p:ph idx="1"/>
+          </p:nvPr>
+        </p:nvSpPr>
+        <p:spPr/>
+        <p:txBody>
+          <a:bodyPr/>
+          <a:lstStyle/>
+          <a:p>
+            <a:r>
+              <a:rPr lang="en-US" altLang="en-US" dirty="0">
+                <a:latin typeface="Helvetica LT Std"/>
+              </a:rPr>
+              <a:t>The CVE Counting Rules define how to assign a CVE ID to a vulnerability</a:t>
+            </a:r>
+          </a:p>
+          <a:p>
+            <a:r>
+              <a:rPr lang="en-US" altLang="en-US" dirty="0">
+                <a:latin typeface="Helvetica LT Std"/>
+              </a:rPr>
+              <a:t>The Counting Rules must achieve CVE’s </a:t>
+            </a:r>
+            <a:r>
+              <a:rPr lang="en-US" altLang="en-US" i="1" dirty="0">
+                <a:latin typeface="Helvetica LT Std"/>
+              </a:rPr>
+              <a:t>purpose</a:t>
+            </a:r>
+            <a:r>
+              <a:rPr lang="en-US" altLang="en-US" dirty="0">
+                <a:latin typeface="Helvetica LT Std"/>
+              </a:rPr>
+              <a:t> and provide the intended </a:t>
+            </a:r>
+            <a:r>
+              <a:rPr lang="en-US" altLang="en-US" i="1" dirty="0">
+                <a:latin typeface="Helvetica LT Std"/>
+              </a:rPr>
+              <a:t>values</a:t>
+            </a:r>
+            <a:r>
+              <a:rPr lang="en-US" altLang="en-US" dirty="0">
+                <a:latin typeface="Helvetica LT Std"/>
+              </a:rPr>
+              <a:t>:</a:t>
+            </a:r>
+            <a:endParaRPr lang="en-US" altLang="en-US" i="1" dirty="0">
+              <a:latin typeface="Helvetica LT Std"/>
+            </a:endParaRPr>
+          </a:p>
+          <a:p>
+            <a:pPr lvl="1"/>
+            <a:r>
+              <a:rPr lang="en-US" altLang="en-US" dirty="0">
+                <a:latin typeface="Helvetica LT Std"/>
+              </a:rPr>
+              <a:t>Purpose: To uniquely identify and name </a:t>
+            </a:r>
+            <a:r>
+              <a:rPr lang="en-US" altLang="en-US" u="sng" dirty="0">
+                <a:latin typeface="Helvetica LT Std"/>
+              </a:rPr>
+              <a:t>publicly</a:t>
+            </a:r>
+            <a:r>
+              <a:rPr lang="en-US" altLang="en-US" dirty="0">
+                <a:latin typeface="Helvetica LT Std"/>
+              </a:rPr>
+              <a:t> disclosed vulnerabilities pertaining to specific versions of software or codebases</a:t>
+            </a:r>
+            <a:endParaRPr lang="en-US" altLang="en-US" sz="750" dirty="0"/>
+          </a:p>
+          <a:p>
+            <a:pPr lvl="1"/>
+            <a:r>
+              <a:rPr lang="en-US" altLang="en-US" dirty="0">
+                <a:latin typeface="Helvetica LT Std"/>
+              </a:rPr>
+              <a:t>Value: Stakeholders have confidence that they can refer to a CVE Identifier (ID) and know they are talking about a specific, unique vulnerability regardless of the tool or forum being used</a:t>
+            </a:r>
+          </a:p>
+        </p:txBody>
+      </p:sp>
+    </p:spTree>
+    <p:extLst>
+      <p:ext uri="{BB962C8B-B14F-4D97-AF65-F5344CB8AC3E}">
+        <p14:creationId xmlns:p14="http://schemas.microsoft.com/office/powerpoint/2010/main" val="2708850197"/>
+      </p:ext>
+    </p:extLst>
+  </p:cSld>
+  <p:clrMapOvr>
+    <a:masterClrMapping/>
+  </p:clrMapOvr>
+</p:sld>
+</file>
+
+<file path=ppt/slides/slide30.xml><?xml version="1.0" encoding="utf-8"?>
+<p:sld xmlns:a="http://schemas.openxmlformats.org/drawingml/2006/main" xmlns:r="http://schemas.openxmlformats.org/officeDocument/2006/relationships" xmlns:p="http://schemas.openxmlformats.org/presentationml/2006/main">
+  <p:cSld>
+    <p:spTree>
+      <p:nvGrpSpPr>
+        <p:cNvPr id="1" name=""/>
+        <p:cNvGrpSpPr/>
+        <p:nvPr/>
+      </p:nvGrpSpPr>
+      <p:grpSpPr>
+        <a:xfrm>
+          <a:off x="0" y="0"/>
+          <a:ext cx="0" cy="0"/>
+          <a:chOff x="0" y="0"/>
+          <a:chExt cx="0" cy="0"/>
+        </a:xfrm>
+      </p:grpSpPr>
+      <p:sp>
+        <p:nvSpPr>
+          <p:cNvPr id="2" name="Title 1"/>
+          <p:cNvSpPr>
+            <a:spLocks noGrp="1"/>
+          </p:cNvSpPr>
+          <p:nvPr>
+            <p:ph type="title"/>
+          </p:nvPr>
+        </p:nvSpPr>
+        <p:spPr/>
+        <p:txBody>
+          <a:bodyPr/>
+          <a:lstStyle/>
+          <a:p>
+            <a:r>
+              <a:rPr lang="en-US" dirty="0"/>
+              <a:t>CNT3: Expanded Decisions</a:t>
+            </a:r>
+          </a:p>
+        </p:txBody>
+      </p:sp>
+      <p:sp>
+        <p:nvSpPr>
+          <p:cNvPr id="3" name="Content Placeholder 2"/>
+          <p:cNvSpPr>
+            <a:spLocks noGrp="1"/>
+          </p:cNvSpPr>
+          <p:nvPr>
+            <p:ph idx="1"/>
+          </p:nvPr>
+        </p:nvSpPr>
+        <p:spPr/>
+        <p:txBody>
+          <a:bodyPr>
+            <a:normAutofit fontScale="92500" lnSpcReduction="10000"/>
+          </a:bodyPr>
+          <a:lstStyle/>
+          <a:p>
+            <a:r>
+              <a:rPr lang="en-US" dirty="0"/>
+              <a:t>Shared Codebase</a:t>
+            </a:r>
+          </a:p>
+          <a:p>
+            <a:pPr lvl="1"/>
+            <a:r>
+              <a:rPr lang="en-US" dirty="0"/>
+              <a:t>Affects a single product; assign one CVE ID</a:t>
+            </a:r>
+          </a:p>
+          <a:p>
+            <a:pPr lvl="1"/>
+            <a:r>
+              <a:rPr lang="en-US" dirty="0"/>
+              <a:t>Affects the same code in multiple products; assign a CVE ID to the shared codebase</a:t>
+            </a:r>
+          </a:p>
+          <a:p>
+            <a:pPr lvl="1"/>
+            <a:r>
+              <a:rPr lang="en-US" dirty="0"/>
+              <a:t>Affects multiple products but with different code; assign a CVE ID to each product</a:t>
+            </a:r>
+          </a:p>
+          <a:p>
+            <a:pPr lvl="1"/>
+            <a:r>
+              <a:rPr lang="en-US" dirty="0"/>
+              <a:t>Not sure or undefined; assign a CVE ID to each product</a:t>
+            </a:r>
+          </a:p>
+          <a:p>
+            <a:r>
+              <a:rPr lang="en-US" dirty="0"/>
+              <a:t>Libraries, Protocols, Standards, etc.</a:t>
+            </a:r>
+          </a:p>
+          <a:p>
+            <a:pPr lvl="1"/>
+            <a:r>
+              <a:rPr lang="en-US" dirty="0"/>
+              <a:t>Results from conforming to the specification (i.e. all implementations must be vulnerable); assign a single CVE ID</a:t>
+            </a:r>
+          </a:p>
+          <a:p>
+            <a:pPr lvl="1"/>
+            <a:r>
+              <a:rPr lang="en-US" dirty="0"/>
+              <a:t>Results from a choice by the implementer (implementer makes a decision to use a vulnerable option instead of a secure one); assign a CVE ID to each affected codebase/product</a:t>
+            </a:r>
+          </a:p>
+          <a:p>
+            <a:pPr lvl="1"/>
+            <a:r>
+              <a:rPr lang="en-US" dirty="0"/>
+              <a:t>Not sure; assign a CVE ID to each affected codebase</a:t>
+            </a:r>
+          </a:p>
+          <a:p>
+            <a:endParaRPr lang="en-US" dirty="0"/>
+          </a:p>
+        </p:txBody>
+      </p:sp>
+    </p:spTree>
+    <p:extLst>
+      <p:ext uri="{BB962C8B-B14F-4D97-AF65-F5344CB8AC3E}">
+        <p14:creationId xmlns:p14="http://schemas.microsoft.com/office/powerpoint/2010/main" val="4154137262"/>
       </p:ext>
     </p:extLst>
   </p:cSld>
@@ -24560,140 +24644,6 @@
           <a:p>
             <a:r>
               <a:rPr lang="en-US" dirty="0"/>
-              <a:t>CNT3: Expanded Decisions</a:t>
-            </a:r>
-          </a:p>
-        </p:txBody>
-      </p:sp>
-      <p:sp>
-        <p:nvSpPr>
-          <p:cNvPr id="3" name="Content Placeholder 2"/>
-          <p:cNvSpPr>
-            <a:spLocks noGrp="1"/>
-          </p:cNvSpPr>
-          <p:nvPr>
-            <p:ph idx="1"/>
-          </p:nvPr>
-        </p:nvSpPr>
-        <p:spPr/>
-        <p:txBody>
-          <a:bodyPr>
-            <a:normAutofit lnSpcReduction="10000"/>
-          </a:bodyPr>
-          <a:lstStyle/>
-          <a:p>
-            <a:r>
-              <a:rPr lang="en-US" dirty="0"/>
-              <a:t>Shared Codebase</a:t>
-            </a:r>
-          </a:p>
-          <a:p>
-            <a:pPr lvl="1"/>
-            <a:r>
-              <a:rPr lang="en-US" dirty="0"/>
-              <a:t>Affects a single product; assign one CVE ID</a:t>
-            </a:r>
-          </a:p>
-          <a:p>
-            <a:pPr lvl="1"/>
-            <a:r>
-              <a:rPr lang="en-US" dirty="0"/>
-              <a:t>Affects the same code in multiple products; assign a CVE ID to each affected codebase</a:t>
-            </a:r>
-          </a:p>
-          <a:p>
-            <a:pPr lvl="1"/>
-            <a:r>
-              <a:rPr lang="en-US" dirty="0"/>
-              <a:t>Affects multiple products but with different code; assign a CVE ID to each product</a:t>
-            </a:r>
-          </a:p>
-          <a:p>
-            <a:pPr lvl="1"/>
-            <a:r>
-              <a:rPr lang="en-US" dirty="0"/>
-              <a:t>Not sure or undefined; assign a CVE ID to each product</a:t>
-            </a:r>
-          </a:p>
-          <a:p>
-            <a:r>
-              <a:rPr lang="en-US" dirty="0"/>
-              <a:t>Libraries, Protocols, Standards, etc.</a:t>
-            </a:r>
-          </a:p>
-          <a:p>
-            <a:pPr lvl="1"/>
-            <a:r>
-              <a:rPr lang="en-US" dirty="0"/>
-              <a:t>Results from conforming to the specification; assign a single CVE ID</a:t>
-            </a:r>
-          </a:p>
-          <a:p>
-            <a:pPr lvl="1"/>
-            <a:r>
-              <a:rPr lang="en-US" dirty="0"/>
-              <a:t>Results from a choice by the implementer; assign a CVE ID to each affected codebase</a:t>
-            </a:r>
-          </a:p>
-          <a:p>
-            <a:pPr lvl="1"/>
-            <a:r>
-              <a:rPr lang="en-US" dirty="0"/>
-              <a:t>Not sure; assign a CVE ID to each affected codebase</a:t>
-            </a:r>
-          </a:p>
-          <a:p>
-            <a:endParaRPr lang="en-US" dirty="0"/>
-          </a:p>
-        </p:txBody>
-      </p:sp>
-    </p:spTree>
-    <p:extLst>
-      <p:ext uri="{BB962C8B-B14F-4D97-AF65-F5344CB8AC3E}">
-        <p14:creationId xmlns:p14="http://schemas.microsoft.com/office/powerpoint/2010/main" val="4154137262"/>
-      </p:ext>
-    </p:extLst>
-  </p:cSld>
-  <p:clrMapOvr>
-    <a:masterClrMapping/>
-  </p:clrMapOvr>
-</p:sld>
-</file>
-
-<file path=ppt/slides/slide32.xml><?xml version="1.0" encoding="utf-8"?>
-<p:sld xmlns:a="http://schemas.openxmlformats.org/drawingml/2006/main" xmlns:r="http://schemas.openxmlformats.org/officeDocument/2006/relationships" xmlns:p="http://schemas.openxmlformats.org/presentationml/2006/main">
-  <p:cSld>
-    <p:spTree>
-      <p:nvGrpSpPr>
-        <p:cNvPr id="1" name=""/>
-        <p:cNvGrpSpPr/>
-        <p:nvPr/>
-      </p:nvGrpSpPr>
-      <p:grpSpPr>
-        <a:xfrm>
-          <a:off x="0" y="0"/>
-          <a:ext cx="0" cy="0"/>
-          <a:chOff x="0" y="0"/>
-          <a:chExt cx="0" cy="0"/>
-        </a:xfrm>
-      </p:grpSpPr>
-      <p:sp>
-        <p:nvSpPr>
-          <p:cNvPr id="2" name="Title 1"/>
-          <p:cNvSpPr>
-            <a:spLocks noGrp="1"/>
-          </p:cNvSpPr>
-          <p:nvPr>
-            <p:ph type="title"/>
-          </p:nvPr>
-        </p:nvSpPr>
-        <p:spPr/>
-        <p:txBody>
-          <a:bodyPr/>
-          <a:lstStyle/>
-          <a:p>
-            <a:r>
-              <a:rPr lang="en-US" dirty="0"/>
               <a:t>Advanced Example: SLOTH for TLS 1.2</a:t>
             </a:r>
           </a:p>
@@ -24746,7 +24696,7 @@
             <a:pPr lvl="1"/>
             <a:r>
               <a:rPr lang="en-US" dirty="0"/>
-              <a:t>MD5 is one of the hashing algorithms TLS 1.2 allows</a:t>
+              <a:t>TLS 1.2 allows for the use of  MD5, SHA-1, SHA-224, SHA-256, SHA-384, and SHA-512 for hashing signatures</a:t>
             </a:r>
           </a:p>
           <a:p>
@@ -24759,7 +24709,7 @@
           <a:p>
             <a:r>
               <a:rPr lang="en-US" dirty="0"/>
-              <a:t>How many CVE IDs should be assigned?</a:t>
+              <a:t>Should this be considered a problem in the protocol or the implementations of the products?</a:t>
             </a:r>
           </a:p>
           <a:p>
@@ -24858,7 +24808,7 @@
 </p:sld>
 </file>
 
-<file path=ppt/slides/slide33.xml><?xml version="1.0" encoding="utf-8"?>
+<file path=ppt/slides/slide32.xml><?xml version="1.0" encoding="utf-8"?>
 <p:sld xmlns:a="http://schemas.openxmlformats.org/drawingml/2006/main" xmlns:r="http://schemas.openxmlformats.org/officeDocument/2006/relationships" xmlns:p="http://schemas.openxmlformats.org/presentationml/2006/main">
   <p:cSld>
     <p:spTree>
@@ -24973,7 +24923,7 @@
                 </a:solidFill>
               </a:rPr>
               <a:pPr/>
-              <a:t>32</a:t>
+              <a:t>31</a:t>
             </a:fld>
             <a:r>
               <a:rPr lang="en-US"/>
@@ -25008,7 +24958,7 @@
 </p:sld>
 </file>
 
-<file path=ppt/slides/slide34.xml><?xml version="1.0" encoding="utf-8"?>
+<file path=ppt/slides/slide33.xml><?xml version="1.0" encoding="utf-8"?>
 <p:sld xmlns:a="http://schemas.openxmlformats.org/drawingml/2006/main" xmlns:r="http://schemas.openxmlformats.org/officeDocument/2006/relationships" xmlns:p="http://schemas.openxmlformats.org/presentationml/2006/main">
   <p:cSld>
     <p:spTree>
@@ -25081,7 +25031,7 @@
 </p:sld>
 </file>
 
-<file path=ppt/slides/slide35.xml><?xml version="1.0" encoding="utf-8"?>
+<file path=ppt/slides/slide34.xml><?xml version="1.0" encoding="utf-8"?>
 <p:sld xmlns:a="http://schemas.openxmlformats.org/drawingml/2006/main" xmlns:r="http://schemas.openxmlformats.org/officeDocument/2006/relationships" xmlns:p="http://schemas.openxmlformats.org/presentationml/2006/main">
   <p:cSld>
     <p:spTree>
@@ -25108,7 +25058,12 @@
             <p:ph type="title"/>
           </p:nvPr>
         </p:nvSpPr>
-        <p:spPr/>
+        <p:spPr>
+          <a:xfrm>
+            <a:off x="609600" y="417513"/>
+            <a:ext cx="6996545" cy="868362"/>
+          </a:xfrm>
+        </p:spPr>
         <p:txBody>
           <a:bodyPr>
             <a:normAutofit/>
@@ -25155,12 +25110,16 @@
             <a:graphicFrameLocks noGrp="1"/>
           </p:cNvGraphicFramePr>
           <p:nvPr>
-            <p:extLst/>
+            <p:extLst>
+              <p:ext uri="{D42A27DB-BD31-4B8C-83A1-F6EECF244321}">
+                <p14:modId xmlns:p14="http://schemas.microsoft.com/office/powerpoint/2010/main" val="3147577262"/>
+              </p:ext>
+            </p:extLst>
           </p:nvPr>
         </p:nvGraphicFramePr>
         <p:xfrm>
-          <a:off x="609600" y="1905102"/>
-          <a:ext cx="8229601" cy="302897"/>
+          <a:off x="609603" y="1387891"/>
+          <a:ext cx="8229601" cy="545684"/>
         </p:xfrm>
         <a:graphic>
           <a:graphicData uri="http://schemas.openxmlformats.org/drawingml/2006/table">
@@ -25184,7 +25143,7 @@
                   </a:extLst>
                 </a:gridCol>
               </a:tblGrid>
-              <a:tr h="302897">
+              <a:tr h="545684">
                 <a:tc>
                   <a:txBody>
                     <a:bodyPr/>
@@ -25199,12 +25158,12 @@
                         </a:spcAft>
                       </a:pPr>
                       <a:r>
-                        <a:rPr lang="en-US" sz="900">
+                        <a:rPr lang="en-US" sz="1000">
                           <a:effectLst/>
                         </a:rPr>
                         <a:t>INC1</a:t>
                       </a:r>
-                      <a:endParaRPr lang="en-US" sz="900">
+                      <a:endParaRPr lang="en-US" sz="1000">
                         <a:effectLst/>
                         <a:latin typeface="Calibri" panose="020F0502020204030204" pitchFamily="34" charset="0"/>
                         <a:ea typeface="Calibri" panose="020F0502020204030204" pitchFamily="34" charset="0"/>
@@ -25228,12 +25187,12 @@
                         </a:spcAft>
                       </a:pPr>
                       <a:r>
-                        <a:rPr lang="en-US" sz="900" dirty="0">
+                        <a:rPr lang="en-US" sz="1000" dirty="0">
                           <a:effectLst/>
                         </a:rPr>
                         <a:t>In Scope of Authority: Does the vulnerability report fall into the scope of authority for the CNA. CNAs can only assign CVE IDs to vulnerabilities that are within their scope of authority as defined by their root CNA.</a:t>
                       </a:r>
-                      <a:endParaRPr lang="en-US" sz="900" dirty="0">
+                      <a:endParaRPr lang="en-US" sz="1000" dirty="0">
                         <a:effectLst/>
                         <a:latin typeface="Calibri" panose="020F0502020204030204" pitchFamily="34" charset="0"/>
                         <a:ea typeface="Calibri" panose="020F0502020204030204" pitchFamily="34" charset="0"/>
@@ -25427,7 +25386,7 @@
 </p:sld>
 </file>
 
-<file path=ppt/slides/slide36.xml><?xml version="1.0" encoding="utf-8"?>
+<file path=ppt/slides/slide35.xml><?xml version="1.0" encoding="utf-8"?>
 <p:sld xmlns:a="http://schemas.openxmlformats.org/drawingml/2006/main" xmlns:r="http://schemas.openxmlformats.org/officeDocument/2006/relationships" xmlns:p="http://schemas.openxmlformats.org/presentationml/2006/main">
   <p:cSld>
     <p:spTree>
@@ -25651,6 +25610,97 @@
     <p:extLst>
       <p:ext uri="{BB962C8B-B14F-4D97-AF65-F5344CB8AC3E}">
         <p14:creationId xmlns:p14="http://schemas.microsoft.com/office/powerpoint/2010/main" val="2904235632"/>
+      </p:ext>
+    </p:extLst>
+  </p:cSld>
+  <p:clrMapOvr>
+    <a:masterClrMapping/>
+  </p:clrMapOvr>
+</p:sld>
+</file>
+
+<file path=ppt/slides/slide36.xml><?xml version="1.0" encoding="utf-8"?>
+<p:sld xmlns:a="http://schemas.openxmlformats.org/drawingml/2006/main" xmlns:r="http://schemas.openxmlformats.org/officeDocument/2006/relationships" xmlns:p="http://schemas.openxmlformats.org/presentationml/2006/main">
+  <p:cSld>
+    <p:spTree>
+      <p:nvGrpSpPr>
+        <p:cNvPr id="1" name=""/>
+        <p:cNvGrpSpPr/>
+        <p:nvPr/>
+      </p:nvGrpSpPr>
+      <p:grpSpPr>
+        <a:xfrm>
+          <a:off x="0" y="0"/>
+          <a:ext cx="0" cy="0"/>
+          <a:chOff x="0" y="0"/>
+          <a:chExt cx="0" cy="0"/>
+        </a:xfrm>
+      </p:grpSpPr>
+      <p:sp>
+        <p:nvSpPr>
+          <p:cNvPr id="2" name="Title 1"/>
+          <p:cNvSpPr>
+            <a:spLocks noGrp="1"/>
+          </p:cNvSpPr>
+          <p:nvPr>
+            <p:ph type="title"/>
+          </p:nvPr>
+        </p:nvSpPr>
+        <p:spPr/>
+        <p:txBody>
+          <a:bodyPr/>
+          <a:lstStyle/>
+          <a:p>
+            <a:r>
+              <a:rPr lang="en-US" dirty="0"/>
+              <a:t>Examples of Overlapping Scopes</a:t>
+            </a:r>
+          </a:p>
+        </p:txBody>
+      </p:sp>
+      <p:sp>
+        <p:nvSpPr>
+          <p:cNvPr id="3" name="Content Placeholder 2"/>
+          <p:cNvSpPr>
+            <a:spLocks noGrp="1"/>
+          </p:cNvSpPr>
+          <p:nvPr>
+            <p:ph idx="1"/>
+          </p:nvPr>
+        </p:nvSpPr>
+        <p:spPr/>
+        <p:txBody>
+          <a:bodyPr/>
+          <a:lstStyle/>
+          <a:p>
+            <a:r>
+              <a:rPr lang="en-US" dirty="0"/>
+              <a:t>Google and Apple working on </a:t>
+            </a:r>
+            <a:r>
+              <a:rPr lang="en-US" dirty="0" err="1"/>
+              <a:t>Webkit</a:t>
+            </a:r>
+            <a:endParaRPr lang="en-US" dirty="0"/>
+          </a:p>
+          <a:p>
+            <a:r>
+              <a:rPr lang="en-US" dirty="0"/>
+              <a:t>Linux Distros (Red Hat, Canonical, Debian, SUSE)</a:t>
+            </a:r>
+          </a:p>
+          <a:p>
+            <a:r>
+              <a:rPr lang="en-US" dirty="0"/>
+              <a:t>Oracle and IBM versions of Java</a:t>
+            </a:r>
+          </a:p>
+        </p:txBody>
+      </p:sp>
+    </p:spTree>
+    <p:extLst>
+      <p:ext uri="{BB962C8B-B14F-4D97-AF65-F5344CB8AC3E}">
+        <p14:creationId xmlns:p14="http://schemas.microsoft.com/office/powerpoint/2010/main" val="3200627765"/>
       </p:ext>
     </p:extLst>
   </p:cSld>
@@ -25689,97 +25739,6 @@
         </p:nvSpPr>
         <p:spPr/>
         <p:txBody>
-          <a:bodyPr/>
-          <a:lstStyle/>
-          <a:p>
-            <a:r>
-              <a:rPr lang="en-US" dirty="0"/>
-              <a:t>Examples of Overlapping Scopes</a:t>
-            </a:r>
-          </a:p>
-        </p:txBody>
-      </p:sp>
-      <p:sp>
-        <p:nvSpPr>
-          <p:cNvPr id="3" name="Content Placeholder 2"/>
-          <p:cNvSpPr>
-            <a:spLocks noGrp="1"/>
-          </p:cNvSpPr>
-          <p:nvPr>
-            <p:ph idx="1"/>
-          </p:nvPr>
-        </p:nvSpPr>
-        <p:spPr/>
-        <p:txBody>
-          <a:bodyPr/>
-          <a:lstStyle/>
-          <a:p>
-            <a:r>
-              <a:rPr lang="en-US" dirty="0"/>
-              <a:t>Google and Apple working on </a:t>
-            </a:r>
-            <a:r>
-              <a:rPr lang="en-US" dirty="0" err="1"/>
-              <a:t>Webkit</a:t>
-            </a:r>
-            <a:endParaRPr lang="en-US" dirty="0"/>
-          </a:p>
-          <a:p>
-            <a:r>
-              <a:rPr lang="en-US" dirty="0"/>
-              <a:t>Linux Distros (Red Hat, Canonical, Debian, SUSE)</a:t>
-            </a:r>
-          </a:p>
-          <a:p>
-            <a:r>
-              <a:rPr lang="en-US" dirty="0"/>
-              <a:t>Oracle and IBM versions of Java</a:t>
-            </a:r>
-          </a:p>
-        </p:txBody>
-      </p:sp>
-    </p:spTree>
-    <p:extLst>
-      <p:ext uri="{BB962C8B-B14F-4D97-AF65-F5344CB8AC3E}">
-        <p14:creationId xmlns:p14="http://schemas.microsoft.com/office/powerpoint/2010/main" val="3200627765"/>
-      </p:ext>
-    </p:extLst>
-  </p:cSld>
-  <p:clrMapOvr>
-    <a:masterClrMapping/>
-  </p:clrMapOvr>
-</p:sld>
-</file>
-
-<file path=ppt/slides/slide38.xml><?xml version="1.0" encoding="utf-8"?>
-<p:sld xmlns:a="http://schemas.openxmlformats.org/drawingml/2006/main" xmlns:r="http://schemas.openxmlformats.org/officeDocument/2006/relationships" xmlns:p="http://schemas.openxmlformats.org/presentationml/2006/main">
-  <p:cSld>
-    <p:spTree>
-      <p:nvGrpSpPr>
-        <p:cNvPr id="1" name=""/>
-        <p:cNvGrpSpPr/>
-        <p:nvPr/>
-      </p:nvGrpSpPr>
-      <p:grpSpPr>
-        <a:xfrm>
-          <a:off x="0" y="0"/>
-          <a:ext cx="0" cy="0"/>
-          <a:chOff x="0" y="0"/>
-          <a:chExt cx="0" cy="0"/>
-        </a:xfrm>
-      </p:grpSpPr>
-      <p:sp>
-        <p:nvSpPr>
-          <p:cNvPr id="2" name="Title 1"/>
-          <p:cNvSpPr>
-            <a:spLocks noGrp="1"/>
-          </p:cNvSpPr>
-          <p:nvPr>
-            <p:ph type="title"/>
-          </p:nvPr>
-        </p:nvSpPr>
-        <p:spPr/>
-        <p:txBody>
           <a:bodyPr>
             <a:normAutofit/>
           </a:bodyPr>
@@ -25800,12 +25759,16 @@
           </p:cNvGraphicFramePr>
           <p:nvPr>
             <p:ph idx="1"/>
-            <p:extLst/>
+            <p:extLst>
+              <p:ext uri="{D42A27DB-BD31-4B8C-83A1-F6EECF244321}">
+                <p14:modId xmlns:p14="http://schemas.microsoft.com/office/powerpoint/2010/main" val="1906459239"/>
+              </p:ext>
+            </p:extLst>
           </p:nvPr>
         </p:nvGraphicFramePr>
         <p:xfrm>
-          <a:off x="609600" y="1906922"/>
-          <a:ext cx="8229600" cy="302897"/>
+          <a:off x="609600" y="1363997"/>
+          <a:ext cx="8229600" cy="617203"/>
         </p:xfrm>
         <a:graphic>
           <a:graphicData uri="http://schemas.openxmlformats.org/drawingml/2006/table">
@@ -25829,7 +25792,7 @@
                   </a:extLst>
                 </a:gridCol>
               </a:tblGrid>
-              <a:tr h="302897">
+              <a:tr h="617203">
                 <a:tc>
                   <a:txBody>
                     <a:bodyPr/>
@@ -25844,12 +25807,12 @@
                         </a:spcAft>
                       </a:pPr>
                       <a:r>
-                        <a:rPr lang="en-US" sz="900">
+                        <a:rPr lang="en-US" sz="1000">
                           <a:effectLst/>
                         </a:rPr>
                         <a:t>INC2</a:t>
                       </a:r>
-                      <a:endParaRPr lang="en-US" sz="900">
+                      <a:endParaRPr lang="en-US" sz="1000">
                         <a:effectLst/>
                         <a:latin typeface="Calibri" panose="020F0502020204030204" pitchFamily="34" charset="0"/>
                         <a:ea typeface="Calibri" panose="020F0502020204030204" pitchFamily="34" charset="0"/>
@@ -25873,12 +25836,12 @@
                         </a:spcAft>
                       </a:pPr>
                       <a:r>
-                        <a:rPr lang="en-US" sz="900" dirty="0">
+                        <a:rPr lang="en-US" sz="1000" dirty="0">
                           <a:effectLst/>
                         </a:rPr>
                         <a:t>Intended to be Public: Is the vulnerability report or the issue described intended to be published to a publicly available location in the future? CVE IDs are intended to be public information and are not assigned to vulnerabilities that are intended to be private.</a:t>
                       </a:r>
-                      <a:endParaRPr lang="en-US" sz="900" dirty="0">
+                      <a:endParaRPr lang="en-US" sz="1000" dirty="0">
                         <a:effectLst/>
                         <a:latin typeface="Calibri" panose="020F0502020204030204" pitchFamily="34" charset="0"/>
                         <a:ea typeface="Calibri" panose="020F0502020204030204" pitchFamily="34" charset="0"/>
@@ -26087,6 +26050,148 @@
     <p:extLst>
       <p:ext uri="{BB962C8B-B14F-4D97-AF65-F5344CB8AC3E}">
         <p14:creationId xmlns:p14="http://schemas.microsoft.com/office/powerpoint/2010/main" val="2604352839"/>
+      </p:ext>
+    </p:extLst>
+  </p:cSld>
+  <p:clrMapOvr>
+    <a:masterClrMapping/>
+  </p:clrMapOvr>
+</p:sld>
+</file>
+
+<file path=ppt/slides/slide38.xml><?xml version="1.0" encoding="utf-8"?>
+<p:sld xmlns:a="http://schemas.openxmlformats.org/drawingml/2006/main" xmlns:r="http://schemas.openxmlformats.org/officeDocument/2006/relationships" xmlns:p="http://schemas.openxmlformats.org/presentationml/2006/main">
+  <p:cSld>
+    <p:spTree>
+      <p:nvGrpSpPr>
+        <p:cNvPr id="1" name=""/>
+        <p:cNvGrpSpPr/>
+        <p:nvPr/>
+      </p:nvGrpSpPr>
+      <p:grpSpPr>
+        <a:xfrm>
+          <a:off x="0" y="0"/>
+          <a:ext cx="0" cy="0"/>
+          <a:chOff x="0" y="0"/>
+          <a:chExt cx="0" cy="0"/>
+        </a:xfrm>
+      </p:grpSpPr>
+      <p:sp>
+        <p:nvSpPr>
+          <p:cNvPr id="2" name="Title 1"/>
+          <p:cNvSpPr>
+            <a:spLocks noGrp="1"/>
+          </p:cNvSpPr>
+          <p:nvPr>
+            <p:ph type="title"/>
+          </p:nvPr>
+        </p:nvSpPr>
+        <p:spPr/>
+        <p:txBody>
+          <a:bodyPr>
+            <a:normAutofit fontScale="90000"/>
+          </a:bodyPr>
+          <a:lstStyle/>
+          <a:p>
+            <a:r>
+              <a:rPr lang="en-US" dirty="0"/>
+              <a:t>INC2: Determine if Vulnerability is Public (1 of 2)</a:t>
+            </a:r>
+          </a:p>
+        </p:txBody>
+      </p:sp>
+      <p:sp>
+        <p:nvSpPr>
+          <p:cNvPr id="3" name="Content Placeholder 2"/>
+          <p:cNvSpPr>
+            <a:spLocks noGrp="1"/>
+          </p:cNvSpPr>
+          <p:nvPr>
+            <p:ph idx="1"/>
+          </p:nvPr>
+        </p:nvSpPr>
+        <p:spPr/>
+        <p:txBody>
+          <a:bodyPr>
+            <a:normAutofit fontScale="92500" lnSpcReduction="20000"/>
+          </a:bodyPr>
+          <a:lstStyle/>
+          <a:p>
+            <a:r>
+              <a:rPr lang="en-US" dirty="0"/>
+              <a:t>For a vulnerability to be considered public, it must meet the following conditions:</a:t>
+            </a:r>
+          </a:p>
+          <a:p>
+            <a:pPr lvl="1"/>
+            <a:r>
+              <a:rPr lang="en-US" dirty="0"/>
+              <a:t>Must have a URL</a:t>
+            </a:r>
+          </a:p>
+          <a:p>
+            <a:pPr lvl="1"/>
+            <a:r>
+              <a:rPr lang="en-US" dirty="0"/>
+              <a:t>The Terms must allow ability to link to the URL</a:t>
+            </a:r>
+          </a:p>
+          <a:p>
+            <a:pPr lvl="1"/>
+            <a:r>
+              <a:rPr lang="en-US" dirty="0"/>
+              <a:t>The document linked to the URL must contain the minimum required information for a CVE entry:</a:t>
+            </a:r>
+          </a:p>
+          <a:p>
+            <a:pPr lvl="2"/>
+            <a:r>
+              <a:rPr lang="en-US" dirty="0"/>
+              <a:t>Product</a:t>
+            </a:r>
+          </a:p>
+          <a:p>
+            <a:pPr lvl="2"/>
+            <a:r>
+              <a:rPr lang="en-US" dirty="0"/>
+              <a:t>Version</a:t>
+            </a:r>
+          </a:p>
+          <a:p>
+            <a:pPr lvl="2"/>
+            <a:r>
+              <a:rPr lang="en-US" dirty="0"/>
+              <a:t>Problem type (vulnerability type or impact)</a:t>
+            </a:r>
+          </a:p>
+          <a:p>
+            <a:r>
+              <a:rPr lang="en-US" dirty="0"/>
+              <a:t>Registration and login requirements are acceptable, but there can be no other restrictions</a:t>
+            </a:r>
+          </a:p>
+          <a:p>
+            <a:r>
+              <a:rPr lang="en-US" dirty="0"/>
+              <a:t>Advisories that require payment to access are not considered public</a:t>
+            </a:r>
+          </a:p>
+          <a:p>
+            <a:pPr lvl="1"/>
+            <a:r>
+              <a:rPr lang="en-US" dirty="0"/>
+              <a:t>If there is a public advisory with the minimum required details and other details require payment to access, then the vulnerability is considered public</a:t>
+            </a:r>
+          </a:p>
+          <a:p>
+            <a:endParaRPr lang="en-US" dirty="0"/>
+          </a:p>
+        </p:txBody>
+      </p:sp>
+    </p:spTree>
+    <p:extLst>
+      <p:ext uri="{BB962C8B-B14F-4D97-AF65-F5344CB8AC3E}">
+        <p14:creationId xmlns:p14="http://schemas.microsoft.com/office/powerpoint/2010/main" val="2224530666"/>
       </p:ext>
     </p:extLst>
   </p:cSld>
@@ -26132,7 +26237,7 @@
           <a:p>
             <a:r>
               <a:rPr lang="en-US" dirty="0"/>
-              <a:t>INC2: Determine if Vulnerability is Public (1 of 2)</a:t>
+              <a:t>INC2: Determine if Vulnerability is Public (2 of 2)</a:t>
             </a:r>
           </a:p>
         </p:txBody>
@@ -26149,75 +26254,39 @@
         </p:nvSpPr>
         <p:spPr/>
         <p:txBody>
-          <a:bodyPr>
-            <a:normAutofit fontScale="92500" lnSpcReduction="20000"/>
-          </a:bodyPr>
+          <a:bodyPr/>
           <a:lstStyle/>
           <a:p>
             <a:r>
               <a:rPr lang="en-US" dirty="0"/>
-              <a:t>For a vulnerability to be considered public, it must meet the following conditions:</a:t>
+              <a:t>Patches are not considered public</a:t>
             </a:r>
           </a:p>
           <a:p>
             <a:pPr lvl="1"/>
             <a:r>
               <a:rPr lang="en-US" dirty="0"/>
-              <a:t>Must have a URL</a:t>
+              <a:t>They do not meet the URL and information requirements</a:t>
             </a:r>
           </a:p>
           <a:p>
             <a:pPr lvl="1"/>
             <a:r>
               <a:rPr lang="en-US" dirty="0"/>
-              <a:t>The Terms must allow ability to link to the URL</a:t>
+              <a:t>Exception: Public open source commits (in some cases)</a:t>
+            </a:r>
+          </a:p>
+          <a:p>
+            <a:r>
+              <a:rPr lang="en-US" dirty="0"/>
+              <a:t>If a researcher wishes to make a vulnerability public, it is best practice for the CNA to assign a CVE ID</a:t>
             </a:r>
           </a:p>
           <a:p>
             <a:pPr lvl="1"/>
             <a:r>
               <a:rPr lang="en-US" dirty="0"/>
-              <a:t>The document linked to the URL must contain the minimum required information for a CVE entry:</a:t>
-            </a:r>
-          </a:p>
-          <a:p>
-            <a:pPr lvl="2"/>
-            <a:r>
-              <a:rPr lang="en-US" dirty="0"/>
-              <a:t>Product</a:t>
-            </a:r>
-          </a:p>
-          <a:p>
-            <a:pPr lvl="2"/>
-            <a:r>
-              <a:rPr lang="en-US" dirty="0"/>
-              <a:t>Version</a:t>
-            </a:r>
-          </a:p>
-          <a:p>
-            <a:pPr lvl="2"/>
-            <a:r>
-              <a:rPr lang="en-US" dirty="0"/>
-              <a:t>Problem type (vulnerability type or impact)</a:t>
-            </a:r>
-          </a:p>
-          <a:p>
-            <a:r>
-              <a:rPr lang="en-US" dirty="0"/>
-              <a:t>Registration and login requirements are acceptable, but there can be no other restrictions</a:t>
-            </a:r>
-          </a:p>
-          <a:p>
-            <a:r>
-              <a:rPr lang="en-US" dirty="0"/>
-              <a:t>Advisories that require payment to access are not considered public</a:t>
-            </a:r>
-          </a:p>
-          <a:p>
-            <a:pPr lvl="1"/>
-            <a:r>
-              <a:rPr lang="en-US" dirty="0"/>
-              <a:t>If there is a public advisory with the minimum required details and other details require payment to access, then the vulnerability is considered public</a:t>
+              <a:t>If CNA does not assign a CVE ID and the researcher publishes the vulnerability, the CNA’s root CNA may choose to assign on their own</a:t>
             </a:r>
           </a:p>
           <a:p>
@@ -26228,7 +26297,7 @@
     </p:spTree>
     <p:extLst>
       <p:ext uri="{BB962C8B-B14F-4D97-AF65-F5344CB8AC3E}">
-        <p14:creationId xmlns:p14="http://schemas.microsoft.com/office/powerpoint/2010/main" val="2224530666"/>
+        <p14:creationId xmlns:p14="http://schemas.microsoft.com/office/powerpoint/2010/main" val="4003481894"/>
       </p:ext>
     </p:extLst>
   </p:cSld>
@@ -26417,74 +26486,278 @@
         </p:nvSpPr>
         <p:spPr/>
         <p:txBody>
-          <a:bodyPr>
-            <a:normAutofit fontScale="90000"/>
+          <a:bodyPr/>
+          <a:lstStyle/>
+          <a:p>
+            <a:r>
+              <a:rPr lang="en-US" dirty="0"/>
+              <a:t>INC3: Customer-Controlled Software</a:t>
+            </a:r>
+          </a:p>
+        </p:txBody>
+      </p:sp>
+      <p:graphicFrame>
+        <p:nvGraphicFramePr>
+          <p:cNvPr id="4" name="Content Placeholder 3"/>
+          <p:cNvGraphicFramePr>
+            <a:graphicFrameLocks noGrp="1"/>
+          </p:cNvGraphicFramePr>
+          <p:nvPr>
+            <p:ph idx="1"/>
+            <p:extLst>
+              <p:ext uri="{D42A27DB-BD31-4B8C-83A1-F6EECF244321}">
+                <p14:modId xmlns:p14="http://schemas.microsoft.com/office/powerpoint/2010/main" val="1569014222"/>
+              </p:ext>
+            </p:extLst>
+          </p:nvPr>
+        </p:nvGraphicFramePr>
+        <p:xfrm>
+          <a:off x="609600" y="1365210"/>
+          <a:ext cx="8229601" cy="730290"/>
+        </p:xfrm>
+        <a:graphic>
+          <a:graphicData uri="http://schemas.openxmlformats.org/drawingml/2006/table">
+            <a:tbl>
+              <a:tblPr firstRow="1" firstCol="1" bandRow="1">
+                <a:tableStyleId>{616DA210-FB5B-4158-B5E0-FEB733F419BA}</a:tableStyleId>
+              </a:tblPr>
+              <a:tblGrid>
+                <a:gridCol w="554183">
+                  <a:extLst>
+                    <a:ext uri="{9D8B030D-6E8A-4147-A177-3AD203B41FA5}">
+                      <a16:colId xmlns:a16="http://schemas.microsoft.com/office/drawing/2014/main" val="2153880092"/>
+                    </a:ext>
+                  </a:extLst>
+                </a:gridCol>
+                <a:gridCol w="7675418">
+                  <a:extLst>
+                    <a:ext uri="{9D8B030D-6E8A-4147-A177-3AD203B41FA5}">
+                      <a16:colId xmlns:a16="http://schemas.microsoft.com/office/drawing/2014/main" val="2067566818"/>
+                    </a:ext>
+                  </a:extLst>
+                </a:gridCol>
+              </a:tblGrid>
+              <a:tr h="730290">
+                <a:tc>
+                  <a:txBody>
+                    <a:bodyPr/>
+                    <a:lstStyle/>
+                    <a:p>
+                      <a:pPr marL="0" marR="0">
+                        <a:spcBef>
+                          <a:spcPts val="0"/>
+                        </a:spcBef>
+                        <a:spcAft>
+                          <a:spcPts val="0"/>
+                        </a:spcAft>
+                      </a:pPr>
+                      <a:r>
+                        <a:rPr lang="en-US" sz="1000">
+                          <a:effectLst/>
+                        </a:rPr>
+                        <a:t>INC3</a:t>
+                      </a:r>
+                      <a:endParaRPr lang="en-US" sz="1000">
+                        <a:effectLst/>
+                        <a:latin typeface="Calibri" panose="020F0502020204030204" pitchFamily="34" charset="0"/>
+                        <a:ea typeface="Calibri" panose="020F0502020204030204" pitchFamily="34" charset="0"/>
+                        <a:cs typeface="Times New Roman" panose="02020603050405020304" pitchFamily="18" charset="0"/>
+                      </a:endParaRPr>
+                    </a:p>
+                  </a:txBody>
+                  <a:tcPr marL="14288" marR="14288" marT="14288" marB="14288" anchor="ctr"/>
+                </a:tc>
+                <a:tc>
+                  <a:txBody>
+                    <a:bodyPr/>
+                    <a:lstStyle/>
+                    <a:p>
+                      <a:pPr marL="0" marR="0">
+                        <a:spcBef>
+                          <a:spcPts val="0"/>
+                        </a:spcBef>
+                        <a:spcAft>
+                          <a:spcPts val="0"/>
+                        </a:spcAft>
+                      </a:pPr>
+                      <a:r>
+                        <a:rPr lang="en-US" sz="1000" dirty="0">
+                          <a:effectLst/>
+                        </a:rPr>
+                        <a:t>Installable/Customer-controlled Software: Is the vulnerability site-specific? Is it only in an online service (software-as-a-service), on a specific web site, or only offered through hosting solutions that are under the full control of the vendor? CVE IDs are assigned to products that are customer-controlled or customer-installable.</a:t>
+                      </a:r>
+                      <a:endParaRPr lang="en-US" sz="1000" dirty="0">
+                        <a:effectLst/>
+                        <a:latin typeface="Calibri" panose="020F0502020204030204" pitchFamily="34" charset="0"/>
+                        <a:ea typeface="Calibri" panose="020F0502020204030204" pitchFamily="34" charset="0"/>
+                        <a:cs typeface="Times New Roman" panose="02020603050405020304" pitchFamily="18" charset="0"/>
+                      </a:endParaRPr>
+                    </a:p>
+                  </a:txBody>
+                  <a:tcPr marL="14288" marR="14288" marT="14288" marB="14288" anchor="ctr"/>
+                </a:tc>
+                <a:extLst>
+                  <a:ext uri="{0D108BD9-81ED-4DB2-BD59-A6C34878D82A}">
+                    <a16:rowId xmlns:a16="http://schemas.microsoft.com/office/drawing/2014/main" val="504157923"/>
+                  </a:ext>
+                </a:extLst>
+              </a:tr>
+            </a:tbl>
+          </a:graphicData>
+        </a:graphic>
+      </p:graphicFrame>
+      <p:sp>
+        <p:nvSpPr>
+          <p:cNvPr id="8" name="TextBox 7"/>
+          <p:cNvSpPr txBox="1"/>
+          <p:nvPr/>
+        </p:nvSpPr>
+        <p:spPr>
+          <a:xfrm>
+            <a:off x="4384967" y="2611276"/>
+            <a:ext cx="4454236" cy="2969425"/>
+          </a:xfrm>
+          <a:prstGeom prst="rect">
+            <a:avLst/>
+          </a:prstGeom>
+          <a:noFill/>
+        </p:spPr>
+        <p:txBody>
+          <a:bodyPr wrap="square" rtlCol="0">
+            <a:normAutofit/>
           </a:bodyPr>
           <a:lstStyle/>
           <a:p>
-            <a:r>
-              <a:rPr lang="en-US" dirty="0"/>
-              <a:t>INC2: Determine if Vulnerability is Public (2 of 2)</a:t>
-            </a:r>
+            <a:pPr marL="173823" indent="-173823">
+              <a:spcAft>
+                <a:spcPts val="450"/>
+              </a:spcAft>
+              <a:buClr>
+                <a:srgbClr val="005B94"/>
+              </a:buClr>
+              <a:buSzPct val="120000"/>
+              <a:buFont typeface="Wingdings" pitchFamily="2" charset="2"/>
+              <a:buChar char="§"/>
+            </a:pPr>
+            <a:r>
+              <a:rPr lang="en-US" sz="1500" b="1" dirty="0">
+                <a:solidFill>
+                  <a:prstClr val="black"/>
+                </a:solidFill>
+                <a:latin typeface="Arial" pitchFamily="34" charset="0"/>
+                <a:cs typeface="Arial" pitchFamily="34" charset="0"/>
+              </a:rPr>
+              <a:t>Purpose</a:t>
+            </a:r>
+          </a:p>
+          <a:p>
+            <a:pPr marL="516705" lvl="1" indent="-173823">
+              <a:spcAft>
+                <a:spcPts val="450"/>
+              </a:spcAft>
+              <a:buClr>
+                <a:srgbClr val="005B94"/>
+              </a:buClr>
+              <a:buSzPct val="120000"/>
+              <a:buFont typeface="Wingdings" pitchFamily="2" charset="2"/>
+              <a:buChar char="§"/>
+            </a:pPr>
+            <a:r>
+              <a:rPr lang="en-US" sz="1500" b="1" dirty="0">
+                <a:solidFill>
+                  <a:prstClr val="black"/>
+                </a:solidFill>
+                <a:latin typeface="Arial" pitchFamily="34" charset="0"/>
+                <a:cs typeface="Arial" pitchFamily="34" charset="0"/>
+              </a:rPr>
+              <a:t>Ensure that CVE IDs are only assigned to vulnerabilities users care about</a:t>
+            </a:r>
+          </a:p>
+          <a:p>
+            <a:pPr marL="173823" indent="-173823">
+              <a:spcAft>
+                <a:spcPts val="450"/>
+              </a:spcAft>
+              <a:buClr>
+                <a:srgbClr val="005B94"/>
+              </a:buClr>
+              <a:buSzPct val="120000"/>
+              <a:buFont typeface="Wingdings" pitchFamily="2" charset="2"/>
+              <a:buChar char="§"/>
+            </a:pPr>
+            <a:r>
+              <a:rPr lang="en-US" sz="1500" b="1" dirty="0">
+                <a:solidFill>
+                  <a:prstClr val="black"/>
+                </a:solidFill>
+                <a:latin typeface="Arial" pitchFamily="34" charset="0"/>
+                <a:cs typeface="Arial" pitchFamily="34" charset="0"/>
+              </a:rPr>
+              <a:t>Process</a:t>
+            </a:r>
+          </a:p>
+          <a:p>
+            <a:pPr marL="516705" lvl="1" indent="-173823">
+              <a:spcAft>
+                <a:spcPts val="450"/>
+              </a:spcAft>
+              <a:buClr>
+                <a:srgbClr val="005B94"/>
+              </a:buClr>
+              <a:buSzPct val="120000"/>
+              <a:buFont typeface="Wingdings" pitchFamily="2" charset="2"/>
+              <a:buChar char="§"/>
+            </a:pPr>
+            <a:r>
+              <a:rPr lang="en-US" sz="1500" b="1" dirty="0">
+                <a:solidFill>
+                  <a:prstClr val="black"/>
+                </a:solidFill>
+                <a:latin typeface="Arial" pitchFamily="34" charset="0"/>
+                <a:cs typeface="Arial" pitchFamily="34" charset="0"/>
+              </a:rPr>
+              <a:t>Determine if the end user of the product can take an action to mitigate the vulnerability</a:t>
+            </a:r>
+          </a:p>
+          <a:p>
+            <a:endParaRPr lang="en-US" sz="1350" dirty="0"/>
+          </a:p>
+          <a:p>
+            <a:endParaRPr lang="en-US" sz="1350" dirty="0"/>
+          </a:p>
+          <a:p>
+            <a:endParaRPr lang="en-US" sz="1350" dirty="0"/>
           </a:p>
         </p:txBody>
       </p:sp>
-      <p:sp>
-        <p:nvSpPr>
-          <p:cNvPr id="3" name="Content Placeholder 2"/>
-          <p:cNvSpPr>
-            <a:spLocks noGrp="1"/>
-          </p:cNvSpPr>
-          <p:nvPr>
-            <p:ph idx="1"/>
-          </p:nvPr>
-        </p:nvSpPr>
-        <p:spPr/>
-        <p:txBody>
-          <a:bodyPr/>
-          <a:lstStyle/>
-          <a:p>
-            <a:r>
-              <a:rPr lang="en-US" dirty="0"/>
-              <a:t>Patches are not considered public</a:t>
-            </a:r>
-          </a:p>
-          <a:p>
-            <a:pPr lvl="1"/>
-            <a:r>
-              <a:rPr lang="en-US" dirty="0"/>
-              <a:t>They do not meet the URL and information requirements</a:t>
-            </a:r>
-          </a:p>
-          <a:p>
-            <a:pPr lvl="1"/>
-            <a:r>
-              <a:rPr lang="en-US" dirty="0"/>
-              <a:t>Exception: Public open source commits (in some cases)</a:t>
-            </a:r>
-          </a:p>
-          <a:p>
-            <a:r>
-              <a:rPr lang="en-US" dirty="0"/>
-              <a:t>If a researcher wishes to make a vulnerability public, it is best practice for the CNA to assign a CVE ID</a:t>
-            </a:r>
-          </a:p>
-          <a:p>
-            <a:pPr lvl="1"/>
-            <a:r>
-              <a:rPr lang="en-US" dirty="0"/>
-              <a:t>If CNA does not assign a CVE ID and the researcher publishes the vulnerability, the CNA’s root CNA may choose to assign on their own</a:t>
-            </a:r>
-          </a:p>
-          <a:p>
-            <a:endParaRPr lang="en-US" dirty="0"/>
-          </a:p>
-        </p:txBody>
-      </p:sp>
+      <p:pic>
+        <p:nvPicPr>
+          <p:cNvPr id="3" name="Picture 2"/>
+          <p:cNvPicPr>
+            <a:picLocks noChangeAspect="1"/>
+          </p:cNvPicPr>
+          <p:nvPr/>
+        </p:nvPicPr>
+        <p:blipFill>
+          <a:blip r:embed="rId2"/>
+          <a:stretch>
+            <a:fillRect/>
+          </a:stretch>
+        </p:blipFill>
+        <p:spPr>
+          <a:xfrm>
+            <a:off x="609601" y="2467535"/>
+            <a:ext cx="2928836" cy="3010284"/>
+          </a:xfrm>
+          <a:prstGeom prst="rect">
+            <a:avLst/>
+          </a:prstGeom>
+        </p:spPr>
+      </p:pic>
     </p:spTree>
     <p:extLst>
       <p:ext uri="{BB962C8B-B14F-4D97-AF65-F5344CB8AC3E}">
-        <p14:creationId xmlns:p14="http://schemas.microsoft.com/office/powerpoint/2010/main" val="4003481894"/>
+        <p14:creationId xmlns:p14="http://schemas.microsoft.com/office/powerpoint/2010/main" val="810873611"/>
       </p:ext>
     </p:extLst>
   </p:cSld>
@@ -26528,269 +26801,75 @@
           <a:p>
             <a:r>
               <a:rPr lang="en-US" dirty="0"/>
-              <a:t>INC3: Customer-Controlled Software</a:t>
+              <a:t>INC3 Exclusions </a:t>
             </a:r>
           </a:p>
         </p:txBody>
       </p:sp>
-      <p:graphicFrame>
-        <p:nvGraphicFramePr>
-          <p:cNvPr id="4" name="Content Placeholder 3"/>
-          <p:cNvGraphicFramePr>
-            <a:graphicFrameLocks noGrp="1"/>
-          </p:cNvGraphicFramePr>
+      <p:sp>
+        <p:nvSpPr>
+          <p:cNvPr id="3" name="Content Placeholder 2"/>
+          <p:cNvSpPr>
+            <a:spLocks noGrp="1"/>
+          </p:cNvSpPr>
           <p:nvPr>
             <p:ph idx="1"/>
-            <p:extLst/>
           </p:nvPr>
-        </p:nvGraphicFramePr>
-        <p:xfrm>
-          <a:off x="609600" y="1922790"/>
-          <a:ext cx="8229601" cy="440057"/>
-        </p:xfrm>
-        <a:graphic>
-          <a:graphicData uri="http://schemas.openxmlformats.org/drawingml/2006/table">
-            <a:tbl>
-              <a:tblPr firstRow="1" firstCol="1" bandRow="1">
-                <a:tableStyleId>{616DA210-FB5B-4158-B5E0-FEB733F419BA}</a:tableStyleId>
-              </a:tblPr>
-              <a:tblGrid>
-                <a:gridCol w="554183">
-                  <a:extLst>
-                    <a:ext uri="{9D8B030D-6E8A-4147-A177-3AD203B41FA5}">
-                      <a16:colId xmlns:a16="http://schemas.microsoft.com/office/drawing/2014/main" val="2153880092"/>
-                    </a:ext>
-                  </a:extLst>
-                </a:gridCol>
-                <a:gridCol w="7675418">
-                  <a:extLst>
-                    <a:ext uri="{9D8B030D-6E8A-4147-A177-3AD203B41FA5}">
-                      <a16:colId xmlns:a16="http://schemas.microsoft.com/office/drawing/2014/main" val="2067566818"/>
-                    </a:ext>
-                  </a:extLst>
-                </a:gridCol>
-              </a:tblGrid>
-              <a:tr h="440057">
-                <a:tc>
-                  <a:txBody>
-                    <a:bodyPr/>
-                    <a:lstStyle/>
-                    <a:p>
-                      <a:pPr marL="0" marR="0">
-                        <a:spcBef>
-                          <a:spcPts val="0"/>
-                        </a:spcBef>
-                        <a:spcAft>
-                          <a:spcPts val="0"/>
-                        </a:spcAft>
-                      </a:pPr>
-                      <a:r>
-                        <a:rPr lang="en-US" sz="900">
-                          <a:effectLst/>
-                        </a:rPr>
-                        <a:t>INC3</a:t>
-                      </a:r>
-                      <a:endParaRPr lang="en-US" sz="900">
-                        <a:effectLst/>
-                        <a:latin typeface="Calibri" panose="020F0502020204030204" pitchFamily="34" charset="0"/>
-                        <a:ea typeface="Calibri" panose="020F0502020204030204" pitchFamily="34" charset="0"/>
-                        <a:cs typeface="Times New Roman" panose="02020603050405020304" pitchFamily="18" charset="0"/>
-                      </a:endParaRPr>
-                    </a:p>
-                  </a:txBody>
-                  <a:tcPr marL="14288" marR="14288" marT="14288" marB="14288" anchor="ctr"/>
-                </a:tc>
-                <a:tc>
-                  <a:txBody>
-                    <a:bodyPr/>
-                    <a:lstStyle/>
-                    <a:p>
-                      <a:pPr marL="0" marR="0">
-                        <a:spcBef>
-                          <a:spcPts val="0"/>
-                        </a:spcBef>
-                        <a:spcAft>
-                          <a:spcPts val="0"/>
-                        </a:spcAft>
-                      </a:pPr>
-                      <a:r>
-                        <a:rPr lang="en-US" sz="900" dirty="0">
-                          <a:effectLst/>
-                        </a:rPr>
-                        <a:t>Installable/Customer-controlled Software: Is the vulnerability site-specific? Is it only in an online service (software-as-a-service), on a specific web site, or only offered through hosting solutions that are under the full control of the vendor? CVE IDs are assigned to products that are customer-controlled or customer-installable.</a:t>
-                      </a:r>
-                      <a:endParaRPr lang="en-US" sz="900" dirty="0">
-                        <a:effectLst/>
-                        <a:latin typeface="Calibri" panose="020F0502020204030204" pitchFamily="34" charset="0"/>
-                        <a:ea typeface="Calibri" panose="020F0502020204030204" pitchFamily="34" charset="0"/>
-                        <a:cs typeface="Times New Roman" panose="02020603050405020304" pitchFamily="18" charset="0"/>
-                      </a:endParaRPr>
-                    </a:p>
-                  </a:txBody>
-                  <a:tcPr marL="14288" marR="14288" marT="14288" marB="14288" anchor="ctr"/>
-                </a:tc>
-                <a:extLst>
-                  <a:ext uri="{0D108BD9-81ED-4DB2-BD59-A6C34878D82A}">
-                    <a16:rowId xmlns:a16="http://schemas.microsoft.com/office/drawing/2014/main" val="504157923"/>
-                  </a:ext>
-                </a:extLst>
-              </a:tr>
-            </a:tbl>
-          </a:graphicData>
-        </a:graphic>
-      </p:graphicFrame>
-      <p:sp>
-        <p:nvSpPr>
-          <p:cNvPr id="8" name="TextBox 7"/>
-          <p:cNvSpPr txBox="1"/>
-          <p:nvPr/>
         </p:nvSpPr>
-        <p:spPr>
-          <a:xfrm>
-            <a:off x="4384967" y="2611276"/>
-            <a:ext cx="4454236" cy="2969425"/>
-          </a:xfrm>
-          <a:prstGeom prst="rect">
-            <a:avLst/>
-          </a:prstGeom>
-          <a:noFill/>
-        </p:spPr>
+        <p:spPr/>
         <p:txBody>
-          <a:bodyPr wrap="square" rtlCol="0">
-            <a:normAutofit/>
-          </a:bodyPr>
+          <a:bodyPr/>
           <a:lstStyle/>
           <a:p>
-            <a:pPr marL="173823" indent="-173823">
-              <a:spcAft>
-                <a:spcPts val="450"/>
-              </a:spcAft>
-              <a:buClr>
-                <a:srgbClr val="005B94"/>
-              </a:buClr>
-              <a:buSzPct val="120000"/>
-              <a:buFont typeface="Wingdings" pitchFamily="2" charset="2"/>
-              <a:buChar char="§"/>
-            </a:pPr>
-            <a:r>
-              <a:rPr lang="en-US" sz="1500" b="1" dirty="0">
-                <a:solidFill>
-                  <a:prstClr val="black"/>
-                </a:solidFill>
-                <a:latin typeface="Arial" pitchFamily="34" charset="0"/>
-                <a:cs typeface="Arial" pitchFamily="34" charset="0"/>
-              </a:rPr>
-              <a:t>Purpose</a:t>
-            </a:r>
-          </a:p>
-          <a:p>
-            <a:pPr marL="516705" lvl="1" indent="-173823">
-              <a:spcAft>
-                <a:spcPts val="450"/>
-              </a:spcAft>
-              <a:buClr>
-                <a:srgbClr val="005B94"/>
-              </a:buClr>
-              <a:buSzPct val="120000"/>
-              <a:buFont typeface="Wingdings" pitchFamily="2" charset="2"/>
-              <a:buChar char="§"/>
-            </a:pPr>
-            <a:r>
-              <a:rPr lang="en-US" sz="1500" b="1" dirty="0">
-                <a:solidFill>
-                  <a:prstClr val="black"/>
-                </a:solidFill>
-                <a:latin typeface="Arial" pitchFamily="34" charset="0"/>
-                <a:cs typeface="Arial" pitchFamily="34" charset="0"/>
-              </a:rPr>
-              <a:t>Ensure that CVE IDs are only assigned to vulnerabilities users care about</a:t>
-            </a:r>
-          </a:p>
-          <a:p>
-            <a:pPr marL="173823" indent="-173823">
-              <a:spcAft>
-                <a:spcPts val="450"/>
-              </a:spcAft>
-              <a:buClr>
-                <a:srgbClr val="005B94"/>
-              </a:buClr>
-              <a:buSzPct val="120000"/>
-              <a:buFont typeface="Wingdings" pitchFamily="2" charset="2"/>
-              <a:buChar char="§"/>
-            </a:pPr>
-            <a:r>
-              <a:rPr lang="en-US" sz="1500" b="1" dirty="0">
-                <a:solidFill>
-                  <a:prstClr val="black"/>
-                </a:solidFill>
-                <a:latin typeface="Arial" pitchFamily="34" charset="0"/>
-                <a:cs typeface="Arial" pitchFamily="34" charset="0"/>
-              </a:rPr>
-              <a:t>Process</a:t>
-            </a:r>
-          </a:p>
-          <a:p>
-            <a:pPr marL="516705" lvl="1" indent="-173823">
-              <a:spcAft>
-                <a:spcPts val="450"/>
-              </a:spcAft>
-              <a:buClr>
-                <a:srgbClr val="005B94"/>
-              </a:buClr>
-              <a:buSzPct val="120000"/>
-              <a:buFont typeface="Wingdings" pitchFamily="2" charset="2"/>
-              <a:buChar char="§"/>
-            </a:pPr>
-            <a:r>
-              <a:rPr lang="en-US" sz="1500" b="1" dirty="0">
-                <a:solidFill>
-                  <a:prstClr val="black"/>
-                </a:solidFill>
-                <a:latin typeface="Arial" pitchFamily="34" charset="0"/>
-                <a:cs typeface="Arial" pitchFamily="34" charset="0"/>
-              </a:rPr>
-              <a:t>Determine if the end user of the product can take an action to mitigate the vulnerability</a:t>
-            </a:r>
-          </a:p>
-          <a:p>
-            <a:endParaRPr lang="en-US" sz="1350" dirty="0"/>
-          </a:p>
-          <a:p>
-            <a:endParaRPr lang="en-US" sz="1350" dirty="0"/>
-          </a:p>
-          <a:p>
-            <a:endParaRPr lang="en-US" sz="1350" dirty="0"/>
+            <a:r>
+              <a:rPr lang="en-US" dirty="0"/>
+              <a:t>INC3 does not include:</a:t>
+            </a:r>
+          </a:p>
+          <a:p>
+            <a:pPr lvl="1"/>
+            <a:r>
+              <a:rPr lang="en-US" dirty="0"/>
+              <a:t>Software-as-a-Service (SaaS)</a:t>
+            </a:r>
+          </a:p>
+          <a:p>
+            <a:pPr lvl="2"/>
+            <a:r>
+              <a:rPr lang="en-US" dirty="0"/>
+              <a:t>Vulnerabilities in an installed thin client would still get assigned CVE IDs</a:t>
+            </a:r>
+          </a:p>
+          <a:p>
+            <a:pPr lvl="2"/>
+            <a:r>
+              <a:rPr lang="en-US" dirty="0"/>
+              <a:t>If the vulnerabilities affect both the SaaS version and installable version, CVE IDs are still assigned</a:t>
+            </a:r>
+          </a:p>
+          <a:p>
+            <a:pPr lvl="1"/>
+            <a:r>
+              <a:rPr lang="en-US" dirty="0"/>
+              <a:t>Individual websites (e.g., google.com)</a:t>
+            </a:r>
+          </a:p>
+          <a:p>
+            <a:pPr lvl="1"/>
+            <a:r>
+              <a:rPr lang="en-US" dirty="0"/>
+              <a:t>Any fix that does not require the user of the product to take action</a:t>
+            </a:r>
+          </a:p>
+          <a:p>
+            <a:endParaRPr lang="en-US" dirty="0"/>
           </a:p>
         </p:txBody>
       </p:sp>
-      <p:pic>
-        <p:nvPicPr>
-          <p:cNvPr id="3" name="Picture 2"/>
-          <p:cNvPicPr>
-            <a:picLocks noChangeAspect="1"/>
-          </p:cNvPicPr>
-          <p:nvPr/>
-        </p:nvPicPr>
-        <p:blipFill>
-          <a:blip r:embed="rId2"/>
-          <a:stretch>
-            <a:fillRect/>
-          </a:stretch>
-        </p:blipFill>
-        <p:spPr>
-          <a:xfrm>
-            <a:off x="609601" y="2467535"/>
-            <a:ext cx="2928836" cy="3010284"/>
-          </a:xfrm>
-          <a:prstGeom prst="rect">
-            <a:avLst/>
-          </a:prstGeom>
-        </p:spPr>
-      </p:pic>
     </p:spTree>
     <p:extLst>
       <p:ext uri="{BB962C8B-B14F-4D97-AF65-F5344CB8AC3E}">
-        <p14:creationId xmlns:p14="http://schemas.microsoft.com/office/powerpoint/2010/main" val="810873611"/>
+        <p14:creationId xmlns:p14="http://schemas.microsoft.com/office/powerpoint/2010/main" val="1746413836"/>
       </p:ext>
     </p:extLst>
   </p:cSld>
@@ -26834,118 +26913,6 @@
           <a:p>
             <a:r>
               <a:rPr lang="en-US" dirty="0"/>
-              <a:t>INC3 Exclusions </a:t>
-            </a:r>
-          </a:p>
-        </p:txBody>
-      </p:sp>
-      <p:sp>
-        <p:nvSpPr>
-          <p:cNvPr id="3" name="Content Placeholder 2"/>
-          <p:cNvSpPr>
-            <a:spLocks noGrp="1"/>
-          </p:cNvSpPr>
-          <p:nvPr>
-            <p:ph idx="1"/>
-          </p:nvPr>
-        </p:nvSpPr>
-        <p:spPr/>
-        <p:txBody>
-          <a:bodyPr/>
-          <a:lstStyle/>
-          <a:p>
-            <a:r>
-              <a:rPr lang="en-US" dirty="0"/>
-              <a:t>INC3 does not include:</a:t>
-            </a:r>
-          </a:p>
-          <a:p>
-            <a:pPr lvl="1"/>
-            <a:r>
-              <a:rPr lang="en-US" dirty="0"/>
-              <a:t>Software-as-a-Service (SaaS)</a:t>
-            </a:r>
-          </a:p>
-          <a:p>
-            <a:pPr lvl="2"/>
-            <a:r>
-              <a:rPr lang="en-US" dirty="0"/>
-              <a:t>Vulnerabilities in an installed thin client would still get assigned CVE IDs</a:t>
-            </a:r>
-          </a:p>
-          <a:p>
-            <a:pPr lvl="2"/>
-            <a:r>
-              <a:rPr lang="en-US" dirty="0"/>
-              <a:t>If the vulnerabilities affect both the SaaS version and installable version, CVE IDs are still assigned</a:t>
-            </a:r>
-          </a:p>
-          <a:p>
-            <a:pPr lvl="1"/>
-            <a:r>
-              <a:rPr lang="en-US" dirty="0"/>
-              <a:t>Individual websites (e.g., google.com)</a:t>
-            </a:r>
-          </a:p>
-          <a:p>
-            <a:pPr lvl="1"/>
-            <a:r>
-              <a:rPr lang="en-US" dirty="0"/>
-              <a:t>Any fix that does not require the user of the product to take action</a:t>
-            </a:r>
-          </a:p>
-          <a:p>
-            <a:endParaRPr lang="en-US" dirty="0"/>
-          </a:p>
-        </p:txBody>
-      </p:sp>
-    </p:spTree>
-    <p:extLst>
-      <p:ext uri="{BB962C8B-B14F-4D97-AF65-F5344CB8AC3E}">
-        <p14:creationId xmlns:p14="http://schemas.microsoft.com/office/powerpoint/2010/main" val="1746413836"/>
-      </p:ext>
-    </p:extLst>
-  </p:cSld>
-  <p:clrMapOvr>
-    <a:masterClrMapping/>
-  </p:clrMapOvr>
-</p:sld>
-</file>
-
-<file path=ppt/slides/slide43.xml><?xml version="1.0" encoding="utf-8"?>
-<p:sld xmlns:a="http://schemas.openxmlformats.org/drawingml/2006/main" xmlns:r="http://schemas.openxmlformats.org/officeDocument/2006/relationships" xmlns:p="http://schemas.openxmlformats.org/presentationml/2006/main">
-  <p:cSld>
-    <p:spTree>
-      <p:nvGrpSpPr>
-        <p:cNvPr id="1" name=""/>
-        <p:cNvGrpSpPr/>
-        <p:nvPr/>
-      </p:nvGrpSpPr>
-      <p:grpSpPr>
-        <a:xfrm>
-          <a:off x="0" y="0"/>
-          <a:ext cx="0" cy="0"/>
-          <a:chOff x="0" y="0"/>
-          <a:chExt cx="0" cy="0"/>
-        </a:xfrm>
-      </p:grpSpPr>
-      <p:sp>
-        <p:nvSpPr>
-          <p:cNvPr id="2" name="Title 1"/>
-          <p:cNvSpPr>
-            <a:spLocks noGrp="1"/>
-          </p:cNvSpPr>
-          <p:nvPr>
-            <p:ph type="title"/>
-          </p:nvPr>
-        </p:nvSpPr>
-        <p:spPr/>
-        <p:txBody>
-          <a:bodyPr/>
-          <a:lstStyle/>
-          <a:p>
-            <a:r>
-              <a:rPr lang="en-US" dirty="0"/>
               <a:t>INC4: Publicly Available Software</a:t>
             </a:r>
           </a:p>
@@ -26959,12 +26926,16 @@
           </p:cNvGraphicFramePr>
           <p:nvPr>
             <p:ph sz="half" idx="1"/>
-            <p:extLst/>
+            <p:extLst>
+              <p:ext uri="{D42A27DB-BD31-4B8C-83A1-F6EECF244321}">
+                <p14:modId xmlns:p14="http://schemas.microsoft.com/office/powerpoint/2010/main" val="3973793864"/>
+              </p:ext>
+            </p:extLst>
           </p:nvPr>
         </p:nvGraphicFramePr>
         <p:xfrm>
-          <a:off x="609600" y="1899027"/>
-          <a:ext cx="8229601" cy="440057"/>
+          <a:off x="609600" y="1432302"/>
+          <a:ext cx="8229601" cy="710823"/>
         </p:xfrm>
         <a:graphic>
           <a:graphicData uri="http://schemas.openxmlformats.org/drawingml/2006/table">
@@ -26988,7 +26959,7 @@
                   </a:extLst>
                 </a:gridCol>
               </a:tblGrid>
-              <a:tr h="440057">
+              <a:tr h="710823">
                 <a:tc>
                   <a:txBody>
                     <a:bodyPr/>
@@ -27003,12 +26974,12 @@
                         </a:spcAft>
                       </a:pPr>
                       <a:r>
-                        <a:rPr lang="en-US" sz="900">
+                        <a:rPr lang="en-US" sz="1000">
                           <a:effectLst/>
                         </a:rPr>
                         <a:t>INC4</a:t>
                       </a:r>
-                      <a:endParaRPr lang="en-US" sz="900">
+                      <a:endParaRPr lang="en-US" sz="1000">
                         <a:effectLst/>
                         <a:latin typeface="Calibri" panose="020F0502020204030204" pitchFamily="34" charset="0"/>
                         <a:ea typeface="Calibri" panose="020F0502020204030204" pitchFamily="34" charset="0"/>
@@ -27032,12 +27003,12 @@
                         </a:spcAft>
                       </a:pPr>
                       <a:r>
-                        <a:rPr lang="en-US" sz="900" dirty="0">
+                        <a:rPr lang="en-US" sz="1000" dirty="0">
                           <a:effectLst/>
                         </a:rPr>
                         <a:t>Generally Available and Licensed Product: Does the vulnerability affect software that is licensed and made generally available to the public? If the vulnerability only affects a version of software that was never made generally available to the publisher’s or vendor's customers, the bug should not be assigned a CVE ID. CVE IDs are not assigned to bugs in malware.</a:t>
                       </a:r>
-                      <a:endParaRPr lang="en-US" sz="900" dirty="0">
+                      <a:endParaRPr lang="en-US" sz="1000" dirty="0">
                         <a:effectLst/>
                         <a:latin typeface="Calibri" panose="020F0502020204030204" pitchFamily="34" charset="0"/>
                         <a:ea typeface="Calibri" panose="020F0502020204030204" pitchFamily="34" charset="0"/>
@@ -27180,7 +27151,7 @@
 </p:sld>
 </file>
 
-<file path=ppt/slides/slide44.xml><?xml version="1.0" encoding="utf-8"?>
+<file path=ppt/slides/slide43.xml><?xml version="1.0" encoding="utf-8"?>
 <p:sld xmlns:a="http://schemas.openxmlformats.org/drawingml/2006/main" xmlns:r="http://schemas.openxmlformats.org/officeDocument/2006/relationships" xmlns:p="http://schemas.openxmlformats.org/presentationml/2006/main">
   <p:cSld>
     <p:spTree>
@@ -27368,7 +27339,7 @@
 </p:sld>
 </file>
 
-<file path=ppt/slides/slide45.xml><?xml version="1.0" encoding="utf-8"?>
+<file path=ppt/slides/slide44.xml><?xml version="1.0" encoding="utf-8"?>
 <p:sld xmlns:a="http://schemas.openxmlformats.org/drawingml/2006/main" xmlns:r="http://schemas.openxmlformats.org/officeDocument/2006/relationships" xmlns:p="http://schemas.openxmlformats.org/presentationml/2006/main">
   <p:cSld>
     <p:spTree>
@@ -27415,12 +27386,16 @@
           </p:cNvGraphicFramePr>
           <p:nvPr>
             <p:ph sz="half" idx="1"/>
-            <p:extLst/>
+            <p:extLst>
+              <p:ext uri="{D42A27DB-BD31-4B8C-83A1-F6EECF244321}">
+                <p14:modId xmlns:p14="http://schemas.microsoft.com/office/powerpoint/2010/main" val="2981535087"/>
+              </p:ext>
+            </p:extLst>
           </p:nvPr>
         </p:nvGraphicFramePr>
         <p:xfrm>
-          <a:off x="609600" y="1981202"/>
-          <a:ext cx="8229601" cy="165737"/>
+          <a:off x="609600" y="1482327"/>
+          <a:ext cx="8229601" cy="451248"/>
         </p:xfrm>
         <a:graphic>
           <a:graphicData uri="http://schemas.openxmlformats.org/drawingml/2006/table">
@@ -27444,7 +27419,7 @@
                   </a:extLst>
                 </a:gridCol>
               </a:tblGrid>
-              <a:tr h="165737">
+              <a:tr h="451248">
                 <a:tc>
                   <a:txBody>
                     <a:bodyPr/>
@@ -27459,12 +27434,12 @@
                         </a:spcAft>
                       </a:pPr>
                       <a:r>
-                        <a:rPr lang="en-US" sz="900">
+                        <a:rPr lang="en-US" sz="1000">
                           <a:effectLst/>
                         </a:rPr>
                         <a:t>INC5</a:t>
                       </a:r>
-                      <a:endParaRPr lang="en-US" sz="900">
+                      <a:endParaRPr lang="en-US" sz="1000">
                         <a:effectLst/>
                         <a:latin typeface="Calibri" panose="020F0502020204030204" pitchFamily="34" charset="0"/>
                         <a:ea typeface="Calibri" panose="020F0502020204030204" pitchFamily="34" charset="0"/>
@@ -27488,12 +27463,12 @@
                         </a:spcAft>
                       </a:pPr>
                       <a:r>
-                        <a:rPr lang="en-US" sz="900" dirty="0">
+                        <a:rPr lang="en-US" sz="1000" dirty="0">
                           <a:effectLst/>
                         </a:rPr>
                         <a:t>Duplicate: Has the vulnerability already been assigned a CVE by you or does it already exist in the CVE List?</a:t>
                       </a:r>
-                      <a:endParaRPr lang="en-US" sz="900" dirty="0">
+                      <a:endParaRPr lang="en-US" sz="1000" dirty="0">
                         <a:effectLst/>
                         <a:latin typeface="Calibri" panose="020F0502020204030204" pitchFamily="34" charset="0"/>
                         <a:ea typeface="Calibri" panose="020F0502020204030204" pitchFamily="34" charset="0"/>
@@ -27607,7 +27582,7 @@
 </p:sld>
 </file>
 
-<file path=ppt/slides/slide46.xml><?xml version="1.0" encoding="utf-8"?>
+<file path=ppt/slides/slide45.xml><?xml version="1.0" encoding="utf-8"?>
 <p:sld xmlns:a="http://schemas.openxmlformats.org/drawingml/2006/main" xmlns:r="http://schemas.openxmlformats.org/officeDocument/2006/relationships" xmlns:p="http://schemas.openxmlformats.org/presentationml/2006/main">
   <p:cSld>
     <p:spTree>
@@ -27722,7 +27697,7 @@
                 </a:solidFill>
               </a:rPr>
               <a:pPr/>
-              <a:t>45</a:t>
+              <a:t>44</a:t>
             </a:fld>
             <a:r>
               <a:rPr lang="en-US"/>
@@ -27757,7 +27732,7 @@
 </p:sld>
 </file>
 
-<file path=ppt/slides/slide47.xml><?xml version="1.0" encoding="utf-8"?>
+<file path=ppt/slides/slide46.xml><?xml version="1.0" encoding="utf-8"?>
 <p:sld xmlns:a="http://schemas.openxmlformats.org/drawingml/2006/main" xmlns:r="http://schemas.openxmlformats.org/officeDocument/2006/relationships" xmlns:p="http://schemas.openxmlformats.org/presentationml/2006/main">
   <p:cSld>
     <p:spTree>
@@ -27872,7 +27847,7 @@
                 </a:solidFill>
               </a:rPr>
               <a:pPr/>
-              <a:t>46</a:t>
+              <a:t>45</a:t>
             </a:fld>
             <a:r>
               <a:rPr lang="en-US"/>
@@ -27907,7 +27882,7 @@
 </p:sld>
 </file>
 
-<file path=ppt/slides/slide48.xml><?xml version="1.0" encoding="utf-8"?>
+<file path=ppt/slides/slide47.xml><?xml version="1.0" encoding="utf-8"?>
 <p:sld xmlns:a="http://schemas.openxmlformats.org/drawingml/2006/main" xmlns:r="http://schemas.openxmlformats.org/officeDocument/2006/relationships" xmlns:p="http://schemas.openxmlformats.org/presentationml/2006/main">
   <p:cSld>
     <p:spTree>
@@ -29574,7 +29549,7 @@
 </p:sld>
 </file>
 
-<file path=ppt/slides/slide49.xml><?xml version="1.0" encoding="utf-8"?>
+<file path=ppt/slides/slide48.xml><?xml version="1.0" encoding="utf-8"?>
 <p:sld xmlns:a="http://schemas.openxmlformats.org/drawingml/2006/main" xmlns:r="http://schemas.openxmlformats.org/officeDocument/2006/relationships" xmlns:p="http://schemas.openxmlformats.org/presentationml/2006/main">
   <p:cSld>
     <p:spTree>
@@ -32805,13 +32780,13 @@
           <a:p>
             <a:r>
               <a:rPr lang="en-US" dirty="0"/>
-              <a:t>For the vulnerabilities identified this way, merge any that are the result of shared code, a protocol, or a standard</a:t>
+              <a:t>Then determine which set of products are affected</a:t>
             </a:r>
           </a:p>
           <a:p>
             <a:r>
               <a:rPr lang="en-US" dirty="0"/>
-              <a:t>Now that you have identified the affected product, you can decide if the vulnerability is in your scope or someone else’s</a:t>
+              <a:t>Now that you have identified the affected product(s), you can decide if the vulnerability is in your scope or someone else’s</a:t>
             </a:r>
           </a:p>
           <a:p>
@@ -32838,7 +32813,7 @@
             <a:pPr lvl="1"/>
             <a:r>
               <a:rPr lang="en-US" dirty="0"/>
-              <a:t>They must be able to do something to mitigate the vulnerability</a:t>
+              <a:t>The vulnerability is in software they have some control</a:t>
             </a:r>
           </a:p>
           <a:p>
@@ -33754,6 +33729,15 @@
 </file>
 
 <file path=customXml/item1.xml><?xml version="1.0" encoding="utf-8"?>
+<?mso-contentType ?>
+<FormTemplates xmlns="http://schemas.microsoft.com/sharepoint/v3/contenttype/forms">
+  <Display>DocumentLibraryForm</Display>
+  <Edit>DocumentLibraryForm</Edit>
+  <New>DocumentLibraryForm</New>
+</FormTemplates>
+</file>
+
+<file path=customXml/item2.xml><?xml version="1.0" encoding="utf-8"?>
 <p:properties xmlns:p="http://schemas.microsoft.com/office/2006/metadata/properties" xmlns:xsi="http://www.w3.org/2001/XMLSchema-instance" xmlns:pc="http://schemas.microsoft.com/office/infopath/2007/PartnerControls">
   <documentManagement>
     <MITRE_x0020_Sensitivity xmlns="http://schemas.microsoft.com/sharepoint/v3">Internal MITRE Information</MITRE_x0020_Sensitivity>
@@ -33763,7 +33747,7 @@
 </p:properties>
 </file>
 
-<file path=customXml/item2.xml><?xml version="1.0" encoding="utf-8"?>
+<file path=customXml/item3.xml><?xml version="1.0" encoding="utf-8"?>
 <?mso-contentType ?>
 <customXsn xmlns="http://schemas.microsoft.com/office/2006/metadata/customXsn">
   <xsnLocation/>
@@ -33773,7 +33757,7 @@
 </customXsn>
 </file>
 
-<file path=customXml/item3.xml><?xml version="1.0" encoding="utf-8"?>
+<file path=customXml/item4.xml><?xml version="1.0" encoding="utf-8"?>
 <ct:contentTypeSchema xmlns:ct="http://schemas.microsoft.com/office/2006/metadata/contentType" xmlns:ma="http://schemas.microsoft.com/office/2006/metadata/properties/metaAttributes" ct:_="" ma:_="" ma:contentTypeName="MITRE Work" ma:contentTypeID="0x010100823A99C636F7423283FB0D200866C61300672FC96AA6A3E34CB3016BEF1A0FC705" ma:contentTypeVersion="1" ma:contentTypeDescription="Materials and documents that contain MITRE authored content and other content directly attributable to MITRE and its work" ma:contentTypeScope="" ma:versionID="5312473431e918823c9d10db5606fc0c">
   <xsd:schema xmlns:xsd="http://www.w3.org/2001/XMLSchema" xmlns:xs="http://www.w3.org/2001/XMLSchema" xmlns:p="http://schemas.microsoft.com/office/2006/metadata/properties" xmlns:ns1="http://schemas.microsoft.com/sharepoint/v3" xmlns:ns2="http://schemas.microsoft.com/sharepoint/v3/fields" targetNamespace="http://schemas.microsoft.com/office/2006/metadata/properties" ma:root="true" ma:fieldsID="e207f629e9ef5d09050449f693559770" ns1:_="" ns2:_="">
     <xsd:import namespace="http://schemas.microsoft.com/sharepoint/v3"/>
@@ -33937,16 +33921,15 @@
 </ct:contentTypeSchema>
 </file>
 
-<file path=customXml/item4.xml><?xml version="1.0" encoding="utf-8"?>
-<?mso-contentType ?>
-<FormTemplates xmlns="http://schemas.microsoft.com/sharepoint/v3/contenttype/forms">
-  <Display>DocumentLibraryForm</Display>
-  <Edit>DocumentLibraryForm</Edit>
-  <New>DocumentLibraryForm</New>
-</FormTemplates>
+<file path=customXml/itemProps1.xml><?xml version="1.0" encoding="utf-8"?>
+<ds:datastoreItem xmlns:ds="http://schemas.openxmlformats.org/officeDocument/2006/customXml" ds:itemID="{FB1507C7-6C22-4D15-8233-C34E2A750B0C}">
+  <ds:schemaRefs>
+    <ds:schemaRef ds:uri="http://schemas.microsoft.com/sharepoint/v3/contenttype/forms"/>
+  </ds:schemaRefs>
+</ds:datastoreItem>
 </file>
 
-<file path=customXml/itemProps1.xml><?xml version="1.0" encoding="utf-8"?>
+<file path=customXml/itemProps2.xml><?xml version="1.0" encoding="utf-8"?>
 <ds:datastoreItem xmlns:ds="http://schemas.openxmlformats.org/officeDocument/2006/customXml" ds:itemID="{8AD96AC7-108F-42BD-8114-33A8F6EB7780}">
   <ds:schemaRefs>
     <ds:schemaRef ds:uri="http://schemas.microsoft.com/office/2006/documentManagement/types"/>
@@ -33963,7 +33946,7 @@
 </ds:datastoreItem>
 </file>
 
-<file path=customXml/itemProps2.xml><?xml version="1.0" encoding="utf-8"?>
+<file path=customXml/itemProps3.xml><?xml version="1.0" encoding="utf-8"?>
 <ds:datastoreItem xmlns:ds="http://schemas.openxmlformats.org/officeDocument/2006/customXml" ds:itemID="{B4ACB788-98F9-48EA-B49A-C47746B917C6}">
   <ds:schemaRefs>
     <ds:schemaRef ds:uri="http://schemas.microsoft.com/office/2006/metadata/customXsn"/>
@@ -33971,7 +33954,7 @@
 </ds:datastoreItem>
 </file>
 
-<file path=customXml/itemProps3.xml><?xml version="1.0" encoding="utf-8"?>
+<file path=customXml/itemProps4.xml><?xml version="1.0" encoding="utf-8"?>
 <ds:datastoreItem xmlns:ds="http://schemas.openxmlformats.org/officeDocument/2006/customXml" ds:itemID="{D86E4B44-B7F3-4191-B0F5-883313050805}">
   <ds:schemaRefs>
     <ds:schemaRef ds:uri="http://schemas.microsoft.com/office/2006/metadata/contentType"/>
@@ -33988,12 +33971,4 @@
     <ds:schemaRef ds:uri="http://schemas.microsoft.com/internal/obd"/>
   </ds:schemaRefs>
 </ds:datastoreItem>
-</file>
-
-<file path=customXml/itemProps4.xml><?xml version="1.0" encoding="utf-8"?>
-<ds:datastoreItem xmlns:ds="http://schemas.openxmlformats.org/officeDocument/2006/customXml" ds:itemID="{FB1507C7-6C22-4D15-8233-C34E2A750B0C}">
-  <ds:schemaRefs>
-    <ds:schemaRef ds:uri="http://schemas.microsoft.com/sharepoint/v3/contenttype/forms"/>
-  </ds:schemaRefs>
-</ds:datastoreItem>
 </file>